--- a/Presentation/Multiple Imputation in Stata Tutorial.pptx
+++ b/Presentation/Multiple Imputation in Stata Tutorial.pptx
@@ -15,18 +15,24 @@
     <p:sldId id="267" r:id="rId9"/>
     <p:sldId id="268" r:id="rId10"/>
     <p:sldId id="269" r:id="rId11"/>
-    <p:sldId id="270" r:id="rId12"/>
-    <p:sldId id="271" r:id="rId13"/>
-    <p:sldId id="272" r:id="rId14"/>
-    <p:sldId id="273" r:id="rId15"/>
-    <p:sldId id="266" r:id="rId16"/>
-    <p:sldId id="278" r:id="rId17"/>
-    <p:sldId id="279" r:id="rId18"/>
-    <p:sldId id="280" r:id="rId19"/>
-    <p:sldId id="275" r:id="rId20"/>
-    <p:sldId id="276" r:id="rId21"/>
-    <p:sldId id="277" r:id="rId22"/>
-    <p:sldId id="281" r:id="rId23"/>
+    <p:sldId id="271" r:id="rId12"/>
+    <p:sldId id="272" r:id="rId13"/>
+    <p:sldId id="273" r:id="rId14"/>
+    <p:sldId id="266" r:id="rId15"/>
+    <p:sldId id="278" r:id="rId16"/>
+    <p:sldId id="279" r:id="rId17"/>
+    <p:sldId id="280" r:id="rId18"/>
+    <p:sldId id="275" r:id="rId19"/>
+    <p:sldId id="276" r:id="rId20"/>
+    <p:sldId id="277" r:id="rId21"/>
+    <p:sldId id="281" r:id="rId22"/>
+    <p:sldId id="282" r:id="rId23"/>
+    <p:sldId id="283" r:id="rId24"/>
+    <p:sldId id="284" r:id="rId25"/>
+    <p:sldId id="285" r:id="rId26"/>
+    <p:sldId id="286" r:id="rId27"/>
+    <p:sldId id="287" r:id="rId28"/>
+    <p:sldId id="288" r:id="rId29"/>
   </p:sldIdLst>
   <p:sldSz cx="12192000" cy="6858000"/>
   <p:notesSz cx="6858000" cy="9144000"/>
@@ -125,6 +131,11 @@
       </a:defRPr>
     </a:lvl9pPr>
   </p:defaultTextStyle>
+  <p:extLst>
+    <p:ext uri="{EFAFB233-063F-42B5-8137-9DF3F51BA10A}">
+      <p15:sldGuideLst xmlns:p15="http://schemas.microsoft.com/office/powerpoint/2012/main"/>
+    </p:ext>
+  </p:extLst>
 </p:presentation>
 </file>
 
@@ -313,7 +324,7 @@
           <a:p>
             <a:fld id="{D8E0CC2F-E3CF-4614-A12A-5E8D34113B8F}" type="datetimeFigureOut">
               <a:rPr lang="en-US" smtClean="0"/>
-              <a:t>4/4/2025</a:t>
+              <a:t>4/6/2025</a:t>
             </a:fld>
             <a:endParaRPr lang="en-US"/>
           </a:p>
@@ -611,7 +622,7 @@
           <a:p>
             <a:fld id="{D8E0CC2F-E3CF-4614-A12A-5E8D34113B8F}" type="datetimeFigureOut">
               <a:rPr lang="en-US" smtClean="0"/>
-              <a:t>4/4/2025</a:t>
+              <a:t>4/6/2025</a:t>
             </a:fld>
             <a:endParaRPr lang="en-US"/>
           </a:p>
@@ -803,7 +814,7 @@
           <a:p>
             <a:fld id="{D8E0CC2F-E3CF-4614-A12A-5E8D34113B8F}" type="datetimeFigureOut">
               <a:rPr lang="en-US" smtClean="0"/>
-              <a:t>4/4/2025</a:t>
+              <a:t>4/6/2025</a:t>
             </a:fld>
             <a:endParaRPr lang="en-US"/>
           </a:p>
@@ -1064,7 +1075,7 @@
           <a:p>
             <a:fld id="{D8E0CC2F-E3CF-4614-A12A-5E8D34113B8F}" type="datetimeFigureOut">
               <a:rPr lang="en-US" smtClean="0"/>
-              <a:t>4/4/2025</a:t>
+              <a:t>4/6/2025</a:t>
             </a:fld>
             <a:endParaRPr lang="en-US"/>
           </a:p>
@@ -1488,7 +1499,7 @@
           <a:p>
             <a:fld id="{D8E0CC2F-E3CF-4614-A12A-5E8D34113B8F}" type="datetimeFigureOut">
               <a:rPr lang="en-US" smtClean="0"/>
-              <a:t>4/4/2025</a:t>
+              <a:t>4/6/2025</a:t>
             </a:fld>
             <a:endParaRPr lang="en-US"/>
           </a:p>
@@ -2025,7 +2036,7 @@
           <a:p>
             <a:fld id="{D8E0CC2F-E3CF-4614-A12A-5E8D34113B8F}" type="datetimeFigureOut">
               <a:rPr lang="en-US" smtClean="0"/>
-              <a:t>4/4/2025</a:t>
+              <a:t>4/6/2025</a:t>
             </a:fld>
             <a:endParaRPr lang="en-US"/>
           </a:p>
@@ -2889,7 +2900,7 @@
           <a:p>
             <a:fld id="{D8E0CC2F-E3CF-4614-A12A-5E8D34113B8F}" type="datetimeFigureOut">
               <a:rPr lang="en-US" smtClean="0"/>
-              <a:t>4/4/2025</a:t>
+              <a:t>4/6/2025</a:t>
             </a:fld>
             <a:endParaRPr lang="en-US"/>
           </a:p>
@@ -3059,7 +3070,7 @@
           <a:p>
             <a:fld id="{D8E0CC2F-E3CF-4614-A12A-5E8D34113B8F}" type="datetimeFigureOut">
               <a:rPr lang="en-US" smtClean="0"/>
-              <a:t>4/4/2025</a:t>
+              <a:t>4/6/2025</a:t>
             </a:fld>
             <a:endParaRPr lang="en-US"/>
           </a:p>
@@ -3243,7 +3254,7 @@
           <a:p>
             <a:fld id="{D8E0CC2F-E3CF-4614-A12A-5E8D34113B8F}" type="datetimeFigureOut">
               <a:rPr lang="en-US" smtClean="0"/>
-              <a:t>4/4/2025</a:t>
+              <a:t>4/6/2025</a:t>
             </a:fld>
             <a:endParaRPr lang="en-US"/>
           </a:p>
@@ -3413,7 +3424,7 @@
           <a:p>
             <a:fld id="{D8E0CC2F-E3CF-4614-A12A-5E8D34113B8F}" type="datetimeFigureOut">
               <a:rPr lang="en-US" smtClean="0"/>
-              <a:t>4/4/2025</a:t>
+              <a:t>4/6/2025</a:t>
             </a:fld>
             <a:endParaRPr lang="en-US"/>
           </a:p>
@@ -3657,7 +3668,7 @@
           <a:p>
             <a:fld id="{D8E0CC2F-E3CF-4614-A12A-5E8D34113B8F}" type="datetimeFigureOut">
               <a:rPr lang="en-US" smtClean="0"/>
-              <a:t>4/4/2025</a:t>
+              <a:t>4/6/2025</a:t>
             </a:fld>
             <a:endParaRPr lang="en-US"/>
           </a:p>
@@ -3893,7 +3904,7 @@
           <a:p>
             <a:fld id="{D8E0CC2F-E3CF-4614-A12A-5E8D34113B8F}" type="datetimeFigureOut">
               <a:rPr lang="en-US" smtClean="0"/>
-              <a:t>4/4/2025</a:t>
+              <a:t>4/6/2025</a:t>
             </a:fld>
             <a:endParaRPr lang="en-US"/>
           </a:p>
@@ -4359,7 +4370,7 @@
           <a:p>
             <a:fld id="{D8E0CC2F-E3CF-4614-A12A-5E8D34113B8F}" type="datetimeFigureOut">
               <a:rPr lang="en-US" smtClean="0"/>
-              <a:t>4/4/2025</a:t>
+              <a:t>4/6/2025</a:t>
             </a:fld>
             <a:endParaRPr lang="en-US"/>
           </a:p>
@@ -4477,7 +4488,7 @@
           <a:p>
             <a:fld id="{D8E0CC2F-E3CF-4614-A12A-5E8D34113B8F}" type="datetimeFigureOut">
               <a:rPr lang="en-US" smtClean="0"/>
-              <a:t>4/4/2025</a:t>
+              <a:t>4/6/2025</a:t>
             </a:fld>
             <a:endParaRPr lang="en-US"/>
           </a:p>
@@ -4572,7 +4583,7 @@
           <a:p>
             <a:fld id="{D8E0CC2F-E3CF-4614-A12A-5E8D34113B8F}" type="datetimeFigureOut">
               <a:rPr lang="en-US" smtClean="0"/>
-              <a:t>4/4/2025</a:t>
+              <a:t>4/6/2025</a:t>
             </a:fld>
             <a:endParaRPr lang="en-US"/>
           </a:p>
@@ -4827,7 +4838,7 @@
           <a:p>
             <a:fld id="{D8E0CC2F-E3CF-4614-A12A-5E8D34113B8F}" type="datetimeFigureOut">
               <a:rPr lang="en-US" smtClean="0"/>
-              <a:t>4/4/2025</a:t>
+              <a:t>4/6/2025</a:t>
             </a:fld>
             <a:endParaRPr lang="en-US"/>
           </a:p>
@@ -5127,7 +5138,7 @@
           <a:p>
             <a:fld id="{D8E0CC2F-E3CF-4614-A12A-5E8D34113B8F}" type="datetimeFigureOut">
               <a:rPr lang="en-US" smtClean="0"/>
-              <a:t>4/4/2025</a:t>
+              <a:t>4/6/2025</a:t>
             </a:fld>
             <a:endParaRPr lang="en-US"/>
           </a:p>
@@ -5361,7 +5372,7 @@
           <a:p>
             <a:fld id="{D8E0CC2F-E3CF-4614-A12A-5E8D34113B8F}" type="datetimeFigureOut">
               <a:rPr lang="en-US" smtClean="0"/>
-              <a:t>4/4/2025</a:t>
+              <a:t>4/6/2025</a:t>
             </a:fld>
             <a:endParaRPr lang="en-US"/>
           </a:p>
@@ -6243,7 +6254,7 @@
           <p:cNvPr id="2" name="Title 1">
             <a:extLst>
               <a:ext uri="{FF2B5EF4-FFF2-40B4-BE49-F238E27FC236}">
-                <a16:creationId xmlns:a16="http://schemas.microsoft.com/office/drawing/2014/main" id="{D4384A7F-DADF-8BAB-EEC3-378D1240B25C}"/>
+                <a16:creationId xmlns:a16="http://schemas.microsoft.com/office/drawing/2014/main" id="{A14FC583-97C2-461A-A712-B08CC58EC2DA}"/>
               </a:ext>
             </a:extLst>
           </p:cNvPr>
@@ -6261,708 +6272,129 @@
           <a:p>
             <a:r>
               <a:rPr lang="en-US" dirty="0"/>
-              <a:t>Multiple Imputation Mean and Variance</a:t>
-            </a:r>
-          </a:p>
-        </p:txBody>
-      </p:sp>
-      <mc:AlternateContent xmlns:mc="http://schemas.openxmlformats.org/markup-compatibility/2006">
-        <mc:Choice xmlns:a14="http://schemas.microsoft.com/office/drawing/2010/main" Requires="a14">
-          <p:sp>
-            <p:nvSpPr>
-              <p:cNvPr id="3" name="Content Placeholder 2">
-                <a:extLst>
-                  <a:ext uri="{FF2B5EF4-FFF2-40B4-BE49-F238E27FC236}">
-                    <a16:creationId xmlns:a16="http://schemas.microsoft.com/office/drawing/2014/main" id="{CDD2245B-BC12-0E4D-B375-9CECDE9B9078}"/>
-                  </a:ext>
-                </a:extLst>
-              </p:cNvPr>
-              <p:cNvSpPr>
-                <a:spLocks noGrp="1"/>
-              </p:cNvSpPr>
-              <p:nvPr>
-                <p:ph idx="1"/>
-              </p:nvPr>
-            </p:nvSpPr>
-            <p:spPr>
-              <a:xfrm>
-                <a:off x="913795" y="1732449"/>
-                <a:ext cx="10353762" cy="4648686"/>
-              </a:xfrm>
-            </p:spPr>
-            <p:txBody>
-              <a:bodyPr>
-                <a:normAutofit/>
-              </a:bodyPr>
-              <a:lstStyle/>
-              <a:p>
-                <a:r>
-                  <a:rPr lang="en-US" sz="2800" dirty="0"/>
-                  <a:t>Mean of multiple imputation estimates</a:t>
-                </a:r>
-              </a:p>
-              <a:p>
-                <a:pPr marL="457200" lvl="1" indent="0">
-                  <a:buNone/>
-                </a:pPr>
-                <a14:m>
-                  <m:oMathPara xmlns:m="http://schemas.openxmlformats.org/officeDocument/2006/math">
-                    <m:oMathParaPr>
-                      <m:jc m:val="left"/>
-                    </m:oMathParaPr>
-                    <m:oMath xmlns:m="http://schemas.openxmlformats.org/officeDocument/2006/math">
-                      <m:acc>
-                        <m:accPr>
-                          <m:chr m:val="̅"/>
-                          <m:ctrlPr>
-                            <a:rPr lang="en-US" sz="2400" i="1" smtClean="0">
-                              <a:latin typeface="Cambria Math" panose="02040503050406030204" pitchFamily="18" charset="0"/>
-                              <a:ea typeface="Cambria Math"/>
-                            </a:rPr>
-                          </m:ctrlPr>
-                        </m:accPr>
-                        <m:e>
-                          <m:r>
-                            <a:rPr lang="en-US" sz="2400" i="1">
-                              <a:latin typeface="Cambria Math"/>
-                              <a:ea typeface="Cambria Math"/>
-                            </a:rPr>
-                            <m:t>𝜃</m:t>
-                          </m:r>
-                        </m:e>
-                      </m:acc>
-                      <m:r>
-                        <a:rPr lang="en-US" sz="2400" b="0" i="1" smtClean="0">
-                          <a:latin typeface="Cambria Math"/>
-                          <a:ea typeface="Cambria Math"/>
-                        </a:rPr>
-                        <m:t>=</m:t>
-                      </m:r>
-                      <m:f>
-                        <m:fPr>
-                          <m:ctrlPr>
-                            <a:rPr lang="en-US" sz="2400" b="0" i="1" smtClean="0">
-                              <a:latin typeface="Cambria Math" panose="02040503050406030204" pitchFamily="18" charset="0"/>
-                              <a:ea typeface="Cambria Math"/>
-                            </a:rPr>
-                          </m:ctrlPr>
-                        </m:fPr>
-                        <m:num>
-                          <m:r>
-                            <a:rPr lang="en-US" sz="2400" b="0" i="1" smtClean="0">
-                              <a:latin typeface="Cambria Math"/>
-                              <a:ea typeface="Cambria Math"/>
-                            </a:rPr>
-                            <m:t>1</m:t>
-                          </m:r>
-                        </m:num>
-                        <m:den>
-                          <m:r>
-                            <a:rPr lang="en-US" sz="2400" b="0" i="1" smtClean="0">
-                              <a:latin typeface="Cambria Math"/>
-                              <a:ea typeface="Cambria Math"/>
-                            </a:rPr>
-                            <m:t>𝑀</m:t>
-                          </m:r>
-                        </m:den>
-                      </m:f>
-                      <m:nary>
-                        <m:naryPr>
-                          <m:chr m:val="∑"/>
-                          <m:ctrlPr>
-                            <a:rPr lang="en-US" sz="2400" b="0" i="1" smtClean="0">
-                              <a:latin typeface="Cambria Math" panose="02040503050406030204" pitchFamily="18" charset="0"/>
-                              <a:ea typeface="Cambria Math"/>
-                            </a:rPr>
-                          </m:ctrlPr>
-                        </m:naryPr>
-                        <m:sub>
-                          <m:r>
-                            <m:rPr>
-                              <m:brk m:alnAt="23"/>
-                            </m:rPr>
-                            <a:rPr lang="en-US" sz="2400" b="0" i="1" smtClean="0">
-                              <a:latin typeface="Cambria Math"/>
-                              <a:ea typeface="Cambria Math"/>
-                            </a:rPr>
-                            <m:t>𝑚</m:t>
-                          </m:r>
-                          <m:r>
-                            <a:rPr lang="en-US" sz="2400" b="0" i="1" smtClean="0">
-                              <a:latin typeface="Cambria Math"/>
-                              <a:ea typeface="Cambria Math"/>
-                            </a:rPr>
-                            <m:t>=1</m:t>
-                          </m:r>
-                        </m:sub>
-                        <m:sup>
-                          <m:r>
-                            <a:rPr lang="en-US" sz="2400" b="0" i="1" smtClean="0">
-                              <a:latin typeface="Cambria Math"/>
-                              <a:ea typeface="Cambria Math"/>
-                            </a:rPr>
-                            <m:t>𝑀</m:t>
-                          </m:r>
-                        </m:sup>
-                        <m:e>
-                          <m:sSub>
-                            <m:sSubPr>
-                              <m:ctrlPr>
-                                <a:rPr lang="en-US" sz="2400" i="1">
-                                  <a:latin typeface="Cambria Math" panose="02040503050406030204" pitchFamily="18" charset="0"/>
-                                  <a:ea typeface="Cambria Math"/>
-                                </a:rPr>
-                              </m:ctrlPr>
-                            </m:sSubPr>
-                            <m:e>
-                              <m:acc>
-                                <m:accPr>
-                                  <m:chr m:val="̂"/>
-                                  <m:ctrlPr>
-                                    <a:rPr lang="en-US" sz="2400" i="1">
-                                      <a:latin typeface="Cambria Math" panose="02040503050406030204" pitchFamily="18" charset="0"/>
-                                      <a:ea typeface="Cambria Math"/>
-                                    </a:rPr>
-                                  </m:ctrlPr>
-                                </m:accPr>
-                                <m:e>
-                                  <m:r>
-                                    <a:rPr lang="en-US" sz="2400" i="1">
-                                      <a:latin typeface="Cambria Math"/>
-                                      <a:ea typeface="Cambria Math"/>
-                                    </a:rPr>
-                                    <m:t>𝜃</m:t>
-                                  </m:r>
-                                </m:e>
-                              </m:acc>
-                            </m:e>
-                            <m:sub>
-                              <m:r>
-                                <a:rPr lang="en-US" sz="2400" b="0" i="1" smtClean="0">
-                                  <a:latin typeface="Cambria Math"/>
-                                  <a:ea typeface="Cambria Math"/>
-                                </a:rPr>
-                                <m:t>𝑚</m:t>
-                              </m:r>
-                            </m:sub>
-                          </m:sSub>
-                        </m:e>
-                      </m:nary>
-                    </m:oMath>
-                  </m:oMathPara>
-                </a14:m>
-                <a:endParaRPr lang="en-US" sz="2400" dirty="0"/>
-              </a:p>
-              <a:p>
-                <a:pPr lvl="2"/>
-                <a:endParaRPr lang="en-US" sz="2000" dirty="0"/>
-              </a:p>
-              <a:p>
-                <a:r>
-                  <a:rPr lang="en-US" sz="2800" dirty="0"/>
-                  <a:t>Variance of multiple imputation estimates</a:t>
-                </a:r>
-              </a:p>
-              <a:p>
-                <a:pPr marL="457200" lvl="1" indent="0">
-                  <a:buNone/>
-                </a:pPr>
-                <a14:m>
-                  <m:oMathPara xmlns:m="http://schemas.openxmlformats.org/officeDocument/2006/math">
-                    <m:oMathParaPr>
-                      <m:jc m:val="left"/>
-                    </m:oMathParaPr>
-                    <m:oMath xmlns:m="http://schemas.openxmlformats.org/officeDocument/2006/math">
-                      <m:sSubSup>
-                        <m:sSubSupPr>
-                          <m:ctrlPr>
-                            <a:rPr lang="en-US" sz="2400" i="1" smtClean="0">
-                              <a:latin typeface="Cambria Math" panose="02040503050406030204" pitchFamily="18" charset="0"/>
-                            </a:rPr>
-                          </m:ctrlPr>
-                        </m:sSubSupPr>
-                        <m:e>
-                          <m:r>
-                            <a:rPr lang="en-US" sz="2400" i="1">
-                              <a:latin typeface="Cambria Math" panose="02040503050406030204" pitchFamily="18" charset="0"/>
-                            </a:rPr>
-                            <m:t>𝑠</m:t>
-                          </m:r>
-                        </m:e>
-                        <m:sub>
-                          <m:r>
-                            <a:rPr lang="en-US" sz="2400" i="1">
-                              <a:latin typeface="Cambria Math" panose="02040503050406030204" pitchFamily="18" charset="0"/>
-                            </a:rPr>
-                            <m:t>𝜃</m:t>
-                          </m:r>
-                        </m:sub>
-                        <m:sup>
-                          <m:r>
-                            <a:rPr lang="en-US" sz="2400" i="1">
-                              <a:latin typeface="Cambria Math" panose="02040503050406030204" pitchFamily="18" charset="0"/>
-                            </a:rPr>
-                            <m:t>2</m:t>
-                          </m:r>
-                        </m:sup>
-                      </m:sSubSup>
-                      <m:r>
-                        <a:rPr lang="en-US" sz="2400" i="1">
-                          <a:latin typeface="Cambria Math"/>
-                          <a:ea typeface="Cambria Math"/>
-                        </a:rPr>
-                        <m:t>=</m:t>
-                      </m:r>
-                      <m:f>
-                        <m:fPr>
-                          <m:ctrlPr>
-                            <a:rPr lang="en-US" sz="2400" i="1">
-                              <a:latin typeface="Cambria Math" panose="02040503050406030204" pitchFamily="18" charset="0"/>
-                              <a:ea typeface="Cambria Math"/>
-                            </a:rPr>
-                          </m:ctrlPr>
-                        </m:fPr>
-                        <m:num>
-                          <m:r>
-                            <a:rPr lang="en-US" sz="2400" i="1">
-                              <a:latin typeface="Cambria Math"/>
-                              <a:ea typeface="Cambria Math"/>
-                            </a:rPr>
-                            <m:t>1</m:t>
-                          </m:r>
-                        </m:num>
-                        <m:den>
-                          <m:r>
-                            <a:rPr lang="en-US" sz="2400" i="1">
-                              <a:latin typeface="Cambria Math"/>
-                              <a:ea typeface="Cambria Math"/>
-                            </a:rPr>
-                            <m:t>𝑀</m:t>
-                          </m:r>
-                        </m:den>
-                      </m:f>
-                      <m:nary>
-                        <m:naryPr>
-                          <m:chr m:val="∑"/>
-                          <m:ctrlPr>
-                            <a:rPr lang="en-US" sz="2400" i="1">
-                              <a:latin typeface="Cambria Math" panose="02040503050406030204" pitchFamily="18" charset="0"/>
-                              <a:ea typeface="Cambria Math"/>
-                            </a:rPr>
-                          </m:ctrlPr>
-                        </m:naryPr>
-                        <m:sub>
-                          <m:r>
-                            <m:rPr>
-                              <m:brk m:alnAt="23"/>
-                            </m:rPr>
-                            <a:rPr lang="en-US" sz="2400" i="1">
-                              <a:latin typeface="Cambria Math"/>
-                              <a:ea typeface="Cambria Math"/>
-                            </a:rPr>
-                            <m:t>𝑚</m:t>
-                          </m:r>
-                          <m:r>
-                            <a:rPr lang="en-US" sz="2400" i="1">
-                              <a:latin typeface="Cambria Math"/>
-                              <a:ea typeface="Cambria Math"/>
-                            </a:rPr>
-                            <m:t>=1</m:t>
-                          </m:r>
-                        </m:sub>
-                        <m:sup>
-                          <m:r>
-                            <a:rPr lang="en-US" sz="2400" i="1">
-                              <a:latin typeface="Cambria Math"/>
-                              <a:ea typeface="Cambria Math"/>
-                            </a:rPr>
-                            <m:t>𝑀</m:t>
-                          </m:r>
-                        </m:sup>
-                        <m:e>
-                          <m:sSubSup>
-                            <m:sSubSupPr>
-                              <m:ctrlPr>
-                                <a:rPr lang="en-US" sz="2400" i="1">
-                                  <a:latin typeface="Cambria Math" panose="02040503050406030204" pitchFamily="18" charset="0"/>
-                                </a:rPr>
-                              </m:ctrlPr>
-                            </m:sSubSupPr>
-                            <m:e>
-                              <m:r>
-                                <a:rPr lang="en-US" sz="2400" i="1">
-                                  <a:latin typeface="Cambria Math"/>
-                                </a:rPr>
-                                <m:t>𝑠</m:t>
-                              </m:r>
-                            </m:e>
-                            <m:sub>
-                              <m:sSub>
-                                <m:sSubPr>
-                                  <m:ctrlPr>
-                                    <a:rPr lang="en-US" sz="2400" i="1">
-                                      <a:latin typeface="Cambria Math" panose="02040503050406030204" pitchFamily="18" charset="0"/>
-                                      <a:ea typeface="Cambria Math"/>
-                                    </a:rPr>
-                                  </m:ctrlPr>
-                                </m:sSubPr>
-                                <m:e>
-                                  <m:acc>
-                                    <m:accPr>
-                                      <m:chr m:val="̂"/>
-                                      <m:ctrlPr>
-                                        <a:rPr lang="en-US" sz="2400" i="1">
-                                          <a:latin typeface="Cambria Math" panose="02040503050406030204" pitchFamily="18" charset="0"/>
-                                          <a:ea typeface="Cambria Math"/>
-                                        </a:rPr>
-                                      </m:ctrlPr>
-                                    </m:accPr>
-                                    <m:e>
-                                      <m:r>
-                                        <a:rPr lang="en-US" sz="2400" i="1">
-                                          <a:latin typeface="Cambria Math"/>
-                                          <a:ea typeface="Cambria Math"/>
-                                        </a:rPr>
-                                        <m:t>𝜃</m:t>
-                                      </m:r>
-                                    </m:e>
-                                  </m:acc>
-                                </m:e>
-                                <m:sub>
-                                  <m:r>
-                                    <a:rPr lang="en-US" sz="2400" i="1">
-                                      <a:latin typeface="Cambria Math"/>
-                                      <a:ea typeface="Cambria Math"/>
-                                    </a:rPr>
-                                    <m:t>𝑚</m:t>
-                                  </m:r>
-                                </m:sub>
-                              </m:sSub>
-                            </m:sub>
-                            <m:sup>
-                              <m:r>
-                                <a:rPr lang="en-US" sz="2400" i="1">
-                                  <a:latin typeface="Cambria Math"/>
-                                </a:rPr>
-                                <m:t>2</m:t>
-                              </m:r>
-                            </m:sup>
-                          </m:sSubSup>
-                        </m:e>
-                      </m:nary>
-                      <m:r>
-                        <a:rPr lang="en-US" sz="2400" b="0" i="1" smtClean="0">
-                          <a:latin typeface="Cambria Math"/>
-                          <a:ea typeface="Cambria Math"/>
-                        </a:rPr>
-                        <m:t>+</m:t>
-                      </m:r>
-                      <m:d>
-                        <m:dPr>
-                          <m:ctrlPr>
-                            <a:rPr lang="en-US" sz="2400" b="0" i="1" smtClean="0">
-                              <a:latin typeface="Cambria Math" panose="02040503050406030204" pitchFamily="18" charset="0"/>
-                              <a:ea typeface="Cambria Math"/>
-                            </a:rPr>
-                          </m:ctrlPr>
-                        </m:dPr>
-                        <m:e>
-                          <m:r>
-                            <a:rPr lang="en-US" sz="2400" b="0" i="1" smtClean="0">
-                              <a:latin typeface="Cambria Math"/>
-                              <a:ea typeface="Cambria Math"/>
-                            </a:rPr>
-                            <m:t>1+</m:t>
-                          </m:r>
-                          <m:f>
-                            <m:fPr>
-                              <m:ctrlPr>
-                                <a:rPr lang="en-US" sz="2400" i="1">
-                                  <a:latin typeface="Cambria Math" panose="02040503050406030204" pitchFamily="18" charset="0"/>
-                                  <a:ea typeface="Cambria Math"/>
-                                </a:rPr>
-                              </m:ctrlPr>
-                            </m:fPr>
-                            <m:num>
-                              <m:r>
-                                <a:rPr lang="en-US" sz="2400" i="1">
-                                  <a:latin typeface="Cambria Math"/>
-                                  <a:ea typeface="Cambria Math"/>
-                                </a:rPr>
-                                <m:t>1</m:t>
-                              </m:r>
-                            </m:num>
-                            <m:den>
-                              <m:r>
-                                <a:rPr lang="en-US" sz="2400" i="1">
-                                  <a:latin typeface="Cambria Math"/>
-                                  <a:ea typeface="Cambria Math"/>
-                                </a:rPr>
-                                <m:t>𝑀</m:t>
-                              </m:r>
-                            </m:den>
-                          </m:f>
-                        </m:e>
-                      </m:d>
-                      <m:d>
-                        <m:dPr>
-                          <m:ctrlPr>
-                            <a:rPr lang="en-US" sz="2400" b="0" i="1" smtClean="0">
-                              <a:latin typeface="Cambria Math" panose="02040503050406030204" pitchFamily="18" charset="0"/>
-                              <a:ea typeface="Cambria Math"/>
-                            </a:rPr>
-                          </m:ctrlPr>
-                        </m:dPr>
-                        <m:e>
-                          <m:f>
-                            <m:fPr>
-                              <m:ctrlPr>
-                                <a:rPr lang="en-US" sz="2400" i="1">
-                                  <a:latin typeface="Cambria Math" panose="02040503050406030204" pitchFamily="18" charset="0"/>
-                                  <a:ea typeface="Cambria Math"/>
-                                </a:rPr>
-                              </m:ctrlPr>
-                            </m:fPr>
-                            <m:num>
-                              <m:r>
-                                <a:rPr lang="en-US" sz="2400" i="1">
-                                  <a:latin typeface="Cambria Math"/>
-                                  <a:ea typeface="Cambria Math"/>
-                                </a:rPr>
-                                <m:t>1</m:t>
-                              </m:r>
-                            </m:num>
-                            <m:den>
-                              <m:r>
-                                <a:rPr lang="en-US" sz="2400" i="1">
-                                  <a:latin typeface="Cambria Math"/>
-                                  <a:ea typeface="Cambria Math"/>
-                                </a:rPr>
-                                <m:t>𝑀</m:t>
-                              </m:r>
-                              <m:r>
-                                <a:rPr lang="en-US" sz="2400" i="1">
-                                  <a:latin typeface="Cambria Math"/>
-                                  <a:ea typeface="Cambria Math"/>
-                                </a:rPr>
-                                <m:t>−1</m:t>
-                              </m:r>
-                            </m:den>
-                          </m:f>
-                        </m:e>
-                      </m:d>
-                      <m:nary>
-                        <m:naryPr>
-                          <m:chr m:val="∑"/>
-                          <m:ctrlPr>
-                            <a:rPr lang="en-US" sz="2400" i="1">
-                              <a:latin typeface="Cambria Math" panose="02040503050406030204" pitchFamily="18" charset="0"/>
-                              <a:ea typeface="Cambria Math"/>
-                            </a:rPr>
-                          </m:ctrlPr>
-                        </m:naryPr>
-                        <m:sub>
-                          <m:r>
-                            <m:rPr>
-                              <m:brk m:alnAt="23"/>
-                            </m:rPr>
-                            <a:rPr lang="en-US" sz="2400" i="1">
-                              <a:latin typeface="Cambria Math"/>
-                              <a:ea typeface="Cambria Math"/>
-                            </a:rPr>
-                            <m:t>𝑚</m:t>
-                          </m:r>
-                          <m:r>
-                            <a:rPr lang="en-US" sz="2400" i="1">
-                              <a:latin typeface="Cambria Math"/>
-                              <a:ea typeface="Cambria Math"/>
-                            </a:rPr>
-                            <m:t>=1</m:t>
-                          </m:r>
-                        </m:sub>
-                        <m:sup>
-                          <m:r>
-                            <a:rPr lang="en-US" sz="2400" i="1">
-                              <a:latin typeface="Cambria Math"/>
-                              <a:ea typeface="Cambria Math"/>
-                            </a:rPr>
-                            <m:t>𝑀</m:t>
-                          </m:r>
-                        </m:sup>
-                        <m:e>
-                          <m:sSup>
-                            <m:sSupPr>
-                              <m:ctrlPr>
-                                <a:rPr lang="en-US" sz="2400" i="1" smtClean="0">
-                                  <a:latin typeface="Cambria Math" panose="02040503050406030204" pitchFamily="18" charset="0"/>
-                                  <a:ea typeface="Cambria Math"/>
-                                </a:rPr>
-                              </m:ctrlPr>
-                            </m:sSupPr>
-                            <m:e>
-                              <m:d>
-                                <m:dPr>
-                                  <m:ctrlPr>
-                                    <a:rPr lang="en-US" sz="2400" i="1">
-                                      <a:latin typeface="Cambria Math" panose="02040503050406030204" pitchFamily="18" charset="0"/>
-                                      <a:ea typeface="Cambria Math"/>
-                                    </a:rPr>
-                                  </m:ctrlPr>
-                                </m:dPr>
-                                <m:e>
-                                  <m:sSub>
-                                    <m:sSubPr>
-                                      <m:ctrlPr>
-                                        <a:rPr lang="en-US" sz="2400" i="1">
-                                          <a:latin typeface="Cambria Math" panose="02040503050406030204" pitchFamily="18" charset="0"/>
-                                          <a:ea typeface="Cambria Math"/>
-                                        </a:rPr>
-                                      </m:ctrlPr>
-                                    </m:sSubPr>
-                                    <m:e>
-                                      <m:acc>
-                                        <m:accPr>
-                                          <m:chr m:val="̂"/>
-                                          <m:ctrlPr>
-                                            <a:rPr lang="en-US" sz="2400" i="1">
-                                              <a:latin typeface="Cambria Math" panose="02040503050406030204" pitchFamily="18" charset="0"/>
-                                              <a:ea typeface="Cambria Math"/>
-                                            </a:rPr>
-                                          </m:ctrlPr>
-                                        </m:accPr>
-                                        <m:e>
-                                          <m:r>
-                                            <a:rPr lang="en-US" sz="2400" i="1">
-                                              <a:latin typeface="Cambria Math"/>
-                                              <a:ea typeface="Cambria Math"/>
-                                            </a:rPr>
-                                            <m:t>𝜃</m:t>
-                                          </m:r>
-                                        </m:e>
-                                      </m:acc>
-                                    </m:e>
-                                    <m:sub>
-                                      <m:r>
-                                        <a:rPr lang="en-US" sz="2400" i="1">
-                                          <a:latin typeface="Cambria Math"/>
-                                          <a:ea typeface="Cambria Math"/>
-                                        </a:rPr>
-                                        <m:t>𝑚</m:t>
-                                      </m:r>
-                                    </m:sub>
-                                  </m:sSub>
-                                  <m:r>
-                                    <a:rPr lang="en-US" sz="2400" b="0" i="1" smtClean="0">
-                                      <a:latin typeface="Cambria Math"/>
-                                      <a:ea typeface="Cambria Math"/>
-                                    </a:rPr>
-                                    <m:t>−</m:t>
-                                  </m:r>
-                                  <m:acc>
-                                    <m:accPr>
-                                      <m:chr m:val="̅"/>
-                                      <m:ctrlPr>
-                                        <a:rPr lang="en-US" sz="2400" i="1">
-                                          <a:latin typeface="Cambria Math" panose="02040503050406030204" pitchFamily="18" charset="0"/>
-                                          <a:ea typeface="Cambria Math"/>
-                                        </a:rPr>
-                                      </m:ctrlPr>
-                                    </m:accPr>
-                                    <m:e>
-                                      <m:r>
-                                        <a:rPr lang="en-US" sz="2400" i="1">
-                                          <a:latin typeface="Cambria Math"/>
-                                          <a:ea typeface="Cambria Math"/>
-                                        </a:rPr>
-                                        <m:t>𝜃</m:t>
-                                      </m:r>
-                                    </m:e>
-                                  </m:acc>
-                                </m:e>
-                              </m:d>
-                            </m:e>
-                            <m:sup>
-                              <m:r>
-                                <a:rPr lang="en-US" sz="2400" b="0" i="1" smtClean="0">
-                                  <a:latin typeface="Cambria Math"/>
-                                  <a:ea typeface="Cambria Math"/>
-                                </a:rPr>
-                                <m:t>2</m:t>
-                              </m:r>
-                            </m:sup>
-                          </m:sSup>
-                        </m:e>
-                      </m:nary>
-                    </m:oMath>
-                  </m:oMathPara>
-                </a14:m>
-                <a:endParaRPr lang="en-US" sz="2400" dirty="0">
-                  <a:ea typeface="Cambria Math"/>
-                </a:endParaRPr>
-              </a:p>
-              <a:p>
-                <a:pPr lvl="1"/>
-                <a:r>
-                  <a:rPr lang="en-US" sz="2400" dirty="0">
-                    <a:ea typeface="Cambria Math"/>
-                  </a:rPr>
-                  <a:t>Square root yields the standard error</a:t>
-                </a:r>
-              </a:p>
-              <a:p>
-                <a:endParaRPr lang="en-US" sz="2800" dirty="0"/>
-              </a:p>
-            </p:txBody>
-          </p:sp>
-        </mc:Choice>
-        <mc:Fallback>
-          <p:sp>
-            <p:nvSpPr>
-              <p:cNvPr id="3" name="Content Placeholder 2">
-                <a:extLst>
-                  <a:ext uri="{FF2B5EF4-FFF2-40B4-BE49-F238E27FC236}">
-                    <a16:creationId xmlns:a16="http://schemas.microsoft.com/office/drawing/2014/main" id="{CDD2245B-BC12-0E4D-B375-9CECDE9B9078}"/>
-                  </a:ext>
-                </a:extLst>
-              </p:cNvPr>
-              <p:cNvSpPr>
-                <a:spLocks noGrp="1" noRot="1" noChangeAspect="1" noMove="1" noResize="1" noEditPoints="1" noAdjustHandles="1" noChangeArrowheads="1" noChangeShapeType="1" noTextEdit="1"/>
-              </p:cNvSpPr>
-              <p:nvPr>
-                <p:ph idx="1"/>
-              </p:nvPr>
-            </p:nvSpPr>
-            <p:spPr>
-              <a:xfrm>
-                <a:off x="913795" y="1732449"/>
-                <a:ext cx="10353762" cy="4648686"/>
-              </a:xfrm>
-              <a:blipFill>
-                <a:blip r:embed="rId2"/>
-                <a:stretch>
-                  <a:fillRect/>
-                </a:stretch>
-              </a:blipFill>
-            </p:spPr>
-            <p:txBody>
-              <a:bodyPr/>
-              <a:lstStyle/>
-              <a:p>
-                <a:r>
-                  <a:rPr lang="en-US">
-                    <a:noFill/>
-                  </a:rPr>
-                  <a:t> </a:t>
-                </a:r>
-              </a:p>
-            </p:txBody>
-          </p:sp>
-        </mc:Fallback>
-      </mc:AlternateContent>
+              <a:t>Multiple Imputation in Stata</a:t>
+            </a:r>
+          </a:p>
+        </p:txBody>
+      </p:sp>
+      <p:sp>
+        <p:nvSpPr>
+          <p:cNvPr id="3" name="Content Placeholder 2">
+            <a:extLst>
+              <a:ext uri="{FF2B5EF4-FFF2-40B4-BE49-F238E27FC236}">
+                <a16:creationId xmlns:a16="http://schemas.microsoft.com/office/drawing/2014/main" id="{02D9D89B-5632-8298-E807-5C766B4766BE}"/>
+              </a:ext>
+            </a:extLst>
+          </p:cNvPr>
+          <p:cNvSpPr>
+            <a:spLocks noGrp="1"/>
+          </p:cNvSpPr>
+          <p:nvPr>
+            <p:ph idx="1"/>
+          </p:nvPr>
+        </p:nvSpPr>
+        <p:spPr/>
+        <p:txBody>
+          <a:bodyPr>
+            <a:normAutofit/>
+          </a:bodyPr>
+          <a:lstStyle/>
+          <a:p>
+            <a:r>
+              <a:rPr lang="en-US" sz="2800" dirty="0"/>
+              <a:t>Stata’s suite of </a:t>
+            </a:r>
+            <a:r>
+              <a:rPr lang="en-US" sz="2800" dirty="0">
+                <a:latin typeface="Courier New" pitchFamily="49" charset="0"/>
+                <a:cs typeface="Courier New" pitchFamily="49" charset="0"/>
+              </a:rPr>
+              <a:t>mi</a:t>
+            </a:r>
+            <a:r>
+              <a:rPr lang="en-US" sz="2800" dirty="0"/>
+              <a:t> commands</a:t>
+            </a:r>
+          </a:p>
+          <a:p>
+            <a:pPr lvl="1"/>
+            <a:r>
+              <a:rPr lang="en-US" sz="2400" dirty="0">
+                <a:latin typeface="Courier New" pitchFamily="49" charset="0"/>
+                <a:cs typeface="Courier New" pitchFamily="49" charset="0"/>
+              </a:rPr>
+              <a:t>mi set</a:t>
+            </a:r>
+            <a:r>
+              <a:rPr lang="en-US" sz="2400" dirty="0"/>
+              <a:t> = Choose storage style for imputed data</a:t>
+            </a:r>
+          </a:p>
+          <a:p>
+            <a:pPr lvl="2"/>
+            <a:r>
+              <a:rPr lang="en-US" sz="2000" dirty="0"/>
+              <a:t>Long vs. wide</a:t>
+            </a:r>
+          </a:p>
+          <a:p>
+            <a:pPr lvl="1"/>
+            <a:r>
+              <a:rPr lang="en-US" sz="2400" dirty="0">
+                <a:latin typeface="Courier New" pitchFamily="49" charset="0"/>
+                <a:cs typeface="Courier New" pitchFamily="49" charset="0"/>
+              </a:rPr>
+              <a:t>mi register</a:t>
+            </a:r>
+            <a:r>
+              <a:rPr lang="en-US" sz="2400" dirty="0"/>
+              <a:t> = Declare the kinds of variables that exist in the dataset</a:t>
+            </a:r>
+          </a:p>
+          <a:p>
+            <a:pPr lvl="2"/>
+            <a:r>
+              <a:rPr lang="en-US" sz="2000" dirty="0"/>
+              <a:t>Regular vs. imputed</a:t>
+            </a:r>
+          </a:p>
+          <a:p>
+            <a:pPr lvl="1"/>
+            <a:r>
+              <a:rPr lang="en-US" sz="2400" dirty="0">
+                <a:latin typeface="Courier New" pitchFamily="49" charset="0"/>
+                <a:cs typeface="Courier New" pitchFamily="49" charset="0"/>
+              </a:rPr>
+              <a:t>mi impute</a:t>
+            </a:r>
+            <a:r>
+              <a:rPr lang="en-US" sz="2400" dirty="0"/>
+              <a:t> = Impute missing values</a:t>
+            </a:r>
+          </a:p>
+          <a:p>
+            <a:pPr lvl="1"/>
+            <a:r>
+              <a:rPr lang="en-US" sz="2400" dirty="0">
+                <a:latin typeface="Courier New" pitchFamily="49" charset="0"/>
+                <a:cs typeface="Courier New" pitchFamily="49" charset="0"/>
+              </a:rPr>
+              <a:t>mi estimate</a:t>
+            </a:r>
+            <a:r>
+              <a:rPr lang="en-US" sz="2400" dirty="0"/>
+              <a:t> = Analyze imputed datasets and combine results</a:t>
+            </a:r>
+          </a:p>
+          <a:p>
+            <a:endParaRPr lang="en-US" sz="2800" dirty="0"/>
+          </a:p>
+        </p:txBody>
+      </p:sp>
     </p:spTree>
     <p:extLst>
       <p:ext uri="{BB962C8B-B14F-4D97-AF65-F5344CB8AC3E}">
-        <p14:creationId xmlns:p14="http://schemas.microsoft.com/office/powerpoint/2010/main" val="2543582483"/>
+        <p14:creationId xmlns:p14="http://schemas.microsoft.com/office/powerpoint/2010/main" val="1174359684"/>
       </p:ext>
     </p:extLst>
   </p:cSld>
@@ -6994,7 +6426,7 @@
           <p:cNvPr id="2" name="Title 1">
             <a:extLst>
               <a:ext uri="{FF2B5EF4-FFF2-40B4-BE49-F238E27FC236}">
-                <a16:creationId xmlns:a16="http://schemas.microsoft.com/office/drawing/2014/main" id="{A14FC583-97C2-461A-A712-B08CC58EC2DA}"/>
+                <a16:creationId xmlns:a16="http://schemas.microsoft.com/office/drawing/2014/main" id="{D7232404-0D04-FD25-37D7-A34D2C26559F}"/>
               </a:ext>
             </a:extLst>
           </p:cNvPr>
@@ -7012,7 +6444,15 @@
           <a:p>
             <a:r>
               <a:rPr lang="en-US" dirty="0"/>
-              <a:t>Multiple Imputation in Stata</a:t>
+              <a:t>Multiple Imputation in Stata (</a:t>
+            </a:r>
+            <a:r>
+              <a:rPr lang="en-US" dirty="0" err="1"/>
+              <a:t>cont</a:t>
+            </a:r>
+            <a:r>
+              <a:rPr lang="en-US" dirty="0"/>
+              <a:t>)</a:t>
             </a:r>
           </a:p>
         </p:txBody>
@@ -7022,7 +6462,7 @@
           <p:cNvPr id="3" name="Content Placeholder 2">
             <a:extLst>
               <a:ext uri="{FF2B5EF4-FFF2-40B4-BE49-F238E27FC236}">
-                <a16:creationId xmlns:a16="http://schemas.microsoft.com/office/drawing/2014/main" id="{02D9D89B-5632-8298-E807-5C766B4766BE}"/>
+                <a16:creationId xmlns:a16="http://schemas.microsoft.com/office/drawing/2014/main" id="{211FF10E-DA69-7A4F-2855-55EBE832D55F}"/>
               </a:ext>
             </a:extLst>
           </p:cNvPr>
@@ -7042,88 +6482,42 @@
           <a:p>
             <a:r>
               <a:rPr lang="en-US" sz="2800" dirty="0"/>
-              <a:t>Stata’s suite of </a:t>
-            </a:r>
-            <a:r>
-              <a:rPr lang="en-US" sz="2800" dirty="0">
-                <a:latin typeface="Courier New" pitchFamily="49" charset="0"/>
-                <a:cs typeface="Courier New" pitchFamily="49" charset="0"/>
-              </a:rPr>
-              <a:t>mi</a:t>
-            </a:r>
-            <a:r>
-              <a:rPr lang="en-US" sz="2800" dirty="0"/>
-              <a:t> commands</a:t>
+              <a:t>Multiple imputation using chained equations (MICE) method</a:t>
             </a:r>
           </a:p>
           <a:p>
             <a:pPr lvl="1"/>
             <a:r>
-              <a:rPr lang="en-US" sz="2400" dirty="0">
-                <a:latin typeface="Courier New" pitchFamily="49" charset="0"/>
-                <a:cs typeface="Courier New" pitchFamily="49" charset="0"/>
-              </a:rPr>
-              <a:t>mi set</a:t>
-            </a:r>
-            <a:r>
               <a:rPr lang="en-US" sz="2400" dirty="0"/>
-              <a:t> = Choose storage style for imputed data</a:t>
+              <a:t>Allows arbitrary (i.e., non-monotonic) missing data patterns and selection of a different probability model for different variables</a:t>
             </a:r>
           </a:p>
           <a:p>
             <a:pPr lvl="2"/>
             <a:r>
               <a:rPr lang="en-US" sz="2000" dirty="0"/>
-              <a:t>Long vs. wide</a:t>
+              <a:t>Continuous = Linear regression, censored regression, predictive mean matching (non-parametric)</a:t>
+            </a:r>
+          </a:p>
+          <a:p>
+            <a:pPr lvl="2"/>
+            <a:r>
+              <a:rPr lang="en-US" sz="2000" dirty="0"/>
+              <a:t>Categorial = Logistic, ordered, multinomial</a:t>
+            </a:r>
+          </a:p>
+          <a:p>
+            <a:pPr lvl="2"/>
+            <a:r>
+              <a:rPr lang="en-US" sz="2000" dirty="0"/>
+              <a:t>Count = Poisson, negative binomial</a:t>
             </a:r>
           </a:p>
           <a:p>
             <a:pPr lvl="1"/>
             <a:r>
-              <a:rPr lang="en-US" sz="2400" dirty="0">
-                <a:latin typeface="Courier New" pitchFamily="49" charset="0"/>
-                <a:cs typeface="Courier New" pitchFamily="49" charset="0"/>
-              </a:rPr>
-              <a:t>mi register</a:t>
-            </a:r>
-            <a:r>
               <a:rPr lang="en-US" sz="2400" dirty="0"/>
-              <a:t> = Declare the kinds of variables that exist in the dataset</a:t>
-            </a:r>
-          </a:p>
-          <a:p>
-            <a:pPr lvl="2"/>
-            <a:r>
-              <a:rPr lang="en-US" sz="2000" dirty="0"/>
-              <a:t>Regular vs. imputed</a:t>
-            </a:r>
-          </a:p>
-          <a:p>
-            <a:pPr lvl="1"/>
-            <a:r>
-              <a:rPr lang="en-US" sz="2400" dirty="0">
-                <a:latin typeface="Courier New" pitchFamily="49" charset="0"/>
-                <a:cs typeface="Courier New" pitchFamily="49" charset="0"/>
-              </a:rPr>
-              <a:t>mi impute</a:t>
-            </a:r>
-            <a:r>
-              <a:rPr lang="en-US" sz="2400" dirty="0"/>
-              <a:t> = Impute missing values</a:t>
-            </a:r>
-          </a:p>
-          <a:p>
-            <a:pPr lvl="1"/>
-            <a:r>
-              <a:rPr lang="en-US" sz="2400" dirty="0">
-                <a:latin typeface="Courier New" pitchFamily="49" charset="0"/>
-                <a:cs typeface="Courier New" pitchFamily="49" charset="0"/>
-              </a:rPr>
-              <a:t>mi estimate</a:t>
-            </a:r>
-            <a:r>
-              <a:rPr lang="en-US" sz="2400" dirty="0"/>
-              <a:t> = Analyze imputed datasets and combine results</a:t>
+              <a:t>Sequential imputation, starting with the variable containing the least amount of missing data</a:t>
             </a:r>
           </a:p>
           <a:p>
@@ -7134,7 +6528,7 @@
     </p:spTree>
     <p:extLst>
       <p:ext uri="{BB962C8B-B14F-4D97-AF65-F5344CB8AC3E}">
-        <p14:creationId xmlns:p14="http://schemas.microsoft.com/office/powerpoint/2010/main" val="1174359684"/>
+        <p14:creationId xmlns:p14="http://schemas.microsoft.com/office/powerpoint/2010/main" val="3750973617"/>
       </p:ext>
     </p:extLst>
   </p:cSld>
@@ -7166,7 +6560,7 @@
           <p:cNvPr id="2" name="Title 1">
             <a:extLst>
               <a:ext uri="{FF2B5EF4-FFF2-40B4-BE49-F238E27FC236}">
-                <a16:creationId xmlns:a16="http://schemas.microsoft.com/office/drawing/2014/main" id="{D7232404-0D04-FD25-37D7-A34D2C26559F}"/>
+                <a16:creationId xmlns:a16="http://schemas.microsoft.com/office/drawing/2014/main" id="{713F0FC9-5852-923F-8167-B688544547D2}"/>
               </a:ext>
             </a:extLst>
           </p:cNvPr>
@@ -7184,15 +6578,7 @@
           <a:p>
             <a:r>
               <a:rPr lang="en-US" dirty="0"/>
-              <a:t>Multiple Imputation in Stata (</a:t>
-            </a:r>
-            <a:r>
-              <a:rPr lang="en-US" dirty="0" err="1"/>
-              <a:t>cont</a:t>
-            </a:r>
-            <a:r>
-              <a:rPr lang="en-US" dirty="0"/>
-              <a:t>)</a:t>
+              <a:t>Performing MICE in Stata</a:t>
             </a:r>
           </a:p>
         </p:txBody>
@@ -7202,7 +6588,7 @@
           <p:cNvPr id="3" name="Content Placeholder 2">
             <a:extLst>
               <a:ext uri="{FF2B5EF4-FFF2-40B4-BE49-F238E27FC236}">
-                <a16:creationId xmlns:a16="http://schemas.microsoft.com/office/drawing/2014/main" id="{211FF10E-DA69-7A4F-2855-55EBE832D55F}"/>
+                <a16:creationId xmlns:a16="http://schemas.microsoft.com/office/drawing/2014/main" id="{A6A2307B-9E61-EA52-77A5-AF2E2F2BF9BB}"/>
               </a:ext>
             </a:extLst>
           </p:cNvPr>
@@ -7222,42 +6608,239 @@
           <a:p>
             <a:r>
               <a:rPr lang="en-US" sz="2800" dirty="0"/>
-              <a:t>Multiple imputation using chained equations (MICE) method</a:t>
-            </a:r>
+              <a:t>Performing M.I.C.E. in Stata</a:t>
+            </a:r>
+          </a:p>
+          <a:p>
+            <a:pPr marL="457200" lvl="1" indent="0">
+              <a:buNone/>
+            </a:pPr>
+            <a:r>
+              <a:rPr lang="en-US" sz="2400" dirty="0">
+                <a:latin typeface="Courier New" pitchFamily="49" charset="0"/>
+                <a:cs typeface="Courier New" pitchFamily="49" charset="0"/>
+              </a:rPr>
+              <a:t>mi impute chained (</a:t>
+            </a:r>
+            <a:r>
+              <a:rPr lang="en-US" sz="2400" i="1" dirty="0">
+                <a:latin typeface="Courier New" pitchFamily="49" charset="0"/>
+                <a:cs typeface="Courier New" pitchFamily="49" charset="0"/>
+              </a:rPr>
+              <a:t>model1</a:t>
+            </a:r>
+            <a:r>
+              <a:rPr lang="en-US" sz="2400" dirty="0">
+                <a:latin typeface="Courier New" pitchFamily="49" charset="0"/>
+                <a:cs typeface="Courier New" pitchFamily="49" charset="0"/>
+              </a:rPr>
+              <a:t>) </a:t>
+            </a:r>
+            <a:r>
+              <a:rPr lang="en-US" sz="2400" i="1" dirty="0">
+                <a:latin typeface="Courier New" pitchFamily="49" charset="0"/>
+                <a:cs typeface="Courier New" pitchFamily="49" charset="0"/>
+              </a:rPr>
+              <a:t>zvar1</a:t>
+            </a:r>
+            <a:r>
+              <a:rPr lang="en-US" sz="2400" dirty="0">
+                <a:latin typeface="Courier New" pitchFamily="49" charset="0"/>
+                <a:cs typeface="Courier New" pitchFamily="49" charset="0"/>
+              </a:rPr>
+              <a:t> </a:t>
+            </a:r>
+            <a:r>
+              <a:rPr lang="en-US" sz="2400" i="1" dirty="0">
+                <a:latin typeface="Courier New" pitchFamily="49" charset="0"/>
+                <a:cs typeface="Courier New" pitchFamily="49" charset="0"/>
+              </a:rPr>
+              <a:t>zvar2</a:t>
+            </a:r>
+            <a:r>
+              <a:rPr lang="en-US" sz="2400" dirty="0">
+                <a:latin typeface="Courier New" pitchFamily="49" charset="0"/>
+                <a:cs typeface="Courier New" pitchFamily="49" charset="0"/>
+              </a:rPr>
+              <a:t> (</a:t>
+            </a:r>
+            <a:r>
+              <a:rPr lang="en-US" sz="2400" i="1" dirty="0">
+                <a:latin typeface="Courier New" pitchFamily="49" charset="0"/>
+                <a:cs typeface="Courier New" pitchFamily="49" charset="0"/>
+              </a:rPr>
+              <a:t>model2</a:t>
+            </a:r>
+            <a:r>
+              <a:rPr lang="en-US" sz="2400" dirty="0">
+                <a:latin typeface="Courier New" pitchFamily="49" charset="0"/>
+                <a:cs typeface="Courier New" pitchFamily="49" charset="0"/>
+              </a:rPr>
+              <a:t>) </a:t>
+            </a:r>
+            <a:r>
+              <a:rPr lang="en-US" sz="2400" i="1" dirty="0">
+                <a:latin typeface="Courier New" pitchFamily="49" charset="0"/>
+                <a:cs typeface="Courier New" pitchFamily="49" charset="0"/>
+              </a:rPr>
+              <a:t>zvar3</a:t>
+            </a:r>
+            <a:r>
+              <a:rPr lang="en-US" sz="2400" dirty="0">
+                <a:latin typeface="Courier New" pitchFamily="49" charset="0"/>
+                <a:cs typeface="Courier New" pitchFamily="49" charset="0"/>
+              </a:rPr>
+              <a:t> </a:t>
+            </a:r>
+            <a:r>
+              <a:rPr lang="en-US" sz="2400" i="1" dirty="0">
+                <a:latin typeface="Courier New" pitchFamily="49" charset="0"/>
+                <a:cs typeface="Courier New" pitchFamily="49" charset="0"/>
+              </a:rPr>
+              <a:t>zvar4</a:t>
+            </a:r>
+            <a:r>
+              <a:rPr lang="en-US" sz="2400" dirty="0">
+                <a:latin typeface="Courier New" pitchFamily="49" charset="0"/>
+                <a:cs typeface="Courier New" pitchFamily="49" charset="0"/>
+              </a:rPr>
+              <a:t> = </a:t>
+            </a:r>
+            <a:r>
+              <a:rPr lang="en-US" sz="2400" i="1" dirty="0">
+                <a:latin typeface="Courier New" pitchFamily="49" charset="0"/>
+                <a:cs typeface="Courier New" pitchFamily="49" charset="0"/>
+              </a:rPr>
+              <a:t>xvar1</a:t>
+            </a:r>
+            <a:r>
+              <a:rPr lang="en-US" sz="2400" dirty="0">
+                <a:latin typeface="Courier New" pitchFamily="49" charset="0"/>
+                <a:cs typeface="Courier New" pitchFamily="49" charset="0"/>
+              </a:rPr>
+              <a:t> </a:t>
+            </a:r>
+            <a:r>
+              <a:rPr lang="en-US" sz="2400" i="1" dirty="0">
+                <a:latin typeface="Courier New" pitchFamily="49" charset="0"/>
+                <a:cs typeface="Courier New" pitchFamily="49" charset="0"/>
+              </a:rPr>
+              <a:t>xvar2</a:t>
+            </a:r>
+            <a:r>
+              <a:rPr lang="en-US" sz="2400" dirty="0">
+                <a:latin typeface="Courier New" pitchFamily="49" charset="0"/>
+                <a:cs typeface="Courier New" pitchFamily="49" charset="0"/>
+              </a:rPr>
+              <a:t> </a:t>
+            </a:r>
+            <a:r>
+              <a:rPr lang="en-US" sz="2400" i="1" dirty="0">
+                <a:latin typeface="Courier New" pitchFamily="49" charset="0"/>
+                <a:cs typeface="Courier New" pitchFamily="49" charset="0"/>
+              </a:rPr>
+              <a:t>xvar3</a:t>
+            </a:r>
+            <a:r>
+              <a:rPr lang="en-US" sz="2400" dirty="0">
+                <a:latin typeface="Courier New" pitchFamily="49" charset="0"/>
+                <a:cs typeface="Courier New" pitchFamily="49" charset="0"/>
+              </a:rPr>
+              <a:t>, add(</a:t>
+            </a:r>
+            <a:r>
+              <a:rPr lang="en-US" sz="2400" i="1" dirty="0">
+                <a:latin typeface="Courier New" pitchFamily="49" charset="0"/>
+                <a:cs typeface="Courier New" pitchFamily="49" charset="0"/>
+              </a:rPr>
+              <a:t>M</a:t>
+            </a:r>
+            <a:r>
+              <a:rPr lang="en-US" sz="2400" dirty="0">
+                <a:latin typeface="Courier New" pitchFamily="49" charset="0"/>
+                <a:cs typeface="Courier New" pitchFamily="49" charset="0"/>
+              </a:rPr>
+              <a:t>) </a:t>
+            </a:r>
+            <a:r>
+              <a:rPr lang="en-US" sz="2400" dirty="0" err="1">
+                <a:latin typeface="Courier New" pitchFamily="49" charset="0"/>
+                <a:cs typeface="Courier New" pitchFamily="49" charset="0"/>
+              </a:rPr>
+              <a:t>rseed</a:t>
+            </a:r>
+            <a:r>
+              <a:rPr lang="en-US" sz="2400" dirty="0">
+                <a:latin typeface="Courier New" pitchFamily="49" charset="0"/>
+                <a:cs typeface="Courier New" pitchFamily="49" charset="0"/>
+              </a:rPr>
+              <a:t>(</a:t>
+            </a:r>
+            <a:r>
+              <a:rPr lang="en-US" sz="2400" i="1" dirty="0">
+                <a:latin typeface="Courier New" pitchFamily="49" charset="0"/>
+                <a:cs typeface="Courier New" pitchFamily="49" charset="0"/>
+              </a:rPr>
+              <a:t>num</a:t>
+            </a:r>
+            <a:r>
+              <a:rPr lang="en-US" sz="2400" dirty="0">
+                <a:latin typeface="Courier New" pitchFamily="49" charset="0"/>
+                <a:cs typeface="Courier New" pitchFamily="49" charset="0"/>
+              </a:rPr>
+              <a:t>)</a:t>
+            </a:r>
+            <a:endParaRPr lang="en-US" sz="2400" dirty="0"/>
           </a:p>
           <a:p>
             <a:pPr lvl="1"/>
             <a:r>
               <a:rPr lang="en-US" sz="2400" dirty="0"/>
-              <a:t>Allows arbitrary (i.e., non-monotonic) missing data patterns and selection of a different probability model for different variables</a:t>
-            </a:r>
-          </a:p>
-          <a:p>
-            <a:pPr lvl="2"/>
-            <a:r>
-              <a:rPr lang="en-US" sz="2000" dirty="0"/>
-              <a:t>Continuous = Linear regression, censored regression, predictive mean matching (non-parametric)</a:t>
-            </a:r>
-          </a:p>
-          <a:p>
-            <a:pPr lvl="2"/>
-            <a:r>
-              <a:rPr lang="en-US" sz="2000" dirty="0"/>
-              <a:t>Categorial = Logistic, ordered, multinomial</a:t>
-            </a:r>
-          </a:p>
-          <a:p>
-            <a:pPr lvl="2"/>
-            <a:r>
-              <a:rPr lang="en-US" sz="2000" dirty="0"/>
-              <a:t>Count = Poisson, negative binomial</a:t>
+              <a:t>“</a:t>
+            </a:r>
+            <a:r>
+              <a:rPr lang="en-US" sz="2400" dirty="0" err="1"/>
+              <a:t>zvar</a:t>
+            </a:r>
+            <a:r>
+              <a:rPr lang="en-US" sz="2400" dirty="0"/>
+              <a:t>#” = Variable with missing values</a:t>
             </a:r>
           </a:p>
           <a:p>
             <a:pPr lvl="1"/>
             <a:r>
               <a:rPr lang="en-US" sz="2400" dirty="0"/>
-              <a:t>Sequential imputation, starting with the variable containing the least amount of missing data</a:t>
+              <a:t>“</a:t>
+            </a:r>
+            <a:r>
+              <a:rPr lang="en-US" sz="2400" dirty="0" err="1"/>
+              <a:t>xvar</a:t>
+            </a:r>
+            <a:r>
+              <a:rPr lang="en-US" sz="2400" dirty="0"/>
+              <a:t>#” = Variable with complete information</a:t>
+            </a:r>
+          </a:p>
+          <a:p>
+            <a:pPr lvl="1"/>
+            <a:r>
+              <a:rPr lang="en-US" sz="2400" dirty="0"/>
+              <a:t>“model#” = Probability model for specified variable</a:t>
+            </a:r>
+          </a:p>
+          <a:p>
+            <a:pPr lvl="1"/>
+            <a:r>
+              <a:rPr lang="en-US" sz="2400" dirty="0"/>
+              <a:t>“M” = Number of imputations</a:t>
+            </a:r>
+          </a:p>
+          <a:p>
+            <a:pPr lvl="1"/>
+            <a:r>
+              <a:rPr lang="en-US" sz="2400" dirty="0"/>
+              <a:t>“num” = Seed for random number generator</a:t>
             </a:r>
           </a:p>
           <a:p>
@@ -7268,7 +6851,7 @@
     </p:spTree>
     <p:extLst>
       <p:ext uri="{BB962C8B-B14F-4D97-AF65-F5344CB8AC3E}">
-        <p14:creationId xmlns:p14="http://schemas.microsoft.com/office/powerpoint/2010/main" val="3750973617"/>
+        <p14:creationId xmlns:p14="http://schemas.microsoft.com/office/powerpoint/2010/main" val="1167852142"/>
       </p:ext>
     </p:extLst>
   </p:cSld>
@@ -7300,7 +6883,7 @@
           <p:cNvPr id="2" name="Title 1">
             <a:extLst>
               <a:ext uri="{FF2B5EF4-FFF2-40B4-BE49-F238E27FC236}">
-                <a16:creationId xmlns:a16="http://schemas.microsoft.com/office/drawing/2014/main" id="{713F0FC9-5852-923F-8167-B688544547D2}"/>
+                <a16:creationId xmlns:a16="http://schemas.microsoft.com/office/drawing/2014/main" id="{7DE63B35-54F5-2E33-540C-A1B2DB427B24}"/>
               </a:ext>
             </a:extLst>
           </p:cNvPr>
@@ -7318,7 +6901,7 @@
           <a:p>
             <a:r>
               <a:rPr lang="en-US" dirty="0"/>
-              <a:t>Performing MICE in Stata</a:t>
+              <a:t>Example Data: NLSY97</a:t>
             </a:r>
           </a:p>
         </p:txBody>
@@ -7328,7 +6911,7 @@
           <p:cNvPr id="3" name="Content Placeholder 2">
             <a:extLst>
               <a:ext uri="{FF2B5EF4-FFF2-40B4-BE49-F238E27FC236}">
-                <a16:creationId xmlns:a16="http://schemas.microsoft.com/office/drawing/2014/main" id="{A6A2307B-9E61-EA52-77A5-AF2E2F2BF9BB}"/>
+                <a16:creationId xmlns:a16="http://schemas.microsoft.com/office/drawing/2014/main" id="{C4818AD1-4E27-2496-3929-B732C9B17049}"/>
               </a:ext>
             </a:extLst>
           </p:cNvPr>
@@ -7346,252 +6929,127 @@
           </a:bodyPr>
           <a:lstStyle/>
           <a:p>
-            <a:r>
-              <a:rPr lang="en-US" sz="2800" dirty="0"/>
-              <a:t>Performing M.I.C.E. in Stata</a:t>
-            </a:r>
-          </a:p>
-          <a:p>
-            <a:pPr marL="457200" lvl="1" indent="0">
-              <a:buNone/>
-            </a:pPr>
-            <a:r>
-              <a:rPr lang="en-US" sz="2400" dirty="0">
-                <a:latin typeface="Courier New" pitchFamily="49" charset="0"/>
-                <a:cs typeface="Courier New" pitchFamily="49" charset="0"/>
-              </a:rPr>
-              <a:t>mi impute chained (</a:t>
-            </a:r>
-            <a:r>
-              <a:rPr lang="en-US" sz="2400" i="1" dirty="0">
-                <a:latin typeface="Courier New" pitchFamily="49" charset="0"/>
-                <a:cs typeface="Courier New" pitchFamily="49" charset="0"/>
-              </a:rPr>
-              <a:t>model1</a:t>
-            </a:r>
-            <a:r>
-              <a:rPr lang="en-US" sz="2400" dirty="0">
-                <a:latin typeface="Courier New" pitchFamily="49" charset="0"/>
-                <a:cs typeface="Courier New" pitchFamily="49" charset="0"/>
-              </a:rPr>
-              <a:t>) </a:t>
-            </a:r>
-            <a:r>
-              <a:rPr lang="en-US" sz="2400" i="1" dirty="0">
-                <a:latin typeface="Courier New" pitchFamily="49" charset="0"/>
-                <a:cs typeface="Courier New" pitchFamily="49" charset="0"/>
-              </a:rPr>
-              <a:t>zvar1</a:t>
-            </a:r>
-            <a:r>
-              <a:rPr lang="en-US" sz="2400" dirty="0">
-                <a:latin typeface="Courier New" pitchFamily="49" charset="0"/>
-                <a:cs typeface="Courier New" pitchFamily="49" charset="0"/>
-              </a:rPr>
-              <a:t> </a:t>
-            </a:r>
-            <a:r>
-              <a:rPr lang="en-US" sz="2400" i="1" dirty="0">
-                <a:latin typeface="Courier New" pitchFamily="49" charset="0"/>
-                <a:cs typeface="Courier New" pitchFamily="49" charset="0"/>
-              </a:rPr>
-              <a:t>zvar2</a:t>
-            </a:r>
-            <a:r>
-              <a:rPr lang="en-US" sz="2400" dirty="0">
-                <a:latin typeface="Courier New" pitchFamily="49" charset="0"/>
-                <a:cs typeface="Courier New" pitchFamily="49" charset="0"/>
-              </a:rPr>
-              <a:t> (</a:t>
-            </a:r>
-            <a:r>
-              <a:rPr lang="en-US" sz="2400" i="1" dirty="0">
-                <a:latin typeface="Courier New" pitchFamily="49" charset="0"/>
-                <a:cs typeface="Courier New" pitchFamily="49" charset="0"/>
-              </a:rPr>
-              <a:t>model2</a:t>
-            </a:r>
-            <a:r>
-              <a:rPr lang="en-US" sz="2400" dirty="0">
-                <a:latin typeface="Courier New" pitchFamily="49" charset="0"/>
-                <a:cs typeface="Courier New" pitchFamily="49" charset="0"/>
-              </a:rPr>
-              <a:t>) </a:t>
-            </a:r>
-            <a:r>
-              <a:rPr lang="en-US" sz="2400" i="1" dirty="0">
-                <a:latin typeface="Courier New" pitchFamily="49" charset="0"/>
-                <a:cs typeface="Courier New" pitchFamily="49" charset="0"/>
-              </a:rPr>
-              <a:t>zvar3</a:t>
-            </a:r>
-            <a:r>
-              <a:rPr lang="en-US" sz="2400" dirty="0">
-                <a:latin typeface="Courier New" pitchFamily="49" charset="0"/>
-                <a:cs typeface="Courier New" pitchFamily="49" charset="0"/>
-              </a:rPr>
-              <a:t> </a:t>
-            </a:r>
-            <a:r>
-              <a:rPr lang="en-US" sz="2400" i="1" dirty="0">
-                <a:latin typeface="Courier New" pitchFamily="49" charset="0"/>
-                <a:cs typeface="Courier New" pitchFamily="49" charset="0"/>
-              </a:rPr>
-              <a:t>zvar4</a:t>
-            </a:r>
-            <a:r>
-              <a:rPr lang="en-US" sz="2400" dirty="0">
-                <a:latin typeface="Courier New" pitchFamily="49" charset="0"/>
-                <a:cs typeface="Courier New" pitchFamily="49" charset="0"/>
-              </a:rPr>
-              <a:t> = </a:t>
-            </a:r>
-            <a:r>
-              <a:rPr lang="en-US" sz="2400" i="1" dirty="0">
-                <a:latin typeface="Courier New" pitchFamily="49" charset="0"/>
-                <a:cs typeface="Courier New" pitchFamily="49" charset="0"/>
-              </a:rPr>
-              <a:t>xvar1</a:t>
-            </a:r>
-            <a:r>
-              <a:rPr lang="en-US" sz="2400" dirty="0">
-                <a:latin typeface="Courier New" pitchFamily="49" charset="0"/>
-                <a:cs typeface="Courier New" pitchFamily="49" charset="0"/>
-              </a:rPr>
-              <a:t> </a:t>
-            </a:r>
-            <a:r>
-              <a:rPr lang="en-US" sz="2400" i="1" dirty="0">
-                <a:latin typeface="Courier New" pitchFamily="49" charset="0"/>
-                <a:cs typeface="Courier New" pitchFamily="49" charset="0"/>
-              </a:rPr>
-              <a:t>xvar2</a:t>
-            </a:r>
-            <a:r>
-              <a:rPr lang="en-US" sz="2400" dirty="0">
-                <a:latin typeface="Courier New" pitchFamily="49" charset="0"/>
-                <a:cs typeface="Courier New" pitchFamily="49" charset="0"/>
-              </a:rPr>
-              <a:t> </a:t>
-            </a:r>
-            <a:r>
-              <a:rPr lang="en-US" sz="2400" i="1" dirty="0">
-                <a:latin typeface="Courier New" pitchFamily="49" charset="0"/>
-                <a:cs typeface="Courier New" pitchFamily="49" charset="0"/>
-              </a:rPr>
-              <a:t>xvar3</a:t>
-            </a:r>
-            <a:r>
-              <a:rPr lang="en-US" sz="2400" dirty="0">
-                <a:latin typeface="Courier New" pitchFamily="49" charset="0"/>
-                <a:cs typeface="Courier New" pitchFamily="49" charset="0"/>
-              </a:rPr>
-              <a:t>, add(</a:t>
-            </a:r>
-            <a:r>
-              <a:rPr lang="en-US" sz="2400" i="1" dirty="0">
-                <a:latin typeface="Courier New" pitchFamily="49" charset="0"/>
-                <a:cs typeface="Courier New" pitchFamily="49" charset="0"/>
-              </a:rPr>
-              <a:t>M</a:t>
-            </a:r>
-            <a:r>
-              <a:rPr lang="en-US" sz="2400" dirty="0">
-                <a:latin typeface="Courier New" pitchFamily="49" charset="0"/>
-                <a:cs typeface="Courier New" pitchFamily="49" charset="0"/>
-              </a:rPr>
-              <a:t>) </a:t>
-            </a:r>
-            <a:r>
-              <a:rPr lang="en-US" sz="2400" dirty="0" err="1">
-                <a:latin typeface="Courier New" pitchFamily="49" charset="0"/>
-                <a:cs typeface="Courier New" pitchFamily="49" charset="0"/>
-              </a:rPr>
-              <a:t>rseed</a:t>
-            </a:r>
-            <a:r>
-              <a:rPr lang="en-US" sz="2400" dirty="0">
-                <a:latin typeface="Courier New" pitchFamily="49" charset="0"/>
-                <a:cs typeface="Courier New" pitchFamily="49" charset="0"/>
-              </a:rPr>
-              <a:t>(</a:t>
-            </a:r>
-            <a:r>
-              <a:rPr lang="en-US" sz="2400" i="1" dirty="0">
-                <a:latin typeface="Courier New" pitchFamily="49" charset="0"/>
-                <a:cs typeface="Courier New" pitchFamily="49" charset="0"/>
-              </a:rPr>
-              <a:t>num</a:t>
-            </a:r>
-            <a:r>
-              <a:rPr lang="en-US" sz="2400" dirty="0">
-                <a:latin typeface="Courier New" pitchFamily="49" charset="0"/>
-                <a:cs typeface="Courier New" pitchFamily="49" charset="0"/>
-              </a:rPr>
-              <a:t>)</a:t>
-            </a:r>
+            <a:pPr marL="423000"/>
+            <a:r>
+              <a:rPr lang="en-US" sz="2400" dirty="0" err="1"/>
+              <a:t>bmi</a:t>
+            </a:r>
+            <a:r>
+              <a:rPr lang="en-US" sz="2400" baseline="-25000" dirty="0" err="1"/>
+              <a:t>i</a:t>
+            </a:r>
+            <a:r>
+              <a:rPr lang="en-US" sz="2400" dirty="0"/>
+              <a:t> = Body mass index</a:t>
+            </a:r>
+          </a:p>
+          <a:p>
+            <a:pPr marL="423000"/>
+            <a:r>
+              <a:rPr lang="en-US" sz="2400" dirty="0" err="1"/>
+              <a:t>male</a:t>
+            </a:r>
+            <a:r>
+              <a:rPr lang="en-US" sz="2400" baseline="-25000" dirty="0" err="1"/>
+              <a:t>i</a:t>
+            </a:r>
+            <a:r>
+              <a:rPr lang="en-US" sz="2400" dirty="0"/>
+              <a:t> = 1 if respondent is male</a:t>
+            </a:r>
+          </a:p>
+          <a:p>
+            <a:pPr marL="423000"/>
+            <a:r>
+              <a:rPr lang="en-US" sz="2400" dirty="0"/>
+              <a:t>white</a:t>
+            </a:r>
+            <a:r>
+              <a:rPr lang="en-US" sz="2400" baseline="-25000" dirty="0"/>
+              <a:t>i</a:t>
+            </a:r>
+            <a:r>
+              <a:rPr lang="en-US" sz="2400" dirty="0"/>
+              <a:t> = 1 if respondent is white, non-Hispanic</a:t>
+            </a:r>
+          </a:p>
+          <a:p>
+            <a:pPr marL="423000"/>
+            <a:r>
+              <a:rPr lang="en-US" sz="2400" dirty="0" err="1"/>
+              <a:t>age</a:t>
+            </a:r>
+            <a:r>
+              <a:rPr lang="en-US" sz="2400" baseline="-25000" dirty="0" err="1"/>
+              <a:t>i</a:t>
+            </a:r>
+            <a:r>
+              <a:rPr lang="en-US" sz="2400" dirty="0"/>
+              <a:t> = Age at interview (12-18)</a:t>
+            </a:r>
+          </a:p>
+          <a:p>
+            <a:pPr marL="423000"/>
+            <a:r>
+              <a:rPr lang="en-US" sz="2400" dirty="0" err="1"/>
+              <a:t>hh_size</a:t>
+            </a:r>
+            <a:r>
+              <a:rPr lang="en-US" sz="2400" baseline="-25000" dirty="0" err="1"/>
+              <a:t>i</a:t>
+            </a:r>
+            <a:r>
+              <a:rPr lang="en-US" sz="2400" dirty="0"/>
+              <a:t> = Household size (1-16)</a:t>
+            </a:r>
+          </a:p>
+          <a:p>
+            <a:pPr marL="423000"/>
+            <a:r>
+              <a:rPr lang="en-US" sz="2400" dirty="0" err="1"/>
+              <a:t>health</a:t>
+            </a:r>
+            <a:r>
+              <a:rPr lang="en-US" sz="2400" baseline="-25000" dirty="0" err="1"/>
+              <a:t>i</a:t>
+            </a:r>
+            <a:r>
+              <a:rPr lang="en-US" sz="2400" dirty="0"/>
+              <a:t> = Self-report rating of health (1 “Excellent” to 5 “Poor”)</a:t>
+            </a:r>
+          </a:p>
+          <a:p>
+            <a:pPr marL="423000"/>
+            <a:r>
+              <a:rPr lang="en-US" sz="2400" dirty="0" err="1"/>
+              <a:t>n_marij</a:t>
+            </a:r>
+            <a:r>
+              <a:rPr lang="en-US" sz="2400" baseline="-25000" dirty="0" err="1"/>
+              <a:t>i</a:t>
+            </a:r>
+            <a:r>
+              <a:rPr lang="en-US" sz="2400" dirty="0"/>
+              <a:t> = Number of days smoked marijuana in the last 30 days (0-30)</a:t>
+            </a:r>
+          </a:p>
+          <a:p>
+            <a:pPr marL="423000"/>
             <a:endParaRPr lang="en-US" sz="2400" dirty="0"/>
           </a:p>
           <a:p>
-            <a:pPr lvl="1"/>
-            <a:r>
-              <a:rPr lang="en-US" sz="2400" dirty="0"/>
-              <a:t>“</a:t>
-            </a:r>
-            <a:r>
-              <a:rPr lang="en-US" sz="2400" dirty="0" err="1"/>
-              <a:t>zvar</a:t>
-            </a:r>
-            <a:r>
-              <a:rPr lang="en-US" sz="2400" dirty="0"/>
-              <a:t>#” = Variable with missing values</a:t>
-            </a:r>
-          </a:p>
-          <a:p>
-            <a:pPr lvl="1"/>
-            <a:r>
-              <a:rPr lang="en-US" sz="2400" dirty="0"/>
-              <a:t>“</a:t>
-            </a:r>
-            <a:r>
-              <a:rPr lang="en-US" sz="2400" dirty="0" err="1"/>
-              <a:t>xvar</a:t>
-            </a:r>
-            <a:r>
-              <a:rPr lang="en-US" sz="2400" dirty="0"/>
-              <a:t>#” = Variable with complete information</a:t>
-            </a:r>
-          </a:p>
-          <a:p>
-            <a:pPr lvl="1"/>
-            <a:r>
-              <a:rPr lang="en-US" sz="2400" dirty="0"/>
-              <a:t>“model#” = Probability model for specified variable</a:t>
-            </a:r>
-          </a:p>
-          <a:p>
-            <a:pPr lvl="1"/>
-            <a:r>
-              <a:rPr lang="en-US" sz="2400" dirty="0"/>
-              <a:t>“M” = Number of imputations</a:t>
-            </a:r>
-          </a:p>
-          <a:p>
-            <a:pPr lvl="1"/>
-            <a:r>
-              <a:rPr lang="en-US" sz="2400" dirty="0"/>
-              <a:t>“num” = Seed for random number generator</a:t>
-            </a:r>
-          </a:p>
-          <a:p>
-            <a:endParaRPr lang="en-US" sz="2800" dirty="0"/>
+            <a:pPr marL="423000"/>
+            <a:endParaRPr lang="en-US" sz="2400" dirty="0"/>
+          </a:p>
+          <a:p>
+            <a:endParaRPr lang="en-US" sz="2400" dirty="0"/>
           </a:p>
         </p:txBody>
       </p:sp>
     </p:spTree>
     <p:extLst>
       <p:ext uri="{BB962C8B-B14F-4D97-AF65-F5344CB8AC3E}">
-        <p14:creationId xmlns:p14="http://schemas.microsoft.com/office/powerpoint/2010/main" val="1167852142"/>
+        <p14:creationId xmlns:p14="http://schemas.microsoft.com/office/powerpoint/2010/main" val="3955229733"/>
       </p:ext>
     </p:extLst>
   </p:cSld>
@@ -7623,7 +7081,7 @@
           <p:cNvPr id="2" name="Title 1">
             <a:extLst>
               <a:ext uri="{FF2B5EF4-FFF2-40B4-BE49-F238E27FC236}">
-                <a16:creationId xmlns:a16="http://schemas.microsoft.com/office/drawing/2014/main" id="{7DE63B35-54F5-2E33-540C-A1B2DB427B24}"/>
+                <a16:creationId xmlns:a16="http://schemas.microsoft.com/office/drawing/2014/main" id="{5B661D50-1EA2-0FDA-802F-B8BE7B53F64F}"/>
               </a:ext>
             </a:extLst>
           </p:cNvPr>
@@ -7634,162 +7092,64 @@
             <p:ph type="title"/>
           </p:nvPr>
         </p:nvSpPr>
-        <p:spPr/>
-        <p:txBody>
-          <a:bodyPr/>
+        <p:spPr>
+          <a:xfrm>
+            <a:off x="919119" y="309996"/>
+            <a:ext cx="10353762" cy="657225"/>
+          </a:xfrm>
+        </p:spPr>
+        <p:txBody>
+          <a:bodyPr>
+            <a:normAutofit fontScale="90000"/>
+          </a:bodyPr>
           <a:lstStyle/>
           <a:p>
             <a:r>
               <a:rPr lang="en-US" dirty="0"/>
-              <a:t>Example Data: NLSY97</a:t>
-            </a:r>
-          </a:p>
-        </p:txBody>
-      </p:sp>
-      <p:sp>
-        <p:nvSpPr>
-          <p:cNvPr id="3" name="Content Placeholder 2">
+              <a:t>Summary of Missingness</a:t>
+            </a:r>
+          </a:p>
+        </p:txBody>
+      </p:sp>
+      <p:pic>
+        <p:nvPicPr>
+          <p:cNvPr id="33" name="Content Placeholder 32">
             <a:extLst>
               <a:ext uri="{FF2B5EF4-FFF2-40B4-BE49-F238E27FC236}">
-                <a16:creationId xmlns:a16="http://schemas.microsoft.com/office/drawing/2014/main" id="{C4818AD1-4E27-2496-3929-B732C9B17049}"/>
+                <a16:creationId xmlns:a16="http://schemas.microsoft.com/office/drawing/2014/main" id="{A2F5943B-D7A1-E430-DE80-B7B46B4517EC}"/>
               </a:ext>
             </a:extLst>
           </p:cNvPr>
-          <p:cNvSpPr>
-            <a:spLocks noGrp="1"/>
-          </p:cNvSpPr>
+          <p:cNvPicPr>
+            <a:picLocks noGrp="1" noChangeAspect="1"/>
+          </p:cNvPicPr>
           <p:nvPr>
             <p:ph idx="1"/>
           </p:nvPr>
-        </p:nvSpPr>
-        <p:spPr/>
-        <p:txBody>
-          <a:bodyPr>
-            <a:normAutofit/>
-          </a:bodyPr>
-          <a:lstStyle/>
-          <a:p>
-            <a:pPr marL="423000"/>
-            <a:r>
-              <a:rPr lang="en-US" sz="2400" dirty="0" err="1"/>
-              <a:t>bmi</a:t>
-            </a:r>
-            <a:r>
-              <a:rPr lang="en-US" sz="2400" baseline="-25000" dirty="0" err="1"/>
-              <a:t>i</a:t>
-            </a:r>
-            <a:r>
-              <a:rPr lang="en-US" sz="2400" dirty="0"/>
-              <a:t> = Body mass index</a:t>
-            </a:r>
-          </a:p>
-          <a:p>
-            <a:pPr marL="423000"/>
-            <a:r>
-              <a:rPr lang="en-US" sz="2400" dirty="0" err="1"/>
-              <a:t>male</a:t>
-            </a:r>
-            <a:r>
-              <a:rPr lang="en-US" sz="2400" baseline="-25000" dirty="0" err="1"/>
-              <a:t>i</a:t>
-            </a:r>
-            <a:r>
-              <a:rPr lang="en-US" sz="2400" dirty="0"/>
-              <a:t> = 1 if respondent is male</a:t>
-            </a:r>
-          </a:p>
-          <a:p>
-            <a:pPr marL="423000"/>
-            <a:r>
-              <a:rPr lang="en-US" sz="2400" dirty="0"/>
-              <a:t>white</a:t>
-            </a:r>
-            <a:r>
-              <a:rPr lang="en-US" sz="2400" baseline="-25000" dirty="0"/>
-              <a:t>i</a:t>
-            </a:r>
-            <a:r>
-              <a:rPr lang="en-US" sz="2400" dirty="0"/>
-              <a:t> = 1 if respondent is white, non-Hispanic</a:t>
-            </a:r>
-          </a:p>
-          <a:p>
-            <a:pPr marL="423000"/>
-            <a:r>
-              <a:rPr lang="en-US" sz="2400" dirty="0" err="1"/>
-              <a:t>age</a:t>
-            </a:r>
-            <a:r>
-              <a:rPr lang="en-US" sz="2400" baseline="-25000" dirty="0" err="1"/>
-              <a:t>i</a:t>
-            </a:r>
-            <a:r>
-              <a:rPr lang="en-US" sz="2400" dirty="0"/>
-              <a:t> = Age at interview (12-18)</a:t>
-            </a:r>
-          </a:p>
-          <a:p>
-            <a:pPr marL="423000"/>
-            <a:r>
-              <a:rPr lang="en-US" sz="2400" dirty="0" err="1"/>
-              <a:t>hh_size</a:t>
-            </a:r>
-            <a:r>
-              <a:rPr lang="en-US" sz="2400" baseline="-25000" dirty="0" err="1"/>
-              <a:t>i</a:t>
-            </a:r>
-            <a:r>
-              <a:rPr lang="en-US" sz="2400" dirty="0"/>
-              <a:t> = Household size (1-16)</a:t>
-            </a:r>
-          </a:p>
-          <a:p>
-            <a:pPr marL="423000"/>
-            <a:r>
-              <a:rPr lang="en-US" sz="2400" dirty="0" err="1"/>
-              <a:t>health</a:t>
-            </a:r>
-            <a:r>
-              <a:rPr lang="en-US" sz="2400" baseline="-25000" dirty="0" err="1"/>
-              <a:t>i</a:t>
-            </a:r>
-            <a:r>
-              <a:rPr lang="en-US" sz="2400" dirty="0"/>
-              <a:t> = Self-report rating of health (1-5)</a:t>
-            </a:r>
-          </a:p>
-          <a:p>
-            <a:pPr marL="423000"/>
-            <a:r>
-              <a:rPr lang="en-US" sz="2400" dirty="0" err="1"/>
-              <a:t>n_marij</a:t>
-            </a:r>
-            <a:r>
-              <a:rPr lang="en-US" sz="2400" baseline="-25000" dirty="0" err="1"/>
-              <a:t>i</a:t>
-            </a:r>
-            <a:r>
-              <a:rPr lang="en-US" sz="2400" dirty="0"/>
-              <a:t> = Number of days smoked marijuana in the last 30 days (0-30)</a:t>
-            </a:r>
-          </a:p>
-          <a:p>
-            <a:pPr marL="423000"/>
-            <a:endParaRPr lang="en-US" sz="2400" dirty="0"/>
-          </a:p>
-          <a:p>
-            <a:pPr marL="423000"/>
-            <a:endParaRPr lang="en-US" sz="2400" dirty="0"/>
-          </a:p>
-          <a:p>
-            <a:endParaRPr lang="en-US" sz="2400" dirty="0"/>
-          </a:p>
-        </p:txBody>
-      </p:sp>
+        </p:nvPicPr>
+        <p:blipFill>
+          <a:blip r:embed="rId2"/>
+          <a:stretch>
+            <a:fillRect/>
+          </a:stretch>
+        </p:blipFill>
+        <p:spPr>
+          <a:xfrm>
+            <a:off x="1910993" y="1178351"/>
+            <a:ext cx="8897420" cy="5191627"/>
+          </a:xfrm>
+          <a:prstGeom prst="rect">
+            <a:avLst/>
+          </a:prstGeom>
+          <a:solidFill>
+            <a:schemeClr val="tx1"/>
+          </a:solidFill>
+        </p:spPr>
+      </p:pic>
     </p:spTree>
     <p:extLst>
       <p:ext uri="{BB962C8B-B14F-4D97-AF65-F5344CB8AC3E}">
-        <p14:creationId xmlns:p14="http://schemas.microsoft.com/office/powerpoint/2010/main" val="3955229733"/>
+        <p14:creationId xmlns:p14="http://schemas.microsoft.com/office/powerpoint/2010/main" val="842828200"/>
       </p:ext>
     </p:extLst>
   </p:cSld>
@@ -7821,7 +7181,7 @@
           <p:cNvPr id="2" name="Title 1">
             <a:extLst>
               <a:ext uri="{FF2B5EF4-FFF2-40B4-BE49-F238E27FC236}">
-                <a16:creationId xmlns:a16="http://schemas.microsoft.com/office/drawing/2014/main" id="{5B661D50-1EA2-0FDA-802F-B8BE7B53F64F}"/>
+                <a16:creationId xmlns:a16="http://schemas.microsoft.com/office/drawing/2014/main" id="{A3554C23-F218-CC9E-A5D8-3C6AD1C2F7CF}"/>
               </a:ext>
             </a:extLst>
           </p:cNvPr>
@@ -7832,31 +7192,24 @@
             <p:ph type="title"/>
           </p:nvPr>
         </p:nvSpPr>
-        <p:spPr>
-          <a:xfrm>
-            <a:off x="919119" y="309996"/>
-            <a:ext cx="10353762" cy="657225"/>
-          </a:xfrm>
-        </p:spPr>
-        <p:txBody>
-          <a:bodyPr>
-            <a:normAutofit fontScale="90000"/>
-          </a:bodyPr>
+        <p:spPr/>
+        <p:txBody>
+          <a:bodyPr/>
           <a:lstStyle/>
           <a:p>
             <a:r>
               <a:rPr lang="en-US" dirty="0"/>
-              <a:t>Summary of Missingness</a:t>
+              <a:t>Little’s MCAR Test</a:t>
             </a:r>
           </a:p>
         </p:txBody>
       </p:sp>
       <p:pic>
         <p:nvPicPr>
-          <p:cNvPr id="4" name="Content Placeholder 3">
+          <p:cNvPr id="5" name="Content Placeholder 4">
             <a:extLst>
               <a:ext uri="{FF2B5EF4-FFF2-40B4-BE49-F238E27FC236}">
-                <a16:creationId xmlns:a16="http://schemas.microsoft.com/office/drawing/2014/main" id="{7ED532D0-88B1-F71B-F10B-8EC6688FAABD}"/>
+                <a16:creationId xmlns:a16="http://schemas.microsoft.com/office/drawing/2014/main" id="{F4580E0A-6AD9-3515-D1CC-0D105552F2A1}"/>
               </a:ext>
             </a:extLst>
           </p:cNvPr>
@@ -7875,21 +7228,15 @@
         </p:blipFill>
         <p:spPr>
           <a:xfrm>
-            <a:off x="1497065" y="1371600"/>
-            <a:ext cx="9197870" cy="5176404"/>
+            <a:off x="2756489" y="1726058"/>
+            <a:ext cx="6668374" cy="3687352"/>
           </a:xfrm>
-          <a:prstGeom prst="rect">
-            <a:avLst/>
-          </a:prstGeom>
-          <a:solidFill>
-            <a:schemeClr val="tx1"/>
-          </a:solidFill>
         </p:spPr>
       </p:pic>
     </p:spTree>
     <p:extLst>
       <p:ext uri="{BB962C8B-B14F-4D97-AF65-F5344CB8AC3E}">
-        <p14:creationId xmlns:p14="http://schemas.microsoft.com/office/powerpoint/2010/main" val="842828200"/>
+        <p14:creationId xmlns:p14="http://schemas.microsoft.com/office/powerpoint/2010/main" val="101203823"/>
       </p:ext>
     </p:extLst>
   </p:cSld>
@@ -7921,7 +7268,7 @@
           <p:cNvPr id="2" name="Title 1">
             <a:extLst>
               <a:ext uri="{FF2B5EF4-FFF2-40B4-BE49-F238E27FC236}">
-                <a16:creationId xmlns:a16="http://schemas.microsoft.com/office/drawing/2014/main" id="{A3554C23-F218-CC9E-A5D8-3C6AD1C2F7CF}"/>
+                <a16:creationId xmlns:a16="http://schemas.microsoft.com/office/drawing/2014/main" id="{B1D0D64D-EFCA-ABAD-0ED6-377F45A9DA6F}"/>
               </a:ext>
             </a:extLst>
           </p:cNvPr>
@@ -7932,39 +7279,102 @@
             <p:ph type="title"/>
           </p:nvPr>
         </p:nvSpPr>
-        <p:spPr/>
-        <p:txBody>
-          <a:bodyPr/>
+        <p:spPr>
+          <a:xfrm>
+            <a:off x="919119" y="338719"/>
+            <a:ext cx="10353762" cy="684944"/>
+          </a:xfrm>
+        </p:spPr>
+        <p:txBody>
+          <a:bodyPr>
+            <a:normAutofit fontScale="90000"/>
+          </a:bodyPr>
           <a:lstStyle/>
           <a:p>
             <a:r>
               <a:rPr lang="en-US" dirty="0"/>
-              <a:t>Little’s MCAR Test</a:t>
-            </a:r>
-          </a:p>
-        </p:txBody>
-      </p:sp>
-      <p:sp>
-        <p:nvSpPr>
-          <p:cNvPr id="3" name="Content Placeholder 2">
+              <a:t>Logistic Regression MAR Tests</a:t>
+            </a:r>
+          </a:p>
+        </p:txBody>
+      </p:sp>
+      <p:pic>
+        <p:nvPicPr>
+          <p:cNvPr id="11" name="Content Placeholder 10">
             <a:extLst>
               <a:ext uri="{FF2B5EF4-FFF2-40B4-BE49-F238E27FC236}">
-                <a16:creationId xmlns:a16="http://schemas.microsoft.com/office/drawing/2014/main" id="{9F23B626-C484-610F-C3CA-941A6BF885A8}"/>
+                <a16:creationId xmlns:a16="http://schemas.microsoft.com/office/drawing/2014/main" id="{F024660E-FBC3-FD7B-5A91-053415398264}"/>
               </a:ext>
             </a:extLst>
           </p:cNvPr>
-          <p:cNvSpPr>
-            <a:spLocks noGrp="1"/>
-          </p:cNvSpPr>
+          <p:cNvPicPr>
+            <a:picLocks noGrp="1" noChangeAspect="1"/>
+          </p:cNvPicPr>
           <p:nvPr>
             <p:ph idx="1"/>
           </p:nvPr>
-        </p:nvSpPr>
-        <p:spPr/>
-        <p:txBody>
-          <a:bodyPr/>
+        </p:nvPicPr>
+        <p:blipFill>
+          <a:blip r:embed="rId2"/>
+          <a:stretch>
+            <a:fillRect/>
+          </a:stretch>
+        </p:blipFill>
+        <p:spPr>
+          <a:xfrm>
+            <a:off x="1925791" y="1494565"/>
+            <a:ext cx="8340417" cy="4937058"/>
+          </a:xfrm>
+        </p:spPr>
+      </p:pic>
+      <p:sp>
+        <p:nvSpPr>
+          <p:cNvPr id="12" name="Rectangle 11">
+            <a:extLst>
+              <a:ext uri="{FF2B5EF4-FFF2-40B4-BE49-F238E27FC236}">
+                <a16:creationId xmlns:a16="http://schemas.microsoft.com/office/drawing/2014/main" id="{5E32B8C9-FADA-7787-A9E5-FFC7F36303BD}"/>
+              </a:ext>
+            </a:extLst>
+          </p:cNvPr>
+          <p:cNvSpPr/>
+          <p:nvPr/>
+        </p:nvSpPr>
+        <p:spPr>
+          <a:xfrm>
+            <a:off x="6893960" y="4859676"/>
+            <a:ext cx="750013" cy="1232899"/>
+          </a:xfrm>
+          <a:prstGeom prst="rect">
+            <a:avLst/>
+          </a:prstGeom>
+          <a:noFill/>
+          <a:ln w="28575">
+            <a:solidFill>
+              <a:srgbClr val="FF0000"/>
+            </a:solidFill>
+          </a:ln>
+        </p:spPr>
+        <p:style>
+          <a:lnRef idx="2">
+            <a:schemeClr val="accent1">
+              <a:shade val="15000"/>
+            </a:schemeClr>
+          </a:lnRef>
+          <a:fillRef idx="1">
+            <a:schemeClr val="accent1"/>
+          </a:fillRef>
+          <a:effectRef idx="0">
+            <a:schemeClr val="accent1"/>
+          </a:effectRef>
+          <a:fontRef idx="minor">
+            <a:schemeClr val="lt1"/>
+          </a:fontRef>
+        </p:style>
+        <p:txBody>
+          <a:bodyPr rtlCol="0" anchor="ctr"/>
           <a:lstStyle/>
           <a:p>
+            <a:pPr algn="ctr"/>
             <a:endParaRPr lang="en-US"/>
           </a:p>
         </p:txBody>
@@ -7972,7 +7382,7 @@
     </p:spTree>
     <p:extLst>
       <p:ext uri="{BB962C8B-B14F-4D97-AF65-F5344CB8AC3E}">
-        <p14:creationId xmlns:p14="http://schemas.microsoft.com/office/powerpoint/2010/main" val="101203823"/>
+        <p14:creationId xmlns:p14="http://schemas.microsoft.com/office/powerpoint/2010/main" val="1217744176"/>
       </p:ext>
     </p:extLst>
   </p:cSld>
@@ -8004,7 +7414,7 @@
           <p:cNvPr id="2" name="Title 1">
             <a:extLst>
               <a:ext uri="{FF2B5EF4-FFF2-40B4-BE49-F238E27FC236}">
-                <a16:creationId xmlns:a16="http://schemas.microsoft.com/office/drawing/2014/main" id="{B1D0D64D-EFCA-ABAD-0ED6-377F45A9DA6F}"/>
+                <a16:creationId xmlns:a16="http://schemas.microsoft.com/office/drawing/2014/main" id="{86915C43-7606-6533-2205-3F326111EE9B}"/>
               </a:ext>
             </a:extLst>
           </p:cNvPr>
@@ -8015,47 +7425,56 @@
             <p:ph type="title"/>
           </p:nvPr>
         </p:nvSpPr>
-        <p:spPr/>
+        <p:spPr>
+          <a:xfrm>
+            <a:off x="919119" y="303805"/>
+            <a:ext cx="10353762" cy="970450"/>
+          </a:xfrm>
+        </p:spPr>
         <p:txBody>
           <a:bodyPr/>
           <a:lstStyle/>
           <a:p>
             <a:r>
               <a:rPr lang="en-US" dirty="0"/>
-              <a:t>Logistic Regression MAR Tests</a:t>
-            </a:r>
-          </a:p>
-        </p:txBody>
-      </p:sp>
-      <p:sp>
-        <p:nvSpPr>
-          <p:cNvPr id="3" name="Content Placeholder 2">
+              <a:t>Complete Case Analysis</a:t>
+            </a:r>
+          </a:p>
+        </p:txBody>
+      </p:sp>
+      <p:pic>
+        <p:nvPicPr>
+          <p:cNvPr id="9" name="Content Placeholder 8">
             <a:extLst>
               <a:ext uri="{FF2B5EF4-FFF2-40B4-BE49-F238E27FC236}">
-                <a16:creationId xmlns:a16="http://schemas.microsoft.com/office/drawing/2014/main" id="{C7361484-461E-20C2-582E-28E6CCDF149A}"/>
+                <a16:creationId xmlns:a16="http://schemas.microsoft.com/office/drawing/2014/main" id="{03CCBB9F-0350-ACB9-6464-382890443D0D}"/>
               </a:ext>
             </a:extLst>
           </p:cNvPr>
-          <p:cNvSpPr>
-            <a:spLocks noGrp="1"/>
-          </p:cNvSpPr>
+          <p:cNvPicPr>
+            <a:picLocks noGrp="1" noChangeAspect="1"/>
+          </p:cNvPicPr>
           <p:nvPr>
             <p:ph idx="1"/>
           </p:nvPr>
-        </p:nvSpPr>
-        <p:spPr/>
-        <p:txBody>
-          <a:bodyPr/>
-          <a:lstStyle/>
-          <a:p>
-            <a:endParaRPr lang="en-US"/>
-          </a:p>
-        </p:txBody>
-      </p:sp>
+        </p:nvPicPr>
+        <p:blipFill>
+          <a:blip r:embed="rId2"/>
+          <a:stretch>
+            <a:fillRect/>
+          </a:stretch>
+        </p:blipFill>
+        <p:spPr>
+          <a:xfrm>
+            <a:off x="841053" y="1448656"/>
+            <a:ext cx="10509893" cy="5024062"/>
+          </a:xfrm>
+        </p:spPr>
+      </p:pic>
     </p:spTree>
     <p:extLst>
       <p:ext uri="{BB962C8B-B14F-4D97-AF65-F5344CB8AC3E}">
-        <p14:creationId xmlns:p14="http://schemas.microsoft.com/office/powerpoint/2010/main" val="1217744176"/>
+        <p14:creationId xmlns:p14="http://schemas.microsoft.com/office/powerpoint/2010/main" val="2134590811"/>
       </p:ext>
     </p:extLst>
   </p:cSld>
@@ -8087,7 +7506,7 @@
           <p:cNvPr id="2" name="Title 1">
             <a:extLst>
               <a:ext uri="{FF2B5EF4-FFF2-40B4-BE49-F238E27FC236}">
-                <a16:creationId xmlns:a16="http://schemas.microsoft.com/office/drawing/2014/main" id="{86915C43-7606-6533-2205-3F326111EE9B}"/>
+                <a16:creationId xmlns:a16="http://schemas.microsoft.com/office/drawing/2014/main" id="{D67DD3F5-A270-BDCF-227F-627C0F2F500F}"/>
               </a:ext>
             </a:extLst>
           </p:cNvPr>
@@ -8100,7 +7519,7 @@
         </p:nvSpPr>
         <p:spPr>
           <a:xfrm>
-            <a:off x="919119" y="303805"/>
+            <a:off x="919119" y="183544"/>
             <a:ext cx="10353762" cy="970450"/>
           </a:xfrm>
         </p:spPr>
@@ -8110,17 +7529,17 @@
           <a:p>
             <a:r>
               <a:rPr lang="en-US" dirty="0"/>
-              <a:t>Complete Case Analysis</a:t>
+              <a:t>Setting Imputation Parameters</a:t>
             </a:r>
           </a:p>
         </p:txBody>
       </p:sp>
       <p:pic>
         <p:nvPicPr>
-          <p:cNvPr id="4" name="Content Placeholder 3">
+          <p:cNvPr id="6" name="Content Placeholder 5">
             <a:extLst>
               <a:ext uri="{FF2B5EF4-FFF2-40B4-BE49-F238E27FC236}">
-                <a16:creationId xmlns:a16="http://schemas.microsoft.com/office/drawing/2014/main" id="{50AFF2B9-BC9D-C06E-5FA3-73A7C69E37ED}"/>
+                <a16:creationId xmlns:a16="http://schemas.microsoft.com/office/drawing/2014/main" id="{2B701210-14D0-E114-F6F8-762188D066BD}"/>
               </a:ext>
             </a:extLst>
           </p:cNvPr>
@@ -8139,8 +7558,8 @@
         </p:blipFill>
         <p:spPr>
           <a:xfrm>
-            <a:off x="1384108" y="1409700"/>
-            <a:ext cx="9379142" cy="5144495"/>
+            <a:off x="2517924" y="1153994"/>
+            <a:ext cx="7156152" cy="5294431"/>
           </a:xfrm>
           <a:prstGeom prst="rect">
             <a:avLst/>
@@ -8153,7 +7572,7 @@
     </p:spTree>
     <p:extLst>
       <p:ext uri="{BB962C8B-B14F-4D97-AF65-F5344CB8AC3E}">
-        <p14:creationId xmlns:p14="http://schemas.microsoft.com/office/powerpoint/2010/main" val="2134590811"/>
+        <p14:creationId xmlns:p14="http://schemas.microsoft.com/office/powerpoint/2010/main" val="572338331"/>
       </p:ext>
     </p:extLst>
   </p:cSld>
@@ -8301,104 +7720,6 @@
 </file>
 
 <file path=ppt/slides/slide20.xml><?xml version="1.0" encoding="utf-8"?>
-<p:sld xmlns:a="http://schemas.openxmlformats.org/drawingml/2006/main" xmlns:r="http://schemas.openxmlformats.org/officeDocument/2006/relationships" xmlns:p="http://schemas.openxmlformats.org/presentationml/2006/main">
-  <p:cSld>
-    <p:spTree>
-      <p:nvGrpSpPr>
-        <p:cNvPr id="1" name=""/>
-        <p:cNvGrpSpPr/>
-        <p:nvPr/>
-      </p:nvGrpSpPr>
-      <p:grpSpPr>
-        <a:xfrm>
-          <a:off x="0" y="0"/>
-          <a:ext cx="0" cy="0"/>
-          <a:chOff x="0" y="0"/>
-          <a:chExt cx="0" cy="0"/>
-        </a:xfrm>
-      </p:grpSpPr>
-      <p:sp>
-        <p:nvSpPr>
-          <p:cNvPr id="2" name="Title 1">
-            <a:extLst>
-              <a:ext uri="{FF2B5EF4-FFF2-40B4-BE49-F238E27FC236}">
-                <a16:creationId xmlns:a16="http://schemas.microsoft.com/office/drawing/2014/main" id="{D67DD3F5-A270-BDCF-227F-627C0F2F500F}"/>
-              </a:ext>
-            </a:extLst>
-          </p:cNvPr>
-          <p:cNvSpPr>
-            <a:spLocks noGrp="1"/>
-          </p:cNvSpPr>
-          <p:nvPr>
-            <p:ph type="title"/>
-          </p:nvPr>
-        </p:nvSpPr>
-        <p:spPr>
-          <a:xfrm>
-            <a:off x="914356" y="409575"/>
-            <a:ext cx="10353762" cy="970450"/>
-          </a:xfrm>
-        </p:spPr>
-        <p:txBody>
-          <a:bodyPr/>
-          <a:lstStyle/>
-          <a:p>
-            <a:r>
-              <a:rPr lang="en-US" dirty="0"/>
-              <a:t>Setting Imputation Parameters</a:t>
-            </a:r>
-          </a:p>
-        </p:txBody>
-      </p:sp>
-      <p:pic>
-        <p:nvPicPr>
-          <p:cNvPr id="4" name="Content Placeholder 3">
-            <a:extLst>
-              <a:ext uri="{FF2B5EF4-FFF2-40B4-BE49-F238E27FC236}">
-                <a16:creationId xmlns:a16="http://schemas.microsoft.com/office/drawing/2014/main" id="{FFC71A66-8F3B-CB81-4A85-01D8C975586F}"/>
-              </a:ext>
-            </a:extLst>
-          </p:cNvPr>
-          <p:cNvPicPr>
-            <a:picLocks noGrp="1" noChangeAspect="1"/>
-          </p:cNvPicPr>
-          <p:nvPr>
-            <p:ph idx="1"/>
-          </p:nvPr>
-        </p:nvPicPr>
-        <p:blipFill>
-          <a:blip r:embed="rId2"/>
-          <a:stretch>
-            <a:fillRect/>
-          </a:stretch>
-        </p:blipFill>
-        <p:spPr>
-          <a:xfrm>
-            <a:off x="2419350" y="1381587"/>
-            <a:ext cx="7343774" cy="5066838"/>
-          </a:xfrm>
-          <a:prstGeom prst="rect">
-            <a:avLst/>
-          </a:prstGeom>
-          <a:solidFill>
-            <a:schemeClr val="lt1"/>
-          </a:solidFill>
-        </p:spPr>
-      </p:pic>
-    </p:spTree>
-    <p:extLst>
-      <p:ext uri="{BB962C8B-B14F-4D97-AF65-F5344CB8AC3E}">
-        <p14:creationId xmlns:p14="http://schemas.microsoft.com/office/powerpoint/2010/main" val="572338331"/>
-      </p:ext>
-    </p:extLst>
-  </p:cSld>
-  <p:clrMapOvr>
-    <a:masterClrMapping/>
-  </p:clrMapOvr>
-</p:sld>
-</file>
-
-<file path=ppt/slides/slide21.xml><?xml version="1.0" encoding="utf-8"?>
 <p:sld xmlns:a="http://schemas.openxmlformats.org/drawingml/2006/main" xmlns:r="http://schemas.openxmlformats.org/officeDocument/2006/relationships" xmlns:p="http://schemas.openxmlformats.org/presentationml/2006/main">
   <p:cSld>
     <p:spTree>
@@ -8504,6 +7825,104 @@
 </p:sld>
 </file>
 
+<file path=ppt/slides/slide21.xml><?xml version="1.0" encoding="utf-8"?>
+<p:sld xmlns:a="http://schemas.openxmlformats.org/drawingml/2006/main" xmlns:r="http://schemas.openxmlformats.org/officeDocument/2006/relationships" xmlns:p="http://schemas.openxmlformats.org/presentationml/2006/main">
+  <p:cSld>
+    <p:spTree>
+      <p:nvGrpSpPr>
+        <p:cNvPr id="1" name=""/>
+        <p:cNvGrpSpPr/>
+        <p:nvPr/>
+      </p:nvGrpSpPr>
+      <p:grpSpPr>
+        <a:xfrm>
+          <a:off x="0" y="0"/>
+          <a:ext cx="0" cy="0"/>
+          <a:chOff x="0" y="0"/>
+          <a:chExt cx="0" cy="0"/>
+        </a:xfrm>
+      </p:grpSpPr>
+      <p:sp>
+        <p:nvSpPr>
+          <p:cNvPr id="2" name="Title 1">
+            <a:extLst>
+              <a:ext uri="{FF2B5EF4-FFF2-40B4-BE49-F238E27FC236}">
+                <a16:creationId xmlns:a16="http://schemas.microsoft.com/office/drawing/2014/main" id="{35700CFD-53B6-77A2-B9B0-895451AF9A12}"/>
+              </a:ext>
+            </a:extLst>
+          </p:cNvPr>
+          <p:cNvSpPr>
+            <a:spLocks noGrp="1"/>
+          </p:cNvSpPr>
+          <p:nvPr>
+            <p:ph type="title"/>
+          </p:nvPr>
+        </p:nvSpPr>
+        <p:spPr>
+          <a:xfrm>
+            <a:off x="919119" y="210452"/>
+            <a:ext cx="10353762" cy="847786"/>
+          </a:xfrm>
+        </p:spPr>
+        <p:txBody>
+          <a:bodyPr/>
+          <a:lstStyle/>
+          <a:p>
+            <a:r>
+              <a:rPr lang="en-US" dirty="0"/>
+              <a:t>Running the Imputation Models</a:t>
+            </a:r>
+          </a:p>
+        </p:txBody>
+      </p:sp>
+      <p:pic>
+        <p:nvPicPr>
+          <p:cNvPr id="5" name="Content Placeholder 4">
+            <a:extLst>
+              <a:ext uri="{FF2B5EF4-FFF2-40B4-BE49-F238E27FC236}">
+                <a16:creationId xmlns:a16="http://schemas.microsoft.com/office/drawing/2014/main" id="{B3D9AD6C-28B0-0E19-2756-F714041C7EC0}"/>
+              </a:ext>
+            </a:extLst>
+          </p:cNvPr>
+          <p:cNvPicPr>
+            <a:picLocks noGrp="1" noChangeAspect="1"/>
+          </p:cNvPicPr>
+          <p:nvPr>
+            <p:ph idx="1"/>
+          </p:nvPr>
+        </p:nvPicPr>
+        <p:blipFill>
+          <a:blip r:embed="rId2"/>
+          <a:stretch>
+            <a:fillRect/>
+          </a:stretch>
+        </p:blipFill>
+        <p:spPr>
+          <a:xfrm>
+            <a:off x="2844524" y="1180902"/>
+            <a:ext cx="6502952" cy="5312365"/>
+          </a:xfrm>
+          <a:prstGeom prst="rect">
+            <a:avLst/>
+          </a:prstGeom>
+          <a:solidFill>
+            <a:schemeClr val="tx1"/>
+          </a:solidFill>
+        </p:spPr>
+      </p:pic>
+    </p:spTree>
+    <p:extLst>
+      <p:ext uri="{BB962C8B-B14F-4D97-AF65-F5344CB8AC3E}">
+        <p14:creationId xmlns:p14="http://schemas.microsoft.com/office/powerpoint/2010/main" val="4111156212"/>
+      </p:ext>
+    </p:extLst>
+  </p:cSld>
+  <p:clrMapOvr>
+    <a:masterClrMapping/>
+  </p:clrMapOvr>
+</p:sld>
+</file>
+
 <file path=ppt/slides/slide22.xml><?xml version="1.0" encoding="utf-8"?>
 <p:sld xmlns:a="http://schemas.openxmlformats.org/drawingml/2006/main" xmlns:r="http://schemas.openxmlformats.org/officeDocument/2006/relationships" xmlns:p="http://schemas.openxmlformats.org/presentationml/2006/main">
   <p:cSld>
@@ -8526,7 +7945,7 @@
           <p:cNvPr id="2" name="Title 1">
             <a:extLst>
               <a:ext uri="{FF2B5EF4-FFF2-40B4-BE49-F238E27FC236}">
-                <a16:creationId xmlns:a16="http://schemas.microsoft.com/office/drawing/2014/main" id="{35700CFD-53B6-77A2-B9B0-895451AF9A12}"/>
+                <a16:creationId xmlns:a16="http://schemas.microsoft.com/office/drawing/2014/main" id="{5B1B7AFE-4BD9-80F3-82E9-D8D3020B83D0}"/>
               </a:ext>
             </a:extLst>
           </p:cNvPr>
@@ -8539,8 +7958,8 @@
         </p:nvSpPr>
         <p:spPr>
           <a:xfrm>
-            <a:off x="919119" y="210452"/>
-            <a:ext cx="10353762" cy="970450"/>
+            <a:off x="913795" y="289389"/>
+            <a:ext cx="10353762" cy="777411"/>
           </a:xfrm>
         </p:spPr>
         <p:txBody>
@@ -8549,17 +7968,17 @@
           <a:p>
             <a:r>
               <a:rPr lang="en-US" dirty="0"/>
-              <a:t>Running the Imputation Models</a:t>
+              <a:t>How Are the Different Data Sets Stored?</a:t>
             </a:r>
           </a:p>
         </p:txBody>
       </p:sp>
       <p:pic>
         <p:nvPicPr>
-          <p:cNvPr id="9" name="Content Placeholder 8">
+          <p:cNvPr id="4" name="Content Placeholder 3">
             <a:extLst>
               <a:ext uri="{FF2B5EF4-FFF2-40B4-BE49-F238E27FC236}">
-                <a16:creationId xmlns:a16="http://schemas.microsoft.com/office/drawing/2014/main" id="{1310A707-7A2E-CD50-0209-824052F864CB}"/>
+                <a16:creationId xmlns:a16="http://schemas.microsoft.com/office/drawing/2014/main" id="{7DCA7868-D787-0029-8145-53D3C2BCE285}"/>
               </a:ext>
             </a:extLst>
           </p:cNvPr>
@@ -8578,8 +7997,8 @@
         </p:blipFill>
         <p:spPr>
           <a:xfrm>
-            <a:off x="1895475" y="1554342"/>
-            <a:ext cx="8401050" cy="4998858"/>
+            <a:off x="1515120" y="1510301"/>
+            <a:ext cx="9161760" cy="4564555"/>
           </a:xfrm>
           <a:prstGeom prst="rect">
             <a:avLst/>
@@ -8592,7 +8011,3730 @@
     </p:spTree>
     <p:extLst>
       <p:ext uri="{BB962C8B-B14F-4D97-AF65-F5344CB8AC3E}">
-        <p14:creationId xmlns:p14="http://schemas.microsoft.com/office/powerpoint/2010/main" val="4111156212"/>
+        <p14:creationId xmlns:p14="http://schemas.microsoft.com/office/powerpoint/2010/main" val="2336951983"/>
+      </p:ext>
+    </p:extLst>
+  </p:cSld>
+  <p:clrMapOvr>
+    <a:masterClrMapping/>
+  </p:clrMapOvr>
+</p:sld>
+</file>
+
+<file path=ppt/slides/slide23.xml><?xml version="1.0" encoding="utf-8"?>
+<p:sld xmlns:a="http://schemas.openxmlformats.org/drawingml/2006/main" xmlns:r="http://schemas.openxmlformats.org/officeDocument/2006/relationships" xmlns:p="http://schemas.openxmlformats.org/presentationml/2006/main">
+  <p:cSld>
+    <p:spTree>
+      <p:nvGrpSpPr>
+        <p:cNvPr id="1" name=""/>
+        <p:cNvGrpSpPr/>
+        <p:nvPr/>
+      </p:nvGrpSpPr>
+      <p:grpSpPr>
+        <a:xfrm>
+          <a:off x="0" y="0"/>
+          <a:ext cx="0" cy="0"/>
+          <a:chOff x="0" y="0"/>
+          <a:chExt cx="0" cy="0"/>
+        </a:xfrm>
+      </p:grpSpPr>
+      <p:sp>
+        <p:nvSpPr>
+          <p:cNvPr id="2" name="Title 1">
+            <a:extLst>
+              <a:ext uri="{FF2B5EF4-FFF2-40B4-BE49-F238E27FC236}">
+                <a16:creationId xmlns:a16="http://schemas.microsoft.com/office/drawing/2014/main" id="{D069529A-5B04-1246-CFD4-05FD5406F847}"/>
+              </a:ext>
+            </a:extLst>
+          </p:cNvPr>
+          <p:cNvSpPr>
+            <a:spLocks noGrp="1"/>
+          </p:cNvSpPr>
+          <p:nvPr>
+            <p:ph type="title"/>
+          </p:nvPr>
+        </p:nvSpPr>
+        <p:spPr>
+          <a:xfrm>
+            <a:off x="919119" y="371876"/>
+            <a:ext cx="10353762" cy="970450"/>
+          </a:xfrm>
+        </p:spPr>
+        <p:txBody>
+          <a:bodyPr>
+            <a:normAutofit fontScale="90000"/>
+          </a:bodyPr>
+          <a:lstStyle/>
+          <a:p>
+            <a:r>
+              <a:rPr lang="en-US" dirty="0"/>
+              <a:t>Inspecting the Health Variable </a:t>
+            </a:r>
+            <a:br>
+              <a:rPr lang="en-US" dirty="0"/>
+            </a:br>
+            <a:r>
+              <a:rPr lang="en-US" dirty="0"/>
+              <a:t>Across Imputed Data Sets</a:t>
+            </a:r>
+          </a:p>
+        </p:txBody>
+      </p:sp>
+      <p:pic>
+        <p:nvPicPr>
+          <p:cNvPr id="5" name="Content Placeholder 4">
+            <a:extLst>
+              <a:ext uri="{FF2B5EF4-FFF2-40B4-BE49-F238E27FC236}">
+                <a16:creationId xmlns:a16="http://schemas.microsoft.com/office/drawing/2014/main" id="{E7C79864-A3C6-1DB2-5605-2D95044503AF}"/>
+              </a:ext>
+            </a:extLst>
+          </p:cNvPr>
+          <p:cNvPicPr>
+            <a:picLocks noGrp="1" noChangeAspect="1"/>
+          </p:cNvPicPr>
+          <p:nvPr>
+            <p:ph idx="1"/>
+          </p:nvPr>
+        </p:nvPicPr>
+        <p:blipFill>
+          <a:blip r:embed="rId2"/>
+          <a:stretch>
+            <a:fillRect/>
+          </a:stretch>
+        </p:blipFill>
+        <p:spPr>
+          <a:xfrm>
+            <a:off x="2342509" y="1521079"/>
+            <a:ext cx="7294652" cy="4439226"/>
+          </a:xfrm>
+        </p:spPr>
+      </p:pic>
+      <p:grpSp>
+        <p:nvGrpSpPr>
+          <p:cNvPr id="6" name="Group 5">
+            <a:extLst>
+              <a:ext uri="{FF2B5EF4-FFF2-40B4-BE49-F238E27FC236}">
+                <a16:creationId xmlns:a16="http://schemas.microsoft.com/office/drawing/2014/main" id="{5EE34B96-BAE0-3A9C-5953-EDC858206373}"/>
+              </a:ext>
+            </a:extLst>
+          </p:cNvPr>
+          <p:cNvGrpSpPr/>
+          <p:nvPr/>
+        </p:nvGrpSpPr>
+        <p:grpSpPr>
+          <a:xfrm>
+            <a:off x="2940613" y="5621751"/>
+            <a:ext cx="6822499" cy="864373"/>
+            <a:chOff x="1037409" y="5486445"/>
+            <a:chExt cx="7501002" cy="864373"/>
+          </a:xfrm>
+        </p:grpSpPr>
+        <p:sp>
+          <p:nvSpPr>
+            <p:cNvPr id="7" name="Rectangle 6">
+              <a:extLst>
+                <a:ext uri="{FF2B5EF4-FFF2-40B4-BE49-F238E27FC236}">
+                  <a16:creationId xmlns:a16="http://schemas.microsoft.com/office/drawing/2014/main" id="{0523CBC2-84A3-A07E-DFEB-F4C9CB046936}"/>
+                </a:ext>
+              </a:extLst>
+            </p:cNvPr>
+            <p:cNvSpPr/>
+            <p:nvPr/>
+          </p:nvSpPr>
+          <p:spPr>
+            <a:xfrm>
+              <a:off x="1793631" y="5486445"/>
+              <a:ext cx="762000" cy="338554"/>
+            </a:xfrm>
+            <a:prstGeom prst="rect">
+              <a:avLst/>
+            </a:prstGeom>
+            <a:noFill/>
+            <a:ln w="34925">
+              <a:solidFill>
+                <a:srgbClr val="0070C0"/>
+              </a:solidFill>
+            </a:ln>
+          </p:spPr>
+          <p:style>
+            <a:lnRef idx="2">
+              <a:schemeClr val="accent1"/>
+            </a:lnRef>
+            <a:fillRef idx="1">
+              <a:schemeClr val="lt1"/>
+            </a:fillRef>
+            <a:effectRef idx="0">
+              <a:schemeClr val="accent1"/>
+            </a:effectRef>
+            <a:fontRef idx="minor">
+              <a:schemeClr val="dk1"/>
+            </a:fontRef>
+          </p:style>
+          <p:txBody>
+            <a:bodyPr rtlCol="0" anchor="ctr"/>
+            <a:lstStyle/>
+            <a:p>
+              <a:pPr algn="ctr"/>
+              <a:endParaRPr lang="en-US"/>
+            </a:p>
+          </p:txBody>
+        </p:sp>
+        <p:sp>
+          <p:nvSpPr>
+            <p:cNvPr id="8" name="Rectangle 7">
+              <a:extLst>
+                <a:ext uri="{FF2B5EF4-FFF2-40B4-BE49-F238E27FC236}">
+                  <a16:creationId xmlns:a16="http://schemas.microsoft.com/office/drawing/2014/main" id="{01BF4AEB-697F-39EE-AA6B-071A28F5BB04}"/>
+                </a:ext>
+              </a:extLst>
+            </p:cNvPr>
+            <p:cNvSpPr/>
+            <p:nvPr/>
+          </p:nvSpPr>
+          <p:spPr>
+            <a:xfrm>
+              <a:off x="2831040" y="5489440"/>
+              <a:ext cx="4551870" cy="335559"/>
+            </a:xfrm>
+            <a:prstGeom prst="rect">
+              <a:avLst/>
+            </a:prstGeom>
+            <a:noFill/>
+            <a:ln w="34925">
+              <a:solidFill>
+                <a:srgbClr val="0070C0"/>
+              </a:solidFill>
+            </a:ln>
+          </p:spPr>
+          <p:style>
+            <a:lnRef idx="2">
+              <a:schemeClr val="accent1"/>
+            </a:lnRef>
+            <a:fillRef idx="1">
+              <a:schemeClr val="lt1"/>
+            </a:fillRef>
+            <a:effectRef idx="0">
+              <a:schemeClr val="accent1"/>
+            </a:effectRef>
+            <a:fontRef idx="minor">
+              <a:schemeClr val="dk1"/>
+            </a:fontRef>
+          </p:style>
+          <p:txBody>
+            <a:bodyPr rtlCol="0" anchor="ctr"/>
+            <a:lstStyle/>
+            <a:p>
+              <a:pPr algn="ctr"/>
+              <a:endParaRPr lang="en-US"/>
+            </a:p>
+          </p:txBody>
+        </p:sp>
+        <p:sp>
+          <p:nvSpPr>
+            <p:cNvPr id="9" name="TextBox 8">
+              <a:extLst>
+                <a:ext uri="{FF2B5EF4-FFF2-40B4-BE49-F238E27FC236}">
+                  <a16:creationId xmlns:a16="http://schemas.microsoft.com/office/drawing/2014/main" id="{4FD3D8B0-8FA7-F9B8-D5B7-3B976A1694DE}"/>
+                </a:ext>
+              </a:extLst>
+            </p:cNvPr>
+            <p:cNvSpPr txBox="1"/>
+            <p:nvPr/>
+          </p:nvSpPr>
+          <p:spPr>
+            <a:xfrm>
+              <a:off x="1037409" y="6012264"/>
+              <a:ext cx="1793631" cy="338554"/>
+            </a:xfrm>
+            <a:prstGeom prst="rect">
+              <a:avLst/>
+            </a:prstGeom>
+            <a:ln w="34925">
+              <a:solidFill>
+                <a:srgbClr val="0070C0"/>
+              </a:solidFill>
+            </a:ln>
+          </p:spPr>
+          <p:style>
+            <a:lnRef idx="2">
+              <a:schemeClr val="accent1"/>
+            </a:lnRef>
+            <a:fillRef idx="1">
+              <a:schemeClr val="lt1"/>
+            </a:fillRef>
+            <a:effectRef idx="0">
+              <a:schemeClr val="accent1"/>
+            </a:effectRef>
+            <a:fontRef idx="minor">
+              <a:schemeClr val="dk1"/>
+            </a:fontRef>
+          </p:style>
+          <p:txBody>
+            <a:bodyPr wrap="square" rtlCol="0">
+              <a:spAutoFit/>
+            </a:bodyPr>
+            <a:lstStyle/>
+            <a:p>
+              <a:r>
+                <a:rPr lang="en-US" sz="1600" dirty="0"/>
+                <a:t>Original dataset</a:t>
+              </a:r>
+            </a:p>
+          </p:txBody>
+        </p:sp>
+        <p:sp>
+          <p:nvSpPr>
+            <p:cNvPr id="10" name="TextBox 9">
+              <a:extLst>
+                <a:ext uri="{FF2B5EF4-FFF2-40B4-BE49-F238E27FC236}">
+                  <a16:creationId xmlns:a16="http://schemas.microsoft.com/office/drawing/2014/main" id="{2BC72A18-9089-B29F-E027-070AA36936CE}"/>
+                </a:ext>
+              </a:extLst>
+            </p:cNvPr>
+            <p:cNvSpPr txBox="1"/>
+            <p:nvPr/>
+          </p:nvSpPr>
+          <p:spPr>
+            <a:xfrm>
+              <a:off x="2936630" y="6012001"/>
+              <a:ext cx="5601781" cy="338554"/>
+            </a:xfrm>
+            <a:prstGeom prst="rect">
+              <a:avLst/>
+            </a:prstGeom>
+            <a:ln w="34925">
+              <a:solidFill>
+                <a:srgbClr val="0070C0"/>
+              </a:solidFill>
+            </a:ln>
+          </p:spPr>
+          <p:style>
+            <a:lnRef idx="2">
+              <a:schemeClr val="accent1"/>
+            </a:lnRef>
+            <a:fillRef idx="1">
+              <a:schemeClr val="lt1"/>
+            </a:fillRef>
+            <a:effectRef idx="0">
+              <a:schemeClr val="accent1"/>
+            </a:effectRef>
+            <a:fontRef idx="minor">
+              <a:schemeClr val="dk1"/>
+            </a:fontRef>
+          </p:style>
+          <p:txBody>
+            <a:bodyPr wrap="square" rtlCol="0">
+              <a:spAutoFit/>
+            </a:bodyPr>
+            <a:lstStyle/>
+            <a:p>
+              <a:r>
+                <a:rPr lang="en-US" sz="1600" dirty="0"/>
+                <a:t>Imputed datasets with which analysis will be performed</a:t>
+              </a:r>
+            </a:p>
+          </p:txBody>
+        </p:sp>
+        <p:cxnSp>
+          <p:nvCxnSpPr>
+            <p:cNvPr id="11" name="Straight Arrow Connector 10">
+              <a:extLst>
+                <a:ext uri="{FF2B5EF4-FFF2-40B4-BE49-F238E27FC236}">
+                  <a16:creationId xmlns:a16="http://schemas.microsoft.com/office/drawing/2014/main" id="{7E5E2FC3-95F7-037B-E86E-2CA05A1D5F35}"/>
+                </a:ext>
+              </a:extLst>
+            </p:cNvPr>
+            <p:cNvCxnSpPr>
+              <a:cxnSpLocks/>
+              <a:endCxn id="7" idx="2"/>
+            </p:cNvCxnSpPr>
+            <p:nvPr/>
+          </p:nvCxnSpPr>
+          <p:spPr>
+            <a:xfrm flipV="1">
+              <a:off x="2174631" y="5824999"/>
+              <a:ext cx="0" cy="187002"/>
+            </a:xfrm>
+            <a:prstGeom prst="straightConnector1">
+              <a:avLst/>
+            </a:prstGeom>
+            <a:ln w="34925">
+              <a:solidFill>
+                <a:srgbClr val="0070C0"/>
+              </a:solidFill>
+              <a:tailEnd type="triangle" w="lg" len="med"/>
+            </a:ln>
+          </p:spPr>
+          <p:style>
+            <a:lnRef idx="1">
+              <a:schemeClr val="accent1"/>
+            </a:lnRef>
+            <a:fillRef idx="0">
+              <a:schemeClr val="accent1"/>
+            </a:fillRef>
+            <a:effectRef idx="0">
+              <a:schemeClr val="accent1"/>
+            </a:effectRef>
+            <a:fontRef idx="minor">
+              <a:schemeClr val="tx1"/>
+            </a:fontRef>
+          </p:style>
+        </p:cxnSp>
+        <p:cxnSp>
+          <p:nvCxnSpPr>
+            <p:cNvPr id="12" name="Straight Arrow Connector 11">
+              <a:extLst>
+                <a:ext uri="{FF2B5EF4-FFF2-40B4-BE49-F238E27FC236}">
+                  <a16:creationId xmlns:a16="http://schemas.microsoft.com/office/drawing/2014/main" id="{D0FFBA32-4FF9-B56C-9A78-E8ED437BA87A}"/>
+                </a:ext>
+              </a:extLst>
+            </p:cNvPr>
+            <p:cNvCxnSpPr>
+              <a:cxnSpLocks/>
+              <a:endCxn id="8" idx="2"/>
+            </p:cNvCxnSpPr>
+            <p:nvPr/>
+          </p:nvCxnSpPr>
+          <p:spPr>
+            <a:xfrm flipV="1">
+              <a:off x="5106975" y="5824999"/>
+              <a:ext cx="1" cy="187002"/>
+            </a:xfrm>
+            <a:prstGeom prst="straightConnector1">
+              <a:avLst/>
+            </a:prstGeom>
+            <a:ln w="34925">
+              <a:solidFill>
+                <a:srgbClr val="0070C0"/>
+              </a:solidFill>
+              <a:tailEnd type="triangle" w="lg" len="med"/>
+            </a:ln>
+          </p:spPr>
+          <p:style>
+            <a:lnRef idx="1">
+              <a:schemeClr val="accent1"/>
+            </a:lnRef>
+            <a:fillRef idx="0">
+              <a:schemeClr val="accent1"/>
+            </a:fillRef>
+            <a:effectRef idx="0">
+              <a:schemeClr val="accent1"/>
+            </a:effectRef>
+            <a:fontRef idx="minor">
+              <a:schemeClr val="tx1"/>
+            </a:fontRef>
+          </p:style>
+        </p:cxnSp>
+      </p:grpSp>
+    </p:spTree>
+    <p:extLst>
+      <p:ext uri="{BB962C8B-B14F-4D97-AF65-F5344CB8AC3E}">
+        <p14:creationId xmlns:p14="http://schemas.microsoft.com/office/powerpoint/2010/main" val="960373387"/>
+      </p:ext>
+    </p:extLst>
+  </p:cSld>
+  <p:clrMapOvr>
+    <a:masterClrMapping/>
+  </p:clrMapOvr>
+</p:sld>
+</file>
+
+<file path=ppt/slides/slide24.xml><?xml version="1.0" encoding="utf-8"?>
+<p:sld xmlns:a="http://schemas.openxmlformats.org/drawingml/2006/main" xmlns:r="http://schemas.openxmlformats.org/officeDocument/2006/relationships" xmlns:p="http://schemas.openxmlformats.org/presentationml/2006/main">
+  <p:cSld>
+    <p:spTree>
+      <p:nvGrpSpPr>
+        <p:cNvPr id="1" name=""/>
+        <p:cNvGrpSpPr/>
+        <p:nvPr/>
+      </p:nvGrpSpPr>
+      <p:grpSpPr>
+        <a:xfrm>
+          <a:off x="0" y="0"/>
+          <a:ext cx="0" cy="0"/>
+          <a:chOff x="0" y="0"/>
+          <a:chExt cx="0" cy="0"/>
+        </a:xfrm>
+      </p:grpSpPr>
+      <p:sp>
+        <p:nvSpPr>
+          <p:cNvPr id="2" name="Title 1">
+            <a:extLst>
+              <a:ext uri="{FF2B5EF4-FFF2-40B4-BE49-F238E27FC236}">
+                <a16:creationId xmlns:a16="http://schemas.microsoft.com/office/drawing/2014/main" id="{6B302BAA-5DA2-F8E3-AEED-EB9C4D4B5B0E}"/>
+              </a:ext>
+            </a:extLst>
+          </p:cNvPr>
+          <p:cNvSpPr>
+            <a:spLocks noGrp="1"/>
+          </p:cNvSpPr>
+          <p:nvPr>
+            <p:ph type="title"/>
+          </p:nvPr>
+        </p:nvSpPr>
+        <p:spPr>
+          <a:xfrm>
+            <a:off x="919119" y="107702"/>
+            <a:ext cx="10353762" cy="847795"/>
+          </a:xfrm>
+        </p:spPr>
+        <p:txBody>
+          <a:bodyPr/>
+          <a:lstStyle/>
+          <a:p>
+            <a:r>
+              <a:rPr lang="en-US" dirty="0"/>
+              <a:t>Distributions of Imputed BMI Values</a:t>
+            </a:r>
+          </a:p>
+        </p:txBody>
+      </p:sp>
+      <p:pic>
+        <p:nvPicPr>
+          <p:cNvPr id="5" name="Content Placeholder 4">
+            <a:extLst>
+              <a:ext uri="{FF2B5EF4-FFF2-40B4-BE49-F238E27FC236}">
+                <a16:creationId xmlns:a16="http://schemas.microsoft.com/office/drawing/2014/main" id="{4B029E2B-A733-C507-8D3A-A4ABE79083D2}"/>
+              </a:ext>
+            </a:extLst>
+          </p:cNvPr>
+          <p:cNvPicPr>
+            <a:picLocks noGrp="1" noChangeAspect="1"/>
+          </p:cNvPicPr>
+          <p:nvPr>
+            <p:ph idx="1"/>
+          </p:nvPr>
+        </p:nvPicPr>
+        <p:blipFill>
+          <a:blip r:embed="rId2"/>
+          <a:stretch>
+            <a:fillRect/>
+          </a:stretch>
+        </p:blipFill>
+        <p:spPr>
+          <a:xfrm>
+            <a:off x="2859640" y="955497"/>
+            <a:ext cx="6472720" cy="3945276"/>
+          </a:xfrm>
+        </p:spPr>
+      </p:pic>
+      <p:sp>
+        <p:nvSpPr>
+          <p:cNvPr id="6" name="TextBox 5">
+            <a:extLst>
+              <a:ext uri="{FF2B5EF4-FFF2-40B4-BE49-F238E27FC236}">
+                <a16:creationId xmlns:a16="http://schemas.microsoft.com/office/drawing/2014/main" id="{B7E133EC-38DB-334A-4BEE-CC94E8A35829}"/>
+              </a:ext>
+            </a:extLst>
+          </p:cNvPr>
+          <p:cNvSpPr txBox="1"/>
+          <p:nvPr/>
+        </p:nvSpPr>
+        <p:spPr>
+          <a:xfrm>
+            <a:off x="2859640" y="4718973"/>
+            <a:ext cx="6376827" cy="2031325"/>
+          </a:xfrm>
+          <a:prstGeom prst="rect">
+            <a:avLst/>
+          </a:prstGeom>
+          <a:noFill/>
+        </p:spPr>
+        <p:txBody>
+          <a:bodyPr wrap="square" rtlCol="0">
+            <a:spAutoFit/>
+          </a:bodyPr>
+          <a:lstStyle/>
+          <a:p>
+            <a:endParaRPr lang="en-US" sz="1400" dirty="0">
+              <a:latin typeface="Courier New" panose="02070309020205020404" pitchFamily="49" charset="0"/>
+              <a:cs typeface="Courier New" panose="02070309020205020404" pitchFamily="49" charset="0"/>
+            </a:endParaRPr>
+          </a:p>
+          <a:p>
+            <a:r>
+              <a:rPr lang="en-US" sz="1400" dirty="0" err="1">
+                <a:latin typeface="Courier New" panose="02070309020205020404" pitchFamily="49" charset="0"/>
+                <a:cs typeface="Courier New" panose="02070309020205020404" pitchFamily="49" charset="0"/>
+              </a:rPr>
+              <a:t>twoway</a:t>
+            </a:r>
+            <a:r>
+              <a:rPr lang="en-US" sz="1400" dirty="0">
+                <a:latin typeface="Courier New" panose="02070309020205020404" pitchFamily="49" charset="0"/>
+                <a:cs typeface="Courier New" panose="02070309020205020404" pitchFamily="49" charset="0"/>
+              </a:rPr>
+              <a:t> (</a:t>
+            </a:r>
+            <a:r>
+              <a:rPr lang="en-US" sz="1400" dirty="0" err="1">
+                <a:latin typeface="Courier New" panose="02070309020205020404" pitchFamily="49" charset="0"/>
+                <a:cs typeface="Courier New" panose="02070309020205020404" pitchFamily="49" charset="0"/>
+              </a:rPr>
+              <a:t>kdensity</a:t>
+            </a:r>
+            <a:r>
+              <a:rPr lang="en-US" sz="1400" dirty="0">
+                <a:latin typeface="Courier New" panose="02070309020205020404" pitchFamily="49" charset="0"/>
+                <a:cs typeface="Courier New" panose="02070309020205020404" pitchFamily="49" charset="0"/>
+              </a:rPr>
+              <a:t> bmi1 if bmi1&gt;15 &amp; bmi1&lt;35 &amp; _</a:t>
+            </a:r>
+            <a:r>
+              <a:rPr lang="en-US" sz="1400" dirty="0" err="1">
+                <a:latin typeface="Courier New" panose="02070309020205020404" pitchFamily="49" charset="0"/>
+                <a:cs typeface="Courier New" panose="02070309020205020404" pitchFamily="49" charset="0"/>
+              </a:rPr>
+              <a:t>mi_m</a:t>
+            </a:r>
+            <a:r>
+              <a:rPr lang="en-US" sz="1400" dirty="0">
+                <a:latin typeface="Courier New" panose="02070309020205020404" pitchFamily="49" charset="0"/>
+                <a:cs typeface="Courier New" panose="02070309020205020404" pitchFamily="49" charset="0"/>
+              </a:rPr>
+              <a:t>==1) ///</a:t>
+            </a:r>
+          </a:p>
+          <a:p>
+            <a:r>
+              <a:rPr lang="en-US" sz="1400" dirty="0">
+                <a:latin typeface="Courier New" panose="02070309020205020404" pitchFamily="49" charset="0"/>
+                <a:cs typeface="Courier New" panose="02070309020205020404" pitchFamily="49" charset="0"/>
+              </a:rPr>
+              <a:t>(</a:t>
+            </a:r>
+            <a:r>
+              <a:rPr lang="en-US" sz="1400" dirty="0" err="1">
+                <a:latin typeface="Courier New" panose="02070309020205020404" pitchFamily="49" charset="0"/>
+                <a:cs typeface="Courier New" panose="02070309020205020404" pitchFamily="49" charset="0"/>
+              </a:rPr>
+              <a:t>kdensity</a:t>
+            </a:r>
+            <a:r>
+              <a:rPr lang="en-US" sz="1400" dirty="0">
+                <a:latin typeface="Courier New" panose="02070309020205020404" pitchFamily="49" charset="0"/>
+                <a:cs typeface="Courier New" panose="02070309020205020404" pitchFamily="49" charset="0"/>
+              </a:rPr>
+              <a:t> bmi1 if bmi1&gt;15 &amp; bmi1&lt;35 &amp; _</a:t>
+            </a:r>
+            <a:r>
+              <a:rPr lang="en-US" sz="1400" dirty="0" err="1">
+                <a:latin typeface="Courier New" panose="02070309020205020404" pitchFamily="49" charset="0"/>
+                <a:cs typeface="Courier New" panose="02070309020205020404" pitchFamily="49" charset="0"/>
+              </a:rPr>
+              <a:t>mi_m</a:t>
+            </a:r>
+            <a:r>
+              <a:rPr lang="en-US" sz="1400" dirty="0">
+                <a:latin typeface="Courier New" panose="02070309020205020404" pitchFamily="49" charset="0"/>
+                <a:cs typeface="Courier New" panose="02070309020205020404" pitchFamily="49" charset="0"/>
+              </a:rPr>
+              <a:t>==2) ///</a:t>
+            </a:r>
+          </a:p>
+          <a:p>
+            <a:r>
+              <a:rPr lang="en-US" sz="1400" dirty="0">
+                <a:latin typeface="Courier New" panose="02070309020205020404" pitchFamily="49" charset="0"/>
+                <a:cs typeface="Courier New" panose="02070309020205020404" pitchFamily="49" charset="0"/>
+              </a:rPr>
+              <a:t>(</a:t>
+            </a:r>
+            <a:r>
+              <a:rPr lang="en-US" sz="1400" dirty="0" err="1">
+                <a:latin typeface="Courier New" panose="02070309020205020404" pitchFamily="49" charset="0"/>
+                <a:cs typeface="Courier New" panose="02070309020205020404" pitchFamily="49" charset="0"/>
+              </a:rPr>
+              <a:t>kdensity</a:t>
+            </a:r>
+            <a:r>
+              <a:rPr lang="en-US" sz="1400" dirty="0">
+                <a:latin typeface="Courier New" panose="02070309020205020404" pitchFamily="49" charset="0"/>
+                <a:cs typeface="Courier New" panose="02070309020205020404" pitchFamily="49" charset="0"/>
+              </a:rPr>
+              <a:t> bmi1 if bmi1&gt;15 &amp; bmi1&lt;35 &amp; _</a:t>
+            </a:r>
+            <a:r>
+              <a:rPr lang="en-US" sz="1400" dirty="0" err="1">
+                <a:latin typeface="Courier New" panose="02070309020205020404" pitchFamily="49" charset="0"/>
+                <a:cs typeface="Courier New" panose="02070309020205020404" pitchFamily="49" charset="0"/>
+              </a:rPr>
+              <a:t>mi_m</a:t>
+            </a:r>
+            <a:r>
+              <a:rPr lang="en-US" sz="1400" dirty="0">
+                <a:latin typeface="Courier New" panose="02070309020205020404" pitchFamily="49" charset="0"/>
+                <a:cs typeface="Courier New" panose="02070309020205020404" pitchFamily="49" charset="0"/>
+              </a:rPr>
+              <a:t>==3) ///</a:t>
+            </a:r>
+          </a:p>
+          <a:p>
+            <a:r>
+              <a:rPr lang="en-US" sz="1400" dirty="0">
+                <a:latin typeface="Courier New" panose="02070309020205020404" pitchFamily="49" charset="0"/>
+                <a:cs typeface="Courier New" panose="02070309020205020404" pitchFamily="49" charset="0"/>
+              </a:rPr>
+              <a:t>(</a:t>
+            </a:r>
+            <a:r>
+              <a:rPr lang="en-US" sz="1400" dirty="0" err="1">
+                <a:latin typeface="Courier New" panose="02070309020205020404" pitchFamily="49" charset="0"/>
+                <a:cs typeface="Courier New" panose="02070309020205020404" pitchFamily="49" charset="0"/>
+              </a:rPr>
+              <a:t>kdensity</a:t>
+            </a:r>
+            <a:r>
+              <a:rPr lang="en-US" sz="1400" dirty="0">
+                <a:latin typeface="Courier New" panose="02070309020205020404" pitchFamily="49" charset="0"/>
+                <a:cs typeface="Courier New" panose="02070309020205020404" pitchFamily="49" charset="0"/>
+              </a:rPr>
+              <a:t> bmi1 if bmi1&gt;15 &amp; bmi1&lt;35 &amp; _</a:t>
+            </a:r>
+            <a:r>
+              <a:rPr lang="en-US" sz="1400" dirty="0" err="1">
+                <a:latin typeface="Courier New" panose="02070309020205020404" pitchFamily="49" charset="0"/>
+                <a:cs typeface="Courier New" panose="02070309020205020404" pitchFamily="49" charset="0"/>
+              </a:rPr>
+              <a:t>mi_m</a:t>
+            </a:r>
+            <a:r>
+              <a:rPr lang="en-US" sz="1400" dirty="0">
+                <a:latin typeface="Courier New" panose="02070309020205020404" pitchFamily="49" charset="0"/>
+                <a:cs typeface="Courier New" panose="02070309020205020404" pitchFamily="49" charset="0"/>
+              </a:rPr>
+              <a:t>==4) ///</a:t>
+            </a:r>
+          </a:p>
+          <a:p>
+            <a:r>
+              <a:rPr lang="en-US" sz="1400" dirty="0">
+                <a:latin typeface="Courier New" panose="02070309020205020404" pitchFamily="49" charset="0"/>
+                <a:cs typeface="Courier New" panose="02070309020205020404" pitchFamily="49" charset="0"/>
+              </a:rPr>
+              <a:t>(</a:t>
+            </a:r>
+            <a:r>
+              <a:rPr lang="en-US" sz="1400" dirty="0" err="1">
+                <a:latin typeface="Courier New" panose="02070309020205020404" pitchFamily="49" charset="0"/>
+                <a:cs typeface="Courier New" panose="02070309020205020404" pitchFamily="49" charset="0"/>
+              </a:rPr>
+              <a:t>kdensity</a:t>
+            </a:r>
+            <a:r>
+              <a:rPr lang="en-US" sz="1400" dirty="0">
+                <a:latin typeface="Courier New" panose="02070309020205020404" pitchFamily="49" charset="0"/>
+                <a:cs typeface="Courier New" panose="02070309020205020404" pitchFamily="49" charset="0"/>
+              </a:rPr>
+              <a:t> bmi1 if bmi1&gt;15 &amp; bmi1&lt;35 &amp; _</a:t>
+            </a:r>
+            <a:r>
+              <a:rPr lang="en-US" sz="1400" dirty="0" err="1">
+                <a:latin typeface="Courier New" panose="02070309020205020404" pitchFamily="49" charset="0"/>
+                <a:cs typeface="Courier New" panose="02070309020205020404" pitchFamily="49" charset="0"/>
+              </a:rPr>
+              <a:t>mi_m</a:t>
+            </a:r>
+            <a:r>
+              <a:rPr lang="en-US" sz="1400" dirty="0">
+                <a:latin typeface="Courier New" panose="02070309020205020404" pitchFamily="49" charset="0"/>
+                <a:cs typeface="Courier New" panose="02070309020205020404" pitchFamily="49" charset="0"/>
+              </a:rPr>
+              <a:t>==5, ///</a:t>
+            </a:r>
+          </a:p>
+          <a:p>
+            <a:r>
+              <a:rPr lang="en-US" sz="1400" dirty="0">
+                <a:latin typeface="Courier New" panose="02070309020205020404" pitchFamily="49" charset="0"/>
+                <a:cs typeface="Courier New" panose="02070309020205020404" pitchFamily="49" charset="0"/>
+              </a:rPr>
+              <a:t>legend(off) scheme(</a:t>
+            </a:r>
+            <a:r>
+              <a:rPr lang="en-US" sz="1400" dirty="0" err="1">
+                <a:latin typeface="Courier New" panose="02070309020205020404" pitchFamily="49" charset="0"/>
+                <a:cs typeface="Courier New" panose="02070309020205020404" pitchFamily="49" charset="0"/>
+              </a:rPr>
+              <a:t>gg_tableau</a:t>
+            </a:r>
+            <a:r>
+              <a:rPr lang="en-US" sz="1400" dirty="0">
+                <a:latin typeface="Courier New" panose="02070309020205020404" pitchFamily="49" charset="0"/>
+                <a:cs typeface="Courier New" panose="02070309020205020404" pitchFamily="49" charset="0"/>
+              </a:rPr>
+              <a:t>)), ///</a:t>
+            </a:r>
+          </a:p>
+          <a:p>
+            <a:r>
+              <a:rPr lang="en-US" sz="1400" dirty="0" err="1">
+                <a:latin typeface="Courier New" panose="02070309020205020404" pitchFamily="49" charset="0"/>
+                <a:cs typeface="Courier New" panose="02070309020205020404" pitchFamily="49" charset="0"/>
+              </a:rPr>
+              <a:t>xtitle</a:t>
+            </a:r>
+            <a:r>
+              <a:rPr lang="en-US" sz="1400" dirty="0">
+                <a:latin typeface="Courier New" panose="02070309020205020404" pitchFamily="49" charset="0"/>
+                <a:cs typeface="Courier New" panose="02070309020205020404" pitchFamily="49" charset="0"/>
+              </a:rPr>
+              <a:t>("BMI Value") </a:t>
+            </a:r>
+            <a:r>
+              <a:rPr lang="en-US" sz="1400" dirty="0" err="1">
+                <a:latin typeface="Courier New" panose="02070309020205020404" pitchFamily="49" charset="0"/>
+                <a:cs typeface="Courier New" panose="02070309020205020404" pitchFamily="49" charset="0"/>
+              </a:rPr>
+              <a:t>ytitle</a:t>
+            </a:r>
+            <a:r>
+              <a:rPr lang="en-US" sz="1400" dirty="0">
+                <a:latin typeface="Courier New" panose="02070309020205020404" pitchFamily="49" charset="0"/>
+                <a:cs typeface="Courier New" panose="02070309020205020404" pitchFamily="49" charset="0"/>
+              </a:rPr>
+              <a:t>("Kernal Density")</a:t>
+            </a:r>
+          </a:p>
+          <a:p>
+            <a:endParaRPr lang="en-US" sz="1400" dirty="0">
+              <a:latin typeface="Courier New" panose="02070309020205020404" pitchFamily="49" charset="0"/>
+              <a:cs typeface="Courier New" panose="02070309020205020404" pitchFamily="49" charset="0"/>
+            </a:endParaRPr>
+          </a:p>
+        </p:txBody>
+      </p:sp>
+    </p:spTree>
+    <p:extLst>
+      <p:ext uri="{BB962C8B-B14F-4D97-AF65-F5344CB8AC3E}">
+        <p14:creationId xmlns:p14="http://schemas.microsoft.com/office/powerpoint/2010/main" val="2238238461"/>
+      </p:ext>
+    </p:extLst>
+  </p:cSld>
+  <p:clrMapOvr>
+    <a:masterClrMapping/>
+  </p:clrMapOvr>
+</p:sld>
+</file>
+
+<file path=ppt/slides/slide25.xml><?xml version="1.0" encoding="utf-8"?>
+<p:sld xmlns:a="http://schemas.openxmlformats.org/drawingml/2006/main" xmlns:r="http://schemas.openxmlformats.org/officeDocument/2006/relationships" xmlns:p="http://schemas.openxmlformats.org/presentationml/2006/main">
+  <p:cSld>
+    <p:spTree>
+      <p:nvGrpSpPr>
+        <p:cNvPr id="1" name=""/>
+        <p:cNvGrpSpPr/>
+        <p:nvPr/>
+      </p:nvGrpSpPr>
+      <p:grpSpPr>
+        <a:xfrm>
+          <a:off x="0" y="0"/>
+          <a:ext cx="0" cy="0"/>
+          <a:chOff x="0" y="0"/>
+          <a:chExt cx="0" cy="0"/>
+        </a:xfrm>
+      </p:grpSpPr>
+      <p:sp>
+        <p:nvSpPr>
+          <p:cNvPr id="2" name="Title 1">
+            <a:extLst>
+              <a:ext uri="{FF2B5EF4-FFF2-40B4-BE49-F238E27FC236}">
+                <a16:creationId xmlns:a16="http://schemas.microsoft.com/office/drawing/2014/main" id="{B2A64227-B179-D9C0-4F92-A24C112D044A}"/>
+              </a:ext>
+            </a:extLst>
+          </p:cNvPr>
+          <p:cNvSpPr>
+            <a:spLocks noGrp="1"/>
+          </p:cNvSpPr>
+          <p:nvPr>
+            <p:ph type="title"/>
+          </p:nvPr>
+        </p:nvSpPr>
+        <p:spPr/>
+        <p:txBody>
+          <a:bodyPr/>
+          <a:lstStyle/>
+          <a:p>
+            <a:r>
+              <a:rPr lang="en-US" dirty="0"/>
+              <a:t>Taking a Closer Look at Three Youth’s Values</a:t>
+            </a:r>
+          </a:p>
+        </p:txBody>
+      </p:sp>
+      <p:pic>
+        <p:nvPicPr>
+          <p:cNvPr id="5" name="Content Placeholder 4">
+            <a:extLst>
+              <a:ext uri="{FF2B5EF4-FFF2-40B4-BE49-F238E27FC236}">
+                <a16:creationId xmlns:a16="http://schemas.microsoft.com/office/drawing/2014/main" id="{C6ADF919-9649-4BB9-7C24-D1DFF2F05997}"/>
+              </a:ext>
+            </a:extLst>
+          </p:cNvPr>
+          <p:cNvPicPr>
+            <a:picLocks noGrp="1" noChangeAspect="1"/>
+          </p:cNvPicPr>
+          <p:nvPr>
+            <p:ph idx="1"/>
+          </p:nvPr>
+        </p:nvPicPr>
+        <p:blipFill>
+          <a:blip r:embed="rId2"/>
+          <a:stretch>
+            <a:fillRect/>
+          </a:stretch>
+        </p:blipFill>
+        <p:spPr>
+          <a:xfrm>
+            <a:off x="3342891" y="2027789"/>
+            <a:ext cx="5496692" cy="3467584"/>
+          </a:xfrm>
+        </p:spPr>
+      </p:pic>
+      <p:grpSp>
+        <p:nvGrpSpPr>
+          <p:cNvPr id="6" name="Group 5">
+            <a:extLst>
+              <a:ext uri="{FF2B5EF4-FFF2-40B4-BE49-F238E27FC236}">
+                <a16:creationId xmlns:a16="http://schemas.microsoft.com/office/drawing/2014/main" id="{15E05938-C124-CA98-4D73-414EA1B1041A}"/>
+              </a:ext>
+            </a:extLst>
+          </p:cNvPr>
+          <p:cNvGrpSpPr/>
+          <p:nvPr/>
+        </p:nvGrpSpPr>
+        <p:grpSpPr>
+          <a:xfrm>
+            <a:off x="4366517" y="2816358"/>
+            <a:ext cx="4701238" cy="1952090"/>
+            <a:chOff x="1905000" y="1776046"/>
+            <a:chExt cx="6751789" cy="3212123"/>
+          </a:xfrm>
+        </p:grpSpPr>
+        <p:sp>
+          <p:nvSpPr>
+            <p:cNvPr id="7" name="Rectangle 6">
+              <a:extLst>
+                <a:ext uri="{FF2B5EF4-FFF2-40B4-BE49-F238E27FC236}">
+                  <a16:creationId xmlns:a16="http://schemas.microsoft.com/office/drawing/2014/main" id="{21A78E3B-EB94-AB91-1C6A-5E3E21645595}"/>
+                </a:ext>
+              </a:extLst>
+            </p:cNvPr>
+            <p:cNvSpPr/>
+            <p:nvPr/>
+          </p:nvSpPr>
+          <p:spPr>
+            <a:xfrm>
+              <a:off x="1905000" y="1776046"/>
+              <a:ext cx="6294589" cy="228600"/>
+            </a:xfrm>
+            <a:prstGeom prst="rect">
+              <a:avLst/>
+            </a:prstGeom>
+            <a:noFill/>
+            <a:ln w="28575">
+              <a:solidFill>
+                <a:srgbClr val="0070C0"/>
+              </a:solidFill>
+            </a:ln>
+          </p:spPr>
+          <p:style>
+            <a:lnRef idx="2">
+              <a:schemeClr val="accent1"/>
+            </a:lnRef>
+            <a:fillRef idx="1">
+              <a:schemeClr val="lt1"/>
+            </a:fillRef>
+            <a:effectRef idx="0">
+              <a:schemeClr val="accent1"/>
+            </a:effectRef>
+            <a:fontRef idx="minor">
+              <a:schemeClr val="dk1"/>
+            </a:fontRef>
+          </p:style>
+          <p:txBody>
+            <a:bodyPr rtlCol="0" anchor="ctr"/>
+            <a:lstStyle/>
+            <a:p>
+              <a:pPr algn="ctr"/>
+              <a:endParaRPr lang="en-US"/>
+            </a:p>
+          </p:txBody>
+        </p:sp>
+        <p:sp>
+          <p:nvSpPr>
+            <p:cNvPr id="8" name="Rectangle 7">
+              <a:extLst>
+                <a:ext uri="{FF2B5EF4-FFF2-40B4-BE49-F238E27FC236}">
+                  <a16:creationId xmlns:a16="http://schemas.microsoft.com/office/drawing/2014/main" id="{F116A9C6-AAE5-0963-3670-9763F02A8567}"/>
+                </a:ext>
+              </a:extLst>
+            </p:cNvPr>
+            <p:cNvSpPr/>
+            <p:nvPr/>
+          </p:nvSpPr>
+          <p:spPr>
+            <a:xfrm>
+              <a:off x="1905000" y="3264877"/>
+              <a:ext cx="6294589" cy="228600"/>
+            </a:xfrm>
+            <a:prstGeom prst="rect">
+              <a:avLst/>
+            </a:prstGeom>
+            <a:noFill/>
+            <a:ln w="28575">
+              <a:solidFill>
+                <a:srgbClr val="0070C0"/>
+              </a:solidFill>
+            </a:ln>
+          </p:spPr>
+          <p:style>
+            <a:lnRef idx="2">
+              <a:schemeClr val="accent1"/>
+            </a:lnRef>
+            <a:fillRef idx="1">
+              <a:schemeClr val="lt1"/>
+            </a:fillRef>
+            <a:effectRef idx="0">
+              <a:schemeClr val="accent1"/>
+            </a:effectRef>
+            <a:fontRef idx="minor">
+              <a:schemeClr val="dk1"/>
+            </a:fontRef>
+          </p:style>
+          <p:txBody>
+            <a:bodyPr rtlCol="0" anchor="ctr"/>
+            <a:lstStyle/>
+            <a:p>
+              <a:pPr algn="ctr"/>
+              <a:endParaRPr lang="en-US"/>
+            </a:p>
+          </p:txBody>
+        </p:sp>
+        <p:sp>
+          <p:nvSpPr>
+            <p:cNvPr id="9" name="Rectangle 8">
+              <a:extLst>
+                <a:ext uri="{FF2B5EF4-FFF2-40B4-BE49-F238E27FC236}">
+                  <a16:creationId xmlns:a16="http://schemas.microsoft.com/office/drawing/2014/main" id="{08E9A3F5-3902-6D4C-7767-6CF4227A91F5}"/>
+                </a:ext>
+              </a:extLst>
+            </p:cNvPr>
+            <p:cNvSpPr/>
+            <p:nvPr/>
+          </p:nvSpPr>
+          <p:spPr>
+            <a:xfrm>
+              <a:off x="1905000" y="4759569"/>
+              <a:ext cx="6294589" cy="228600"/>
+            </a:xfrm>
+            <a:prstGeom prst="rect">
+              <a:avLst/>
+            </a:prstGeom>
+            <a:noFill/>
+            <a:ln w="28575">
+              <a:solidFill>
+                <a:srgbClr val="0070C0"/>
+              </a:solidFill>
+            </a:ln>
+          </p:spPr>
+          <p:style>
+            <a:lnRef idx="2">
+              <a:schemeClr val="accent1"/>
+            </a:lnRef>
+            <a:fillRef idx="1">
+              <a:schemeClr val="lt1"/>
+            </a:fillRef>
+            <a:effectRef idx="0">
+              <a:schemeClr val="accent1"/>
+            </a:effectRef>
+            <a:fontRef idx="minor">
+              <a:schemeClr val="dk1"/>
+            </a:fontRef>
+          </p:style>
+          <p:txBody>
+            <a:bodyPr rtlCol="0" anchor="ctr"/>
+            <a:lstStyle/>
+            <a:p>
+              <a:pPr algn="ctr"/>
+              <a:endParaRPr lang="en-US"/>
+            </a:p>
+          </p:txBody>
+        </p:sp>
+        <p:grpSp>
+          <p:nvGrpSpPr>
+            <p:cNvPr id="10" name="Group 9">
+              <a:extLst>
+                <a:ext uri="{FF2B5EF4-FFF2-40B4-BE49-F238E27FC236}">
+                  <a16:creationId xmlns:a16="http://schemas.microsoft.com/office/drawing/2014/main" id="{F4403722-6D74-E96A-D2E8-AC8949216891}"/>
+                </a:ext>
+              </a:extLst>
+            </p:cNvPr>
+            <p:cNvGrpSpPr/>
+            <p:nvPr/>
+          </p:nvGrpSpPr>
+          <p:grpSpPr>
+            <a:xfrm>
+              <a:off x="8194431" y="1883459"/>
+              <a:ext cx="462358" cy="2999232"/>
+              <a:chOff x="8194431" y="1883459"/>
+              <a:chExt cx="462358" cy="2999232"/>
+            </a:xfrm>
+          </p:grpSpPr>
+          <p:cxnSp>
+            <p:nvCxnSpPr>
+              <p:cNvPr id="11" name="Straight Arrow Connector 10">
+                <a:extLst>
+                  <a:ext uri="{FF2B5EF4-FFF2-40B4-BE49-F238E27FC236}">
+                    <a16:creationId xmlns:a16="http://schemas.microsoft.com/office/drawing/2014/main" id="{05403022-2D73-CB0E-2940-C34D3A4DB494}"/>
+                  </a:ext>
+                </a:extLst>
+              </p:cNvPr>
+              <p:cNvCxnSpPr>
+                <a:stCxn id="7" idx="3"/>
+              </p:cNvCxnSpPr>
+              <p:nvPr/>
+            </p:nvCxnSpPr>
+            <p:spPr>
+              <a:xfrm>
+                <a:off x="8199589" y="1890346"/>
+                <a:ext cx="457200" cy="0"/>
+              </a:xfrm>
+              <a:prstGeom prst="straightConnector1">
+                <a:avLst/>
+              </a:prstGeom>
+              <a:ln w="28575">
+                <a:solidFill>
+                  <a:srgbClr val="0070C0"/>
+                </a:solidFill>
+                <a:headEnd type="triangle" w="lg" len="med"/>
+                <a:tailEnd type="none"/>
+              </a:ln>
+            </p:spPr>
+            <p:style>
+              <a:lnRef idx="1">
+                <a:schemeClr val="accent1"/>
+              </a:lnRef>
+              <a:fillRef idx="0">
+                <a:schemeClr val="accent1"/>
+              </a:fillRef>
+              <a:effectRef idx="0">
+                <a:schemeClr val="accent1"/>
+              </a:effectRef>
+              <a:fontRef idx="minor">
+                <a:schemeClr val="tx1"/>
+              </a:fontRef>
+            </p:style>
+          </p:cxnSp>
+          <p:cxnSp>
+            <p:nvCxnSpPr>
+              <p:cNvPr id="12" name="Straight Arrow Connector 11">
+                <a:extLst>
+                  <a:ext uri="{FF2B5EF4-FFF2-40B4-BE49-F238E27FC236}">
+                    <a16:creationId xmlns:a16="http://schemas.microsoft.com/office/drawing/2014/main" id="{5A20ECE9-7B16-5B95-67E0-747E7F020BEB}"/>
+                  </a:ext>
+                </a:extLst>
+              </p:cNvPr>
+              <p:cNvCxnSpPr/>
+              <p:nvPr/>
+            </p:nvCxnSpPr>
+            <p:spPr>
+              <a:xfrm>
+                <a:off x="8194431" y="3376246"/>
+                <a:ext cx="457200" cy="0"/>
+              </a:xfrm>
+              <a:prstGeom prst="straightConnector1">
+                <a:avLst/>
+              </a:prstGeom>
+              <a:ln w="28575">
+                <a:solidFill>
+                  <a:srgbClr val="0070C0"/>
+                </a:solidFill>
+                <a:headEnd type="triangle" w="lg" len="med"/>
+                <a:tailEnd type="none"/>
+              </a:ln>
+            </p:spPr>
+            <p:style>
+              <a:lnRef idx="1">
+                <a:schemeClr val="accent1"/>
+              </a:lnRef>
+              <a:fillRef idx="0">
+                <a:schemeClr val="accent1"/>
+              </a:fillRef>
+              <a:effectRef idx="0">
+                <a:schemeClr val="accent1"/>
+              </a:effectRef>
+              <a:fontRef idx="minor">
+                <a:schemeClr val="tx1"/>
+              </a:fontRef>
+            </p:style>
+          </p:cxnSp>
+          <p:cxnSp>
+            <p:nvCxnSpPr>
+              <p:cNvPr id="13" name="Straight Arrow Connector 12">
+                <a:extLst>
+                  <a:ext uri="{FF2B5EF4-FFF2-40B4-BE49-F238E27FC236}">
+                    <a16:creationId xmlns:a16="http://schemas.microsoft.com/office/drawing/2014/main" id="{D58A2D73-5565-2538-1DAA-9C2DF237F6A3}"/>
+                  </a:ext>
+                </a:extLst>
+              </p:cNvPr>
+              <p:cNvCxnSpPr/>
+              <p:nvPr/>
+            </p:nvCxnSpPr>
+            <p:spPr>
+              <a:xfrm>
+                <a:off x="8194431" y="4876800"/>
+                <a:ext cx="457200" cy="0"/>
+              </a:xfrm>
+              <a:prstGeom prst="straightConnector1">
+                <a:avLst/>
+              </a:prstGeom>
+              <a:ln w="28575">
+                <a:solidFill>
+                  <a:srgbClr val="0070C0"/>
+                </a:solidFill>
+                <a:headEnd type="triangle" w="lg" len="med"/>
+                <a:tailEnd type="none"/>
+              </a:ln>
+            </p:spPr>
+            <p:style>
+              <a:lnRef idx="1">
+                <a:schemeClr val="accent1"/>
+              </a:lnRef>
+              <a:fillRef idx="0">
+                <a:schemeClr val="accent1"/>
+              </a:fillRef>
+              <a:effectRef idx="0">
+                <a:schemeClr val="accent1"/>
+              </a:effectRef>
+              <a:fontRef idx="minor">
+                <a:schemeClr val="tx1"/>
+              </a:fontRef>
+            </p:style>
+          </p:cxnSp>
+          <p:cxnSp>
+            <p:nvCxnSpPr>
+              <p:cNvPr id="14" name="Straight Connector 13">
+                <a:extLst>
+                  <a:ext uri="{FF2B5EF4-FFF2-40B4-BE49-F238E27FC236}">
+                    <a16:creationId xmlns:a16="http://schemas.microsoft.com/office/drawing/2014/main" id="{6213F8FF-FE6F-B57D-303A-2F870A6733BC}"/>
+                  </a:ext>
+                </a:extLst>
+              </p:cNvPr>
+              <p:cNvCxnSpPr/>
+              <p:nvPr/>
+            </p:nvCxnSpPr>
+            <p:spPr>
+              <a:xfrm>
+                <a:off x="8651631" y="1883459"/>
+                <a:ext cx="0" cy="2999232"/>
+              </a:xfrm>
+              <a:prstGeom prst="line">
+                <a:avLst/>
+              </a:prstGeom>
+              <a:ln w="28575">
+                <a:solidFill>
+                  <a:srgbClr val="0070C0"/>
+                </a:solidFill>
+              </a:ln>
+            </p:spPr>
+            <p:style>
+              <a:lnRef idx="1">
+                <a:schemeClr val="accent1"/>
+              </a:lnRef>
+              <a:fillRef idx="0">
+                <a:schemeClr val="accent1"/>
+              </a:fillRef>
+              <a:effectRef idx="0">
+                <a:schemeClr val="accent1"/>
+              </a:effectRef>
+              <a:fontRef idx="minor">
+                <a:schemeClr val="tx1"/>
+              </a:fontRef>
+            </p:style>
+          </p:cxnSp>
+        </p:grpSp>
+      </p:grpSp>
+      <p:sp>
+        <p:nvSpPr>
+          <p:cNvPr id="15" name="TextBox 14">
+            <a:extLst>
+              <a:ext uri="{FF2B5EF4-FFF2-40B4-BE49-F238E27FC236}">
+                <a16:creationId xmlns:a16="http://schemas.microsoft.com/office/drawing/2014/main" id="{24C89142-9E25-0262-35E1-F8E849695BC8}"/>
+              </a:ext>
+            </a:extLst>
+          </p:cNvPr>
+          <p:cNvSpPr txBox="1"/>
+          <p:nvPr/>
+        </p:nvSpPr>
+        <p:spPr>
+          <a:xfrm>
+            <a:off x="2049498" y="5607366"/>
+            <a:ext cx="8082356" cy="1077218"/>
+          </a:xfrm>
+          <a:prstGeom prst="rect">
+            <a:avLst/>
+          </a:prstGeom>
+          <a:ln>
+            <a:solidFill>
+              <a:schemeClr val="bg1"/>
+            </a:solidFill>
+          </a:ln>
+        </p:spPr>
+        <p:style>
+          <a:lnRef idx="2">
+            <a:schemeClr val="accent1"/>
+          </a:lnRef>
+          <a:fillRef idx="1">
+            <a:schemeClr val="lt1"/>
+          </a:fillRef>
+          <a:effectRef idx="0">
+            <a:schemeClr val="accent1"/>
+          </a:effectRef>
+          <a:fontRef idx="minor">
+            <a:schemeClr val="dk1"/>
+          </a:fontRef>
+        </p:style>
+        <p:txBody>
+          <a:bodyPr wrap="square" rtlCol="0">
+            <a:spAutoFit/>
+          </a:bodyPr>
+          <a:lstStyle/>
+          <a:p>
+            <a:r>
+              <a:rPr lang="en-US" sz="1600" dirty="0"/>
+              <a:t>These 3 respondents have missing BMI but are otherwise identical on the remaining covariates. With standard imputation, they would be assigned the same value for BMI. But with multiple imputation, they receive independent random “draws” from the conditional distribution of BMI.</a:t>
+            </a:r>
+          </a:p>
+        </p:txBody>
+      </p:sp>
+    </p:spTree>
+    <p:extLst>
+      <p:ext uri="{BB962C8B-B14F-4D97-AF65-F5344CB8AC3E}">
+        <p14:creationId xmlns:p14="http://schemas.microsoft.com/office/powerpoint/2010/main" val="924790562"/>
+      </p:ext>
+    </p:extLst>
+  </p:cSld>
+  <p:clrMapOvr>
+    <a:masterClrMapping/>
+  </p:clrMapOvr>
+</p:sld>
+</file>
+
+<file path=ppt/slides/slide26.xml><?xml version="1.0" encoding="utf-8"?>
+<p:sld xmlns:a="http://schemas.openxmlformats.org/drawingml/2006/main" xmlns:r="http://schemas.openxmlformats.org/officeDocument/2006/relationships" xmlns:p="http://schemas.openxmlformats.org/presentationml/2006/main">
+  <p:cSld>
+    <p:spTree>
+      <p:nvGrpSpPr>
+        <p:cNvPr id="1" name=""/>
+        <p:cNvGrpSpPr/>
+        <p:nvPr/>
+      </p:nvGrpSpPr>
+      <p:grpSpPr>
+        <a:xfrm>
+          <a:off x="0" y="0"/>
+          <a:ext cx="0" cy="0"/>
+          <a:chOff x="0" y="0"/>
+          <a:chExt cx="0" cy="0"/>
+        </a:xfrm>
+      </p:grpSpPr>
+      <p:sp>
+        <p:nvSpPr>
+          <p:cNvPr id="2" name="Title 1">
+            <a:extLst>
+              <a:ext uri="{FF2B5EF4-FFF2-40B4-BE49-F238E27FC236}">
+                <a16:creationId xmlns:a16="http://schemas.microsoft.com/office/drawing/2014/main" id="{CAD52D3F-3CA6-5A7B-723C-E999169D7EA5}"/>
+              </a:ext>
+            </a:extLst>
+          </p:cNvPr>
+          <p:cNvSpPr>
+            <a:spLocks noGrp="1"/>
+          </p:cNvSpPr>
+          <p:nvPr>
+            <p:ph type="title"/>
+          </p:nvPr>
+        </p:nvSpPr>
+        <p:spPr>
+          <a:xfrm>
+            <a:off x="913795" y="609600"/>
+            <a:ext cx="10353762" cy="736315"/>
+          </a:xfrm>
+        </p:spPr>
+        <p:txBody>
+          <a:bodyPr>
+            <a:normAutofit fontScale="90000"/>
+          </a:bodyPr>
+          <a:lstStyle/>
+          <a:p>
+            <a:r>
+              <a:rPr lang="en-US" dirty="0"/>
+              <a:t>Estimate the Multiply Imputed Regression Models</a:t>
+            </a:r>
+          </a:p>
+        </p:txBody>
+      </p:sp>
+      <p:pic>
+        <p:nvPicPr>
+          <p:cNvPr id="5" name="Content Placeholder 4">
+            <a:extLst>
+              <a:ext uri="{FF2B5EF4-FFF2-40B4-BE49-F238E27FC236}">
+                <a16:creationId xmlns:a16="http://schemas.microsoft.com/office/drawing/2014/main" id="{4FD3781D-D5B6-F425-5150-299542133365}"/>
+              </a:ext>
+            </a:extLst>
+          </p:cNvPr>
+          <p:cNvPicPr>
+            <a:picLocks noGrp="1" noChangeAspect="1"/>
+          </p:cNvPicPr>
+          <p:nvPr>
+            <p:ph idx="1"/>
+          </p:nvPr>
+        </p:nvPicPr>
+        <p:blipFill>
+          <a:blip r:embed="rId2"/>
+          <a:stretch>
+            <a:fillRect/>
+          </a:stretch>
+        </p:blipFill>
+        <p:spPr>
+          <a:xfrm>
+            <a:off x="2338170" y="1580050"/>
+            <a:ext cx="7505012" cy="4228912"/>
+          </a:xfrm>
+        </p:spPr>
+      </p:pic>
+      <p:grpSp>
+        <p:nvGrpSpPr>
+          <p:cNvPr id="6" name="Group 5">
+            <a:extLst>
+              <a:ext uri="{FF2B5EF4-FFF2-40B4-BE49-F238E27FC236}">
+                <a16:creationId xmlns:a16="http://schemas.microsoft.com/office/drawing/2014/main" id="{371998B9-D453-AA11-7B1A-B35F9B19C2AA}"/>
+              </a:ext>
+            </a:extLst>
+          </p:cNvPr>
+          <p:cNvGrpSpPr/>
+          <p:nvPr/>
+        </p:nvGrpSpPr>
+        <p:grpSpPr>
+          <a:xfrm>
+            <a:off x="1475923" y="2476072"/>
+            <a:ext cx="8604885" cy="4262170"/>
+            <a:chOff x="386862" y="1547446"/>
+            <a:chExt cx="8604885" cy="4956788"/>
+          </a:xfrm>
+        </p:grpSpPr>
+        <p:sp>
+          <p:nvSpPr>
+            <p:cNvPr id="7" name="TextBox 6">
+              <a:extLst>
+                <a:ext uri="{FF2B5EF4-FFF2-40B4-BE49-F238E27FC236}">
+                  <a16:creationId xmlns:a16="http://schemas.microsoft.com/office/drawing/2014/main" id="{D9B44D5B-379F-B264-AD34-8196AA892514}"/>
+                </a:ext>
+              </a:extLst>
+            </p:cNvPr>
+            <p:cNvSpPr txBox="1"/>
+            <p:nvPr/>
+          </p:nvSpPr>
+          <p:spPr>
+            <a:xfrm>
+              <a:off x="386862" y="5537807"/>
+              <a:ext cx="8376138" cy="966427"/>
+            </a:xfrm>
+            <a:prstGeom prst="rect">
+              <a:avLst/>
+            </a:prstGeom>
+            <a:ln>
+              <a:solidFill>
+                <a:srgbClr val="0070C0"/>
+              </a:solidFill>
+            </a:ln>
+          </p:spPr>
+          <p:style>
+            <a:lnRef idx="2">
+              <a:schemeClr val="accent1"/>
+            </a:lnRef>
+            <a:fillRef idx="1">
+              <a:schemeClr val="lt1"/>
+            </a:fillRef>
+            <a:effectRef idx="0">
+              <a:schemeClr val="accent1"/>
+            </a:effectRef>
+            <a:fontRef idx="minor">
+              <a:schemeClr val="dk1"/>
+            </a:fontRef>
+          </p:style>
+          <p:txBody>
+            <a:bodyPr wrap="square" rtlCol="0">
+              <a:spAutoFit/>
+            </a:bodyPr>
+            <a:lstStyle/>
+            <a:p>
+              <a:r>
+                <a:rPr lang="en-US" sz="1600" dirty="0"/>
+                <a:t>There is some indication in the </a:t>
+              </a:r>
+              <a:r>
+                <a:rPr lang="en-US" sz="1600" dirty="0" err="1"/>
+                <a:t>Stata</a:t>
+              </a:r>
+              <a:r>
+                <a:rPr lang="en-US" sz="1600" dirty="0"/>
+                <a:t> literature that the best performance of the multiple imputation model (in the sense of minimizing simulation error and getting stable estimates) is achieved when M ≈ 10 </a:t>
+              </a:r>
+              <a:r>
+                <a:rPr lang="en-US" sz="1600" dirty="0">
+                  <a:sym typeface="Symbol"/>
+                </a:rPr>
+                <a:t> l</a:t>
+              </a:r>
+              <a:r>
+                <a:rPr lang="en-US" sz="1600" dirty="0"/>
+                <a:t>argest F.M.I. (fraction missing information)</a:t>
+              </a:r>
+            </a:p>
+          </p:txBody>
+        </p:sp>
+        <p:sp>
+          <p:nvSpPr>
+            <p:cNvPr id="8" name="Oval 7">
+              <a:extLst>
+                <a:ext uri="{FF2B5EF4-FFF2-40B4-BE49-F238E27FC236}">
+                  <a16:creationId xmlns:a16="http://schemas.microsoft.com/office/drawing/2014/main" id="{7FF7B4DB-1F5F-AD3E-0B6D-34A4A2309D1C}"/>
+                </a:ext>
+              </a:extLst>
+            </p:cNvPr>
+            <p:cNvSpPr/>
+            <p:nvPr/>
+          </p:nvSpPr>
+          <p:spPr>
+            <a:xfrm>
+              <a:off x="7948246" y="1547446"/>
+              <a:ext cx="838200" cy="228600"/>
+            </a:xfrm>
+            <a:prstGeom prst="ellipse">
+              <a:avLst/>
+            </a:prstGeom>
+            <a:noFill/>
+            <a:ln>
+              <a:solidFill>
+                <a:srgbClr val="0070C0"/>
+              </a:solidFill>
+            </a:ln>
+          </p:spPr>
+          <p:style>
+            <a:lnRef idx="2">
+              <a:schemeClr val="accent1"/>
+            </a:lnRef>
+            <a:fillRef idx="1">
+              <a:schemeClr val="lt1"/>
+            </a:fillRef>
+            <a:effectRef idx="0">
+              <a:schemeClr val="accent1"/>
+            </a:effectRef>
+            <a:fontRef idx="minor">
+              <a:schemeClr val="dk1"/>
+            </a:fontRef>
+          </p:style>
+          <p:txBody>
+            <a:bodyPr rtlCol="0" anchor="ctr"/>
+            <a:lstStyle/>
+            <a:p>
+              <a:pPr algn="ctr"/>
+              <a:endParaRPr lang="en-US"/>
+            </a:p>
+          </p:txBody>
+        </p:sp>
+        <p:grpSp>
+          <p:nvGrpSpPr>
+            <p:cNvPr id="9" name="Group 8">
+              <a:extLst>
+                <a:ext uri="{FF2B5EF4-FFF2-40B4-BE49-F238E27FC236}">
+                  <a16:creationId xmlns:a16="http://schemas.microsoft.com/office/drawing/2014/main" id="{92AA8E86-BACC-1D5A-9E35-EFD1F5F4C7D6}"/>
+                </a:ext>
+              </a:extLst>
+            </p:cNvPr>
+            <p:cNvGrpSpPr/>
+            <p:nvPr/>
+          </p:nvGrpSpPr>
+          <p:grpSpPr>
+            <a:xfrm>
+              <a:off x="8763029" y="1661746"/>
+              <a:ext cx="228718" cy="4359275"/>
+              <a:chOff x="8762924" y="1661746"/>
+              <a:chExt cx="152477" cy="4359275"/>
+            </a:xfrm>
+          </p:grpSpPr>
+          <p:cxnSp>
+            <p:nvCxnSpPr>
+              <p:cNvPr id="10" name="Straight Connector 9">
+                <a:extLst>
+                  <a:ext uri="{FF2B5EF4-FFF2-40B4-BE49-F238E27FC236}">
+                    <a16:creationId xmlns:a16="http://schemas.microsoft.com/office/drawing/2014/main" id="{0F4E061C-745A-B8B6-29F6-E3934B82F208}"/>
+                  </a:ext>
+                </a:extLst>
+              </p:cNvPr>
+              <p:cNvCxnSpPr>
+                <a:cxnSpLocks/>
+                <a:stCxn id="7" idx="3"/>
+              </p:cNvCxnSpPr>
+              <p:nvPr/>
+            </p:nvCxnSpPr>
+            <p:spPr>
+              <a:xfrm>
+                <a:off x="8762924" y="6021021"/>
+                <a:ext cx="152476" cy="0"/>
+              </a:xfrm>
+              <a:prstGeom prst="line">
+                <a:avLst/>
+              </a:prstGeom>
+              <a:ln w="25400">
+                <a:solidFill>
+                  <a:srgbClr val="0070C0"/>
+                </a:solidFill>
+              </a:ln>
+            </p:spPr>
+            <p:style>
+              <a:lnRef idx="1">
+                <a:schemeClr val="accent1"/>
+              </a:lnRef>
+              <a:fillRef idx="0">
+                <a:schemeClr val="accent1"/>
+              </a:fillRef>
+              <a:effectRef idx="0">
+                <a:schemeClr val="accent1"/>
+              </a:effectRef>
+              <a:fontRef idx="minor">
+                <a:schemeClr val="tx1"/>
+              </a:fontRef>
+            </p:style>
+          </p:cxnSp>
+          <p:cxnSp>
+            <p:nvCxnSpPr>
+              <p:cNvPr id="11" name="Straight Connector 10">
+                <a:extLst>
+                  <a:ext uri="{FF2B5EF4-FFF2-40B4-BE49-F238E27FC236}">
+                    <a16:creationId xmlns:a16="http://schemas.microsoft.com/office/drawing/2014/main" id="{C1A82EC2-09F1-701D-F496-0C61502DC3BD}"/>
+                  </a:ext>
+                </a:extLst>
+              </p:cNvPr>
+              <p:cNvCxnSpPr>
+                <a:cxnSpLocks/>
+              </p:cNvCxnSpPr>
+              <p:nvPr/>
+            </p:nvCxnSpPr>
+            <p:spPr>
+              <a:xfrm flipV="1">
+                <a:off x="8915400" y="1661746"/>
+                <a:ext cx="0" cy="4347326"/>
+              </a:xfrm>
+              <a:prstGeom prst="line">
+                <a:avLst/>
+              </a:prstGeom>
+              <a:ln w="25400">
+                <a:solidFill>
+                  <a:srgbClr val="0070C0"/>
+                </a:solidFill>
+              </a:ln>
+            </p:spPr>
+            <p:style>
+              <a:lnRef idx="1">
+                <a:schemeClr val="accent1"/>
+              </a:lnRef>
+              <a:fillRef idx="0">
+                <a:schemeClr val="accent1"/>
+              </a:fillRef>
+              <a:effectRef idx="0">
+                <a:schemeClr val="accent1"/>
+              </a:effectRef>
+              <a:fontRef idx="minor">
+                <a:schemeClr val="tx1"/>
+              </a:fontRef>
+            </p:style>
+          </p:cxnSp>
+          <p:cxnSp>
+            <p:nvCxnSpPr>
+              <p:cNvPr id="12" name="Straight Arrow Connector 11">
+                <a:extLst>
+                  <a:ext uri="{FF2B5EF4-FFF2-40B4-BE49-F238E27FC236}">
+                    <a16:creationId xmlns:a16="http://schemas.microsoft.com/office/drawing/2014/main" id="{650B7D7E-5A59-BDB9-8498-AA99519885B8}"/>
+                  </a:ext>
+                </a:extLst>
+              </p:cNvPr>
+              <p:cNvCxnSpPr>
+                <a:endCxn id="8" idx="6"/>
+              </p:cNvCxnSpPr>
+              <p:nvPr/>
+            </p:nvCxnSpPr>
+            <p:spPr>
+              <a:xfrm flipH="1">
+                <a:off x="8778631" y="1661746"/>
+                <a:ext cx="136770" cy="0"/>
+              </a:xfrm>
+              <a:prstGeom prst="straightConnector1">
+                <a:avLst/>
+              </a:prstGeom>
+              <a:ln w="25400">
+                <a:solidFill>
+                  <a:srgbClr val="0070C0"/>
+                </a:solidFill>
+                <a:tailEnd type="triangle" w="lg" len="med"/>
+              </a:ln>
+            </p:spPr>
+            <p:style>
+              <a:lnRef idx="1">
+                <a:schemeClr val="accent1"/>
+              </a:lnRef>
+              <a:fillRef idx="0">
+                <a:schemeClr val="accent1"/>
+              </a:fillRef>
+              <a:effectRef idx="0">
+                <a:schemeClr val="accent1"/>
+              </a:effectRef>
+              <a:fontRef idx="minor">
+                <a:schemeClr val="tx1"/>
+              </a:fontRef>
+            </p:style>
+          </p:cxnSp>
+        </p:grpSp>
+      </p:grpSp>
+    </p:spTree>
+    <p:extLst>
+      <p:ext uri="{BB962C8B-B14F-4D97-AF65-F5344CB8AC3E}">
+        <p14:creationId xmlns:p14="http://schemas.microsoft.com/office/powerpoint/2010/main" val="3706352690"/>
+      </p:ext>
+    </p:extLst>
+  </p:cSld>
+  <p:clrMapOvr>
+    <a:masterClrMapping/>
+  </p:clrMapOvr>
+</p:sld>
+</file>
+
+<file path=ppt/slides/slide27.xml><?xml version="1.0" encoding="utf-8"?>
+<p:sld xmlns:a="http://schemas.openxmlformats.org/drawingml/2006/main" xmlns:r="http://schemas.openxmlformats.org/officeDocument/2006/relationships" xmlns:p="http://schemas.openxmlformats.org/presentationml/2006/main">
+  <p:cSld>
+    <p:spTree>
+      <p:nvGrpSpPr>
+        <p:cNvPr id="1" name=""/>
+        <p:cNvGrpSpPr/>
+        <p:nvPr/>
+      </p:nvGrpSpPr>
+      <p:grpSpPr>
+        <a:xfrm>
+          <a:off x="0" y="0"/>
+          <a:ext cx="0" cy="0"/>
+          <a:chOff x="0" y="0"/>
+          <a:chExt cx="0" cy="0"/>
+        </a:xfrm>
+      </p:grpSpPr>
+      <p:sp>
+        <p:nvSpPr>
+          <p:cNvPr id="2" name="Title 1">
+            <a:extLst>
+              <a:ext uri="{FF2B5EF4-FFF2-40B4-BE49-F238E27FC236}">
+                <a16:creationId xmlns:a16="http://schemas.microsoft.com/office/drawing/2014/main" id="{A32EFCA9-7F70-4C9A-E6C3-FC8CC9043A1A}"/>
+              </a:ext>
+            </a:extLst>
+          </p:cNvPr>
+          <p:cNvSpPr>
+            <a:spLocks noGrp="1"/>
+          </p:cNvSpPr>
+          <p:nvPr>
+            <p:ph type="title"/>
+          </p:nvPr>
+        </p:nvSpPr>
+        <p:spPr/>
+        <p:txBody>
+          <a:bodyPr/>
+          <a:lstStyle/>
+          <a:p>
+            <a:r>
+              <a:rPr lang="en-US" dirty="0"/>
+              <a:t>Multiple Imputation Results</a:t>
+            </a:r>
+          </a:p>
+        </p:txBody>
+      </p:sp>
+      <p:graphicFrame>
+        <p:nvGraphicFramePr>
+          <p:cNvPr id="4" name="Content Placeholder 4">
+            <a:extLst>
+              <a:ext uri="{FF2B5EF4-FFF2-40B4-BE49-F238E27FC236}">
+                <a16:creationId xmlns:a16="http://schemas.microsoft.com/office/drawing/2014/main" id="{DC79CFA7-E323-34AB-037F-5D4C05A1211D}"/>
+              </a:ext>
+            </a:extLst>
+          </p:cNvPr>
+          <p:cNvGraphicFramePr>
+            <a:graphicFrameLocks noGrp="1"/>
+          </p:cNvGraphicFramePr>
+          <p:nvPr>
+            <p:ph idx="1"/>
+            <p:extLst>
+              <p:ext uri="{D42A27DB-BD31-4B8C-83A1-F6EECF244321}">
+                <p14:modId xmlns:p14="http://schemas.microsoft.com/office/powerpoint/2010/main" val="1238312244"/>
+              </p:ext>
+            </p:extLst>
+          </p:nvPr>
+        </p:nvGraphicFramePr>
+        <p:xfrm>
+          <a:off x="913795" y="1731962"/>
+          <a:ext cx="10353764" cy="4114035"/>
+        </p:xfrm>
+        <a:graphic>
+          <a:graphicData uri="http://schemas.openxmlformats.org/drawingml/2006/table">
+            <a:tbl>
+              <a:tblPr firstRow="1" firstCol="1" bandRow="1">
+                <a:tableStyleId>{793D81CF-94F2-401A-BA57-92F5A7B2D0C5}</a:tableStyleId>
+              </a:tblPr>
+              <a:tblGrid>
+                <a:gridCol w="2320674">
+                  <a:extLst>
+                    <a:ext uri="{9D8B030D-6E8A-4147-A177-3AD203B41FA5}">
+                      <a16:colId xmlns:a16="http://schemas.microsoft.com/office/drawing/2014/main" val="20000"/>
+                    </a:ext>
+                  </a:extLst>
+                </a:gridCol>
+                <a:gridCol w="1606618">
+                  <a:extLst>
+                    <a:ext uri="{9D8B030D-6E8A-4147-A177-3AD203B41FA5}">
+                      <a16:colId xmlns:a16="http://schemas.microsoft.com/office/drawing/2014/main" val="20001"/>
+                    </a:ext>
+                  </a:extLst>
+                </a:gridCol>
+                <a:gridCol w="1606618">
+                  <a:extLst>
+                    <a:ext uri="{9D8B030D-6E8A-4147-A177-3AD203B41FA5}">
+                      <a16:colId xmlns:a16="http://schemas.microsoft.com/office/drawing/2014/main" val="20002"/>
+                    </a:ext>
+                  </a:extLst>
+                </a:gridCol>
+                <a:gridCol w="1606618">
+                  <a:extLst>
+                    <a:ext uri="{9D8B030D-6E8A-4147-A177-3AD203B41FA5}">
+                      <a16:colId xmlns:a16="http://schemas.microsoft.com/office/drawing/2014/main" val="20003"/>
+                    </a:ext>
+                  </a:extLst>
+                </a:gridCol>
+                <a:gridCol w="1606618">
+                  <a:extLst>
+                    <a:ext uri="{9D8B030D-6E8A-4147-A177-3AD203B41FA5}">
+                      <a16:colId xmlns:a16="http://schemas.microsoft.com/office/drawing/2014/main" val="20004"/>
+                    </a:ext>
+                  </a:extLst>
+                </a:gridCol>
+                <a:gridCol w="1606618">
+                  <a:extLst>
+                    <a:ext uri="{9D8B030D-6E8A-4147-A177-3AD203B41FA5}">
+                      <a16:colId xmlns:a16="http://schemas.microsoft.com/office/drawing/2014/main" val="20005"/>
+                    </a:ext>
+                  </a:extLst>
+                </a:gridCol>
+              </a:tblGrid>
+              <a:tr h="457115">
+                <a:tc>
+                  <a:txBody>
+                    <a:bodyPr/>
+                    <a:lstStyle/>
+                    <a:p>
+                      <a:pPr marL="0" marR="0">
+                        <a:lnSpc>
+                          <a:spcPct val="100000"/>
+                        </a:lnSpc>
+                        <a:spcBef>
+                          <a:spcPts val="0"/>
+                        </a:spcBef>
+                        <a:spcAft>
+                          <a:spcPts val="0"/>
+                        </a:spcAft>
+                      </a:pPr>
+                      <a:r>
+                        <a:rPr lang="en-US" sz="1600" dirty="0" err="1">
+                          <a:effectLst/>
+                        </a:rPr>
+                        <a:t>Regressor</a:t>
+                      </a:r>
+                      <a:endParaRPr lang="en-US" sz="1600" dirty="0">
+                        <a:effectLst/>
+                        <a:latin typeface="+mn-lt"/>
+                        <a:ea typeface="Calibri"/>
+                        <a:cs typeface="Times New Roman"/>
+                      </a:endParaRPr>
+                    </a:p>
+                  </a:txBody>
+                  <a:tcPr marL="92939" marR="92939" marT="0" marB="0" anchor="ctr"/>
+                </a:tc>
+                <a:tc>
+                  <a:txBody>
+                    <a:bodyPr/>
+                    <a:lstStyle/>
+                    <a:p>
+                      <a:pPr marL="0" marR="0" algn="ctr">
+                        <a:lnSpc>
+                          <a:spcPct val="100000"/>
+                        </a:lnSpc>
+                        <a:spcBef>
+                          <a:spcPts val="0"/>
+                        </a:spcBef>
+                        <a:spcAft>
+                          <a:spcPts val="0"/>
+                        </a:spcAft>
+                      </a:pPr>
+                      <a:r>
+                        <a:rPr lang="en-US" sz="1600" dirty="0">
+                          <a:effectLst/>
+                        </a:rPr>
+                        <a:t>1</a:t>
+                      </a:r>
+                      <a:endParaRPr lang="en-US" sz="1600" dirty="0">
+                        <a:effectLst/>
+                        <a:latin typeface="+mn-lt"/>
+                        <a:ea typeface="Calibri"/>
+                        <a:cs typeface="Times New Roman"/>
+                      </a:endParaRPr>
+                    </a:p>
+                  </a:txBody>
+                  <a:tcPr marL="92939" marR="92939" marT="0" marB="0" anchor="ctr"/>
+                </a:tc>
+                <a:tc>
+                  <a:txBody>
+                    <a:bodyPr/>
+                    <a:lstStyle/>
+                    <a:p>
+                      <a:pPr marL="0" marR="0" algn="ctr">
+                        <a:lnSpc>
+                          <a:spcPct val="100000"/>
+                        </a:lnSpc>
+                        <a:spcBef>
+                          <a:spcPts val="0"/>
+                        </a:spcBef>
+                        <a:spcAft>
+                          <a:spcPts val="0"/>
+                        </a:spcAft>
+                      </a:pPr>
+                      <a:r>
+                        <a:rPr lang="en-US" sz="1600" dirty="0">
+                          <a:effectLst/>
+                        </a:rPr>
+                        <a:t>2</a:t>
+                      </a:r>
+                      <a:endParaRPr lang="en-US" sz="1600" dirty="0">
+                        <a:effectLst/>
+                        <a:latin typeface="+mn-lt"/>
+                        <a:ea typeface="Calibri"/>
+                        <a:cs typeface="Times New Roman"/>
+                      </a:endParaRPr>
+                    </a:p>
+                  </a:txBody>
+                  <a:tcPr marL="92939" marR="92939" marT="0" marB="0" anchor="ctr"/>
+                </a:tc>
+                <a:tc>
+                  <a:txBody>
+                    <a:bodyPr/>
+                    <a:lstStyle/>
+                    <a:p>
+                      <a:pPr marL="0" marR="0" algn="ctr">
+                        <a:lnSpc>
+                          <a:spcPct val="100000"/>
+                        </a:lnSpc>
+                        <a:spcBef>
+                          <a:spcPts val="0"/>
+                        </a:spcBef>
+                        <a:spcAft>
+                          <a:spcPts val="0"/>
+                        </a:spcAft>
+                      </a:pPr>
+                      <a:r>
+                        <a:rPr lang="en-US" sz="1600" dirty="0">
+                          <a:effectLst/>
+                        </a:rPr>
+                        <a:t>3</a:t>
+                      </a:r>
+                      <a:endParaRPr lang="en-US" sz="1600" dirty="0">
+                        <a:effectLst/>
+                        <a:latin typeface="+mn-lt"/>
+                        <a:ea typeface="Calibri"/>
+                        <a:cs typeface="Times New Roman"/>
+                      </a:endParaRPr>
+                    </a:p>
+                  </a:txBody>
+                  <a:tcPr marL="92939" marR="92939" marT="0" marB="0" anchor="ctr"/>
+                </a:tc>
+                <a:tc>
+                  <a:txBody>
+                    <a:bodyPr/>
+                    <a:lstStyle/>
+                    <a:p>
+                      <a:pPr marL="0" marR="0" algn="ctr">
+                        <a:lnSpc>
+                          <a:spcPct val="100000"/>
+                        </a:lnSpc>
+                        <a:spcBef>
+                          <a:spcPts val="0"/>
+                        </a:spcBef>
+                        <a:spcAft>
+                          <a:spcPts val="0"/>
+                        </a:spcAft>
+                      </a:pPr>
+                      <a:r>
+                        <a:rPr lang="en-US" sz="1600" dirty="0">
+                          <a:effectLst/>
+                        </a:rPr>
+                        <a:t>4</a:t>
+                      </a:r>
+                      <a:endParaRPr lang="en-US" sz="1600" dirty="0">
+                        <a:effectLst/>
+                        <a:latin typeface="+mn-lt"/>
+                        <a:ea typeface="Calibri"/>
+                        <a:cs typeface="Times New Roman"/>
+                      </a:endParaRPr>
+                    </a:p>
+                  </a:txBody>
+                  <a:tcPr marL="92939" marR="92939" marT="0" marB="0" anchor="ctr"/>
+                </a:tc>
+                <a:tc>
+                  <a:txBody>
+                    <a:bodyPr/>
+                    <a:lstStyle/>
+                    <a:p>
+                      <a:pPr marL="0" marR="0" algn="ctr">
+                        <a:lnSpc>
+                          <a:spcPct val="100000"/>
+                        </a:lnSpc>
+                        <a:spcBef>
+                          <a:spcPts val="0"/>
+                        </a:spcBef>
+                        <a:spcAft>
+                          <a:spcPts val="0"/>
+                        </a:spcAft>
+                      </a:pPr>
+                      <a:r>
+                        <a:rPr lang="en-US" sz="1600" dirty="0">
+                          <a:effectLst/>
+                        </a:rPr>
+                        <a:t>5</a:t>
+                      </a:r>
+                      <a:endParaRPr lang="en-US" sz="1600" dirty="0">
+                        <a:effectLst/>
+                        <a:latin typeface="+mn-lt"/>
+                        <a:ea typeface="Calibri"/>
+                        <a:cs typeface="Times New Roman"/>
+                      </a:endParaRPr>
+                    </a:p>
+                  </a:txBody>
+                  <a:tcPr marL="92939" marR="92939" marT="0" marB="0" anchor="ctr"/>
+                </a:tc>
+                <a:extLst>
+                  <a:ext uri="{0D108BD9-81ED-4DB2-BD59-A6C34878D82A}">
+                    <a16:rowId xmlns:a16="http://schemas.microsoft.com/office/drawing/2014/main" val="10000"/>
+                  </a:ext>
+                </a:extLst>
+              </a:tr>
+              <a:tr h="457115">
+                <a:tc>
+                  <a:txBody>
+                    <a:bodyPr/>
+                    <a:lstStyle/>
+                    <a:p>
+                      <a:pPr marL="0" marR="0">
+                        <a:lnSpc>
+                          <a:spcPct val="100000"/>
+                        </a:lnSpc>
+                        <a:spcBef>
+                          <a:spcPts val="0"/>
+                        </a:spcBef>
+                        <a:spcAft>
+                          <a:spcPts val="0"/>
+                        </a:spcAft>
+                      </a:pPr>
+                      <a:r>
+                        <a:rPr lang="en-US" sz="1600" dirty="0">
+                          <a:effectLst/>
+                        </a:rPr>
+                        <a:t>Intercept</a:t>
+                      </a:r>
+                      <a:endParaRPr lang="en-US" sz="1600" dirty="0">
+                        <a:effectLst/>
+                        <a:latin typeface="+mn-lt"/>
+                        <a:ea typeface="Calibri"/>
+                        <a:cs typeface="Times New Roman"/>
+                      </a:endParaRPr>
+                    </a:p>
+                  </a:txBody>
+                  <a:tcPr marR="92939" marT="0" marB="0" anchor="ctr"/>
+                </a:tc>
+                <a:tc>
+                  <a:txBody>
+                    <a:bodyPr/>
+                    <a:lstStyle/>
+                    <a:p>
+                      <a:pPr marL="102870" marR="0" algn="ctr">
+                        <a:lnSpc>
+                          <a:spcPct val="100000"/>
+                        </a:lnSpc>
+                        <a:spcBef>
+                          <a:spcPts val="0"/>
+                        </a:spcBef>
+                        <a:spcAft>
+                          <a:spcPts val="0"/>
+                        </a:spcAft>
+                      </a:pPr>
+                      <a:r>
+                        <a:rPr lang="en-US" sz="1600" b="0" dirty="0">
+                          <a:effectLst/>
+                          <a:latin typeface="+mn-lt"/>
+                          <a:ea typeface="Calibri"/>
+                          <a:cs typeface="Times New Roman"/>
+                        </a:rPr>
+                        <a:t>12.82 (.49)***</a:t>
+                      </a:r>
+                    </a:p>
+                  </a:txBody>
+                  <a:tcPr marL="0" marR="0" marT="0" marB="0" anchor="ctr"/>
+                </a:tc>
+                <a:tc>
+                  <a:txBody>
+                    <a:bodyPr/>
+                    <a:lstStyle/>
+                    <a:p>
+                      <a:pPr marL="102870" marR="0" algn="ctr">
+                        <a:lnSpc>
+                          <a:spcPct val="100000"/>
+                        </a:lnSpc>
+                        <a:spcBef>
+                          <a:spcPts val="0"/>
+                        </a:spcBef>
+                        <a:spcAft>
+                          <a:spcPts val="0"/>
+                        </a:spcAft>
+                      </a:pPr>
+                      <a:r>
+                        <a:rPr lang="en-US" sz="1600" b="0" dirty="0">
+                          <a:effectLst/>
+                          <a:latin typeface="+mn-lt"/>
+                          <a:ea typeface="Calibri"/>
+                          <a:cs typeface="Times New Roman"/>
+                        </a:rPr>
+                        <a:t>13.06 (.49)***</a:t>
+                      </a:r>
+                    </a:p>
+                  </a:txBody>
+                  <a:tcPr marL="0" marR="0" marT="0" marB="0" anchor="ctr"/>
+                </a:tc>
+                <a:tc>
+                  <a:txBody>
+                    <a:bodyPr/>
+                    <a:lstStyle/>
+                    <a:p>
+                      <a:pPr marL="102870" marR="0" algn="ctr">
+                        <a:lnSpc>
+                          <a:spcPct val="100000"/>
+                        </a:lnSpc>
+                        <a:spcBef>
+                          <a:spcPts val="0"/>
+                        </a:spcBef>
+                        <a:spcAft>
+                          <a:spcPts val="0"/>
+                        </a:spcAft>
+                      </a:pPr>
+                      <a:r>
+                        <a:rPr lang="en-US" sz="1600" b="0" dirty="0">
+                          <a:effectLst/>
+                          <a:latin typeface="+mn-lt"/>
+                          <a:ea typeface="Calibri"/>
+                          <a:cs typeface="Times New Roman"/>
+                        </a:rPr>
+                        <a:t>13.14 (.49)***</a:t>
+                      </a:r>
+                    </a:p>
+                  </a:txBody>
+                  <a:tcPr marL="0" marR="0" marT="0" marB="0" anchor="ctr"/>
+                </a:tc>
+                <a:tc>
+                  <a:txBody>
+                    <a:bodyPr/>
+                    <a:lstStyle/>
+                    <a:p>
+                      <a:pPr marL="102870" marR="0" algn="ctr">
+                        <a:lnSpc>
+                          <a:spcPct val="100000"/>
+                        </a:lnSpc>
+                        <a:spcBef>
+                          <a:spcPts val="0"/>
+                        </a:spcBef>
+                        <a:spcAft>
+                          <a:spcPts val="0"/>
+                        </a:spcAft>
+                      </a:pPr>
+                      <a:r>
+                        <a:rPr lang="en-US" sz="1600" b="0" dirty="0">
+                          <a:effectLst/>
+                          <a:latin typeface="+mn-lt"/>
+                          <a:ea typeface="Calibri"/>
+                          <a:cs typeface="Times New Roman"/>
+                        </a:rPr>
+                        <a:t>12.92 (.49)***</a:t>
+                      </a:r>
+                    </a:p>
+                  </a:txBody>
+                  <a:tcPr marL="0" marR="0" marT="0" marB="0" anchor="ctr"/>
+                </a:tc>
+                <a:tc>
+                  <a:txBody>
+                    <a:bodyPr/>
+                    <a:lstStyle/>
+                    <a:p>
+                      <a:pPr marL="102870" marR="0" algn="ctr">
+                        <a:lnSpc>
+                          <a:spcPct val="100000"/>
+                        </a:lnSpc>
+                        <a:spcBef>
+                          <a:spcPts val="0"/>
+                        </a:spcBef>
+                        <a:spcAft>
+                          <a:spcPts val="0"/>
+                        </a:spcAft>
+                      </a:pPr>
+                      <a:r>
+                        <a:rPr lang="en-US" sz="1600" b="0" dirty="0">
+                          <a:effectLst/>
+                          <a:latin typeface="+mn-lt"/>
+                          <a:ea typeface="Calibri"/>
+                          <a:cs typeface="Times New Roman"/>
+                        </a:rPr>
+                        <a:t>12.98 (.49)***</a:t>
+                      </a:r>
+                    </a:p>
+                  </a:txBody>
+                  <a:tcPr marL="0" marR="0" marT="0" marB="0" anchor="ctr"/>
+                </a:tc>
+                <a:extLst>
+                  <a:ext uri="{0D108BD9-81ED-4DB2-BD59-A6C34878D82A}">
+                    <a16:rowId xmlns:a16="http://schemas.microsoft.com/office/drawing/2014/main" val="10001"/>
+                  </a:ext>
+                </a:extLst>
+              </a:tr>
+              <a:tr h="457115">
+                <a:tc>
+                  <a:txBody>
+                    <a:bodyPr/>
+                    <a:lstStyle/>
+                    <a:p>
+                      <a:pPr marL="0" marR="0">
+                        <a:lnSpc>
+                          <a:spcPct val="100000"/>
+                        </a:lnSpc>
+                        <a:spcBef>
+                          <a:spcPts val="0"/>
+                        </a:spcBef>
+                        <a:spcAft>
+                          <a:spcPts val="0"/>
+                        </a:spcAft>
+                      </a:pPr>
+                      <a:r>
+                        <a:rPr lang="en-US" sz="1600" dirty="0">
+                          <a:effectLst/>
+                        </a:rPr>
+                        <a:t>Male</a:t>
+                      </a:r>
+                      <a:endParaRPr lang="en-US" sz="1600" dirty="0">
+                        <a:effectLst/>
+                        <a:latin typeface="+mn-lt"/>
+                        <a:ea typeface="Calibri"/>
+                        <a:cs typeface="Times New Roman"/>
+                      </a:endParaRPr>
+                    </a:p>
+                  </a:txBody>
+                  <a:tcPr marR="92939" marT="0" marB="0" anchor="ctr"/>
+                </a:tc>
+                <a:tc>
+                  <a:txBody>
+                    <a:bodyPr/>
+                    <a:lstStyle/>
+                    <a:p>
+                      <a:pPr marL="102870" marR="0" indent="0" algn="ctr" defTabSz="914400" rtl="0" eaLnBrk="1" fontAlgn="auto" latinLnBrk="0" hangingPunct="1">
+                        <a:lnSpc>
+                          <a:spcPct val="100000"/>
+                        </a:lnSpc>
+                        <a:spcBef>
+                          <a:spcPts val="0"/>
+                        </a:spcBef>
+                        <a:spcAft>
+                          <a:spcPts val="0"/>
+                        </a:spcAft>
+                        <a:buClrTx/>
+                        <a:buSzTx/>
+                        <a:buFontTx/>
+                        <a:buNone/>
+                        <a:tabLst/>
+                        <a:defRPr/>
+                      </a:pPr>
+                      <a:r>
+                        <a:rPr lang="en-US" sz="1600" b="0" dirty="0">
+                          <a:effectLst/>
+                          <a:latin typeface="+mn-lt"/>
+                          <a:ea typeface="Calibri"/>
+                          <a:cs typeface="Times New Roman"/>
+                        </a:rPr>
+                        <a:t>0.44 (.09)***</a:t>
+                      </a:r>
+                    </a:p>
+                  </a:txBody>
+                  <a:tcPr marL="0" marR="0" marT="0" marB="0" anchor="ctr"/>
+                </a:tc>
+                <a:tc>
+                  <a:txBody>
+                    <a:bodyPr/>
+                    <a:lstStyle/>
+                    <a:p>
+                      <a:pPr marL="102870" marR="0" indent="0" algn="ctr" defTabSz="914400" rtl="0" eaLnBrk="1" fontAlgn="auto" latinLnBrk="0" hangingPunct="1">
+                        <a:lnSpc>
+                          <a:spcPct val="100000"/>
+                        </a:lnSpc>
+                        <a:spcBef>
+                          <a:spcPts val="0"/>
+                        </a:spcBef>
+                        <a:spcAft>
+                          <a:spcPts val="0"/>
+                        </a:spcAft>
+                        <a:buClrTx/>
+                        <a:buSzTx/>
+                        <a:buFontTx/>
+                        <a:buNone/>
+                        <a:tabLst/>
+                        <a:defRPr/>
+                      </a:pPr>
+                      <a:r>
+                        <a:rPr lang="en-US" sz="1600" b="0" dirty="0">
+                          <a:effectLst/>
+                          <a:latin typeface="+mn-lt"/>
+                          <a:ea typeface="Calibri"/>
+                          <a:cs typeface="Times New Roman"/>
+                        </a:rPr>
+                        <a:t>.44 (.09)***</a:t>
+                      </a:r>
+                    </a:p>
+                  </a:txBody>
+                  <a:tcPr marL="0" marR="0" marT="0" marB="0" anchor="ctr"/>
+                </a:tc>
+                <a:tc>
+                  <a:txBody>
+                    <a:bodyPr/>
+                    <a:lstStyle/>
+                    <a:p>
+                      <a:pPr marL="102870" marR="0" indent="0" algn="ctr" defTabSz="914400" rtl="0" eaLnBrk="1" fontAlgn="auto" latinLnBrk="0" hangingPunct="1">
+                        <a:lnSpc>
+                          <a:spcPct val="100000"/>
+                        </a:lnSpc>
+                        <a:spcBef>
+                          <a:spcPts val="0"/>
+                        </a:spcBef>
+                        <a:spcAft>
+                          <a:spcPts val="0"/>
+                        </a:spcAft>
+                        <a:buClrTx/>
+                        <a:buSzTx/>
+                        <a:buFontTx/>
+                        <a:buNone/>
+                        <a:tabLst/>
+                        <a:defRPr/>
+                      </a:pPr>
+                      <a:r>
+                        <a:rPr lang="en-US" sz="1600" b="0" dirty="0">
+                          <a:effectLst/>
+                          <a:latin typeface="+mn-lt"/>
+                          <a:ea typeface="Calibri"/>
+                          <a:cs typeface="Times New Roman"/>
+                        </a:rPr>
+                        <a:t>.46 (.09)***</a:t>
+                      </a:r>
+                    </a:p>
+                  </a:txBody>
+                  <a:tcPr marL="0" marR="0" marT="0" marB="0" anchor="ctr"/>
+                </a:tc>
+                <a:tc>
+                  <a:txBody>
+                    <a:bodyPr/>
+                    <a:lstStyle/>
+                    <a:p>
+                      <a:pPr marL="102870" marR="0" indent="0" algn="ctr" defTabSz="914400" rtl="0" eaLnBrk="1" fontAlgn="auto" latinLnBrk="0" hangingPunct="1">
+                        <a:lnSpc>
+                          <a:spcPct val="100000"/>
+                        </a:lnSpc>
+                        <a:spcBef>
+                          <a:spcPts val="0"/>
+                        </a:spcBef>
+                        <a:spcAft>
+                          <a:spcPts val="0"/>
+                        </a:spcAft>
+                        <a:buClrTx/>
+                        <a:buSzTx/>
+                        <a:buFontTx/>
+                        <a:buNone/>
+                        <a:tabLst/>
+                        <a:defRPr/>
+                      </a:pPr>
+                      <a:r>
+                        <a:rPr lang="en-US" sz="1600" b="0" dirty="0">
+                          <a:effectLst/>
+                          <a:latin typeface="+mn-lt"/>
+                          <a:ea typeface="Calibri"/>
+                          <a:cs typeface="Times New Roman"/>
+                        </a:rPr>
+                        <a:t>.44 (.09)***</a:t>
+                      </a:r>
+                    </a:p>
+                  </a:txBody>
+                  <a:tcPr marL="0" marR="0" marT="0" marB="0" anchor="ctr"/>
+                </a:tc>
+                <a:tc>
+                  <a:txBody>
+                    <a:bodyPr/>
+                    <a:lstStyle/>
+                    <a:p>
+                      <a:pPr marL="102870" marR="0" indent="0" algn="ctr" defTabSz="914400" rtl="0" eaLnBrk="1" fontAlgn="auto" latinLnBrk="0" hangingPunct="1">
+                        <a:lnSpc>
+                          <a:spcPct val="100000"/>
+                        </a:lnSpc>
+                        <a:spcBef>
+                          <a:spcPts val="0"/>
+                        </a:spcBef>
+                        <a:spcAft>
+                          <a:spcPts val="0"/>
+                        </a:spcAft>
+                        <a:buClrTx/>
+                        <a:buSzTx/>
+                        <a:buFontTx/>
+                        <a:buNone/>
+                        <a:tabLst/>
+                        <a:defRPr/>
+                      </a:pPr>
+                      <a:r>
+                        <a:rPr lang="en-US" sz="1600" b="0" dirty="0">
+                          <a:effectLst/>
+                          <a:latin typeface="+mn-lt"/>
+                          <a:ea typeface="Calibri"/>
+                          <a:cs typeface="Times New Roman"/>
+                        </a:rPr>
+                        <a:t>.44 (.09)***</a:t>
+                      </a:r>
+                    </a:p>
+                  </a:txBody>
+                  <a:tcPr marL="0" marR="0" marT="0" marB="0" anchor="ctr"/>
+                </a:tc>
+                <a:extLst>
+                  <a:ext uri="{0D108BD9-81ED-4DB2-BD59-A6C34878D82A}">
+                    <a16:rowId xmlns:a16="http://schemas.microsoft.com/office/drawing/2014/main" val="10002"/>
+                  </a:ext>
+                </a:extLst>
+              </a:tr>
+              <a:tr h="457115">
+                <a:tc>
+                  <a:txBody>
+                    <a:bodyPr/>
+                    <a:lstStyle/>
+                    <a:p>
+                      <a:pPr marL="0" marR="0">
+                        <a:lnSpc>
+                          <a:spcPct val="100000"/>
+                        </a:lnSpc>
+                        <a:spcBef>
+                          <a:spcPts val="0"/>
+                        </a:spcBef>
+                        <a:spcAft>
+                          <a:spcPts val="0"/>
+                        </a:spcAft>
+                      </a:pPr>
+                      <a:r>
+                        <a:rPr lang="en-US" sz="1600" dirty="0">
+                          <a:effectLst/>
+                        </a:rPr>
+                        <a:t>White</a:t>
+                      </a:r>
+                      <a:endParaRPr lang="en-US" sz="1600" dirty="0">
+                        <a:effectLst/>
+                        <a:latin typeface="+mn-lt"/>
+                        <a:ea typeface="Calibri"/>
+                        <a:cs typeface="Times New Roman"/>
+                      </a:endParaRPr>
+                    </a:p>
+                  </a:txBody>
+                  <a:tcPr marR="92939" marT="0" marB="0" anchor="ctr"/>
+                </a:tc>
+                <a:tc>
+                  <a:txBody>
+                    <a:bodyPr/>
+                    <a:lstStyle/>
+                    <a:p>
+                      <a:pPr marL="102870" marR="0" algn="ctr">
+                        <a:lnSpc>
+                          <a:spcPct val="100000"/>
+                        </a:lnSpc>
+                        <a:spcBef>
+                          <a:spcPts val="0"/>
+                        </a:spcBef>
+                        <a:spcAft>
+                          <a:spcPts val="0"/>
+                        </a:spcAft>
+                      </a:pPr>
+                      <a:r>
+                        <a:rPr lang="en-US" sz="1600" b="0" dirty="0">
+                          <a:effectLst/>
+                          <a:latin typeface="+mn-lt"/>
+                          <a:ea typeface="Calibri"/>
+                          <a:cs typeface="Times New Roman"/>
+                        </a:rPr>
+                        <a:t>-1.15 (.09)***</a:t>
+                      </a:r>
+                    </a:p>
+                  </a:txBody>
+                  <a:tcPr marL="0" marR="0" marT="0" marB="0" anchor="ctr"/>
+                </a:tc>
+                <a:tc>
+                  <a:txBody>
+                    <a:bodyPr/>
+                    <a:lstStyle/>
+                    <a:p>
+                      <a:pPr marL="102870" marR="0" algn="ctr">
+                        <a:lnSpc>
+                          <a:spcPct val="100000"/>
+                        </a:lnSpc>
+                        <a:spcBef>
+                          <a:spcPts val="0"/>
+                        </a:spcBef>
+                        <a:spcAft>
+                          <a:spcPts val="0"/>
+                        </a:spcAft>
+                      </a:pPr>
+                      <a:r>
+                        <a:rPr lang="en-US" sz="1600" b="0" dirty="0">
+                          <a:effectLst/>
+                          <a:latin typeface="+mn-lt"/>
+                          <a:ea typeface="Calibri"/>
+                          <a:cs typeface="Times New Roman"/>
+                        </a:rPr>
+                        <a:t>-1.12 (.09)***</a:t>
+                      </a:r>
+                    </a:p>
+                  </a:txBody>
+                  <a:tcPr marL="0" marR="0" marT="0" marB="0" anchor="ctr"/>
+                </a:tc>
+                <a:tc>
+                  <a:txBody>
+                    <a:bodyPr/>
+                    <a:lstStyle/>
+                    <a:p>
+                      <a:pPr marL="102870" marR="0" algn="ctr">
+                        <a:lnSpc>
+                          <a:spcPct val="100000"/>
+                        </a:lnSpc>
+                        <a:spcBef>
+                          <a:spcPts val="0"/>
+                        </a:spcBef>
+                        <a:spcAft>
+                          <a:spcPts val="0"/>
+                        </a:spcAft>
+                      </a:pPr>
+                      <a:r>
+                        <a:rPr lang="en-US" sz="1600" b="0" dirty="0">
+                          <a:effectLst/>
+                          <a:latin typeface="+mn-lt"/>
+                          <a:ea typeface="Calibri"/>
+                          <a:cs typeface="Times New Roman"/>
+                        </a:rPr>
+                        <a:t>-1.14 (.09)***</a:t>
+                      </a:r>
+                    </a:p>
+                  </a:txBody>
+                  <a:tcPr marL="0" marR="0" marT="0" marB="0" anchor="ctr"/>
+                </a:tc>
+                <a:tc>
+                  <a:txBody>
+                    <a:bodyPr/>
+                    <a:lstStyle/>
+                    <a:p>
+                      <a:pPr marL="102870" marR="0" algn="ctr">
+                        <a:lnSpc>
+                          <a:spcPct val="100000"/>
+                        </a:lnSpc>
+                        <a:spcBef>
+                          <a:spcPts val="0"/>
+                        </a:spcBef>
+                        <a:spcAft>
+                          <a:spcPts val="0"/>
+                        </a:spcAft>
+                      </a:pPr>
+                      <a:r>
+                        <a:rPr lang="en-US" sz="1600" b="0" dirty="0">
+                          <a:effectLst/>
+                          <a:latin typeface="+mn-lt"/>
+                          <a:ea typeface="Calibri"/>
+                          <a:cs typeface="Times New Roman"/>
+                        </a:rPr>
+                        <a:t>-1.07 (.09)***</a:t>
+                      </a:r>
+                    </a:p>
+                  </a:txBody>
+                  <a:tcPr marL="0" marR="0" marT="0" marB="0" anchor="ctr"/>
+                </a:tc>
+                <a:tc>
+                  <a:txBody>
+                    <a:bodyPr/>
+                    <a:lstStyle/>
+                    <a:p>
+                      <a:pPr marL="102870" marR="0" algn="ctr">
+                        <a:lnSpc>
+                          <a:spcPct val="100000"/>
+                        </a:lnSpc>
+                        <a:spcBef>
+                          <a:spcPts val="0"/>
+                        </a:spcBef>
+                        <a:spcAft>
+                          <a:spcPts val="0"/>
+                        </a:spcAft>
+                      </a:pPr>
+                      <a:r>
+                        <a:rPr lang="en-US" sz="1600" b="0" dirty="0">
+                          <a:effectLst/>
+                          <a:latin typeface="+mn-lt"/>
+                          <a:ea typeface="Calibri"/>
+                          <a:cs typeface="Times New Roman"/>
+                        </a:rPr>
+                        <a:t>-1.14 (.09)***</a:t>
+                      </a:r>
+                    </a:p>
+                  </a:txBody>
+                  <a:tcPr marL="0" marR="0" marT="0" marB="0" anchor="ctr"/>
+                </a:tc>
+                <a:extLst>
+                  <a:ext uri="{0D108BD9-81ED-4DB2-BD59-A6C34878D82A}">
+                    <a16:rowId xmlns:a16="http://schemas.microsoft.com/office/drawing/2014/main" val="10003"/>
+                  </a:ext>
+                </a:extLst>
+              </a:tr>
+              <a:tr h="457115">
+                <a:tc>
+                  <a:txBody>
+                    <a:bodyPr/>
+                    <a:lstStyle/>
+                    <a:p>
+                      <a:pPr marL="0" marR="0">
+                        <a:lnSpc>
+                          <a:spcPct val="100000"/>
+                        </a:lnSpc>
+                        <a:spcBef>
+                          <a:spcPts val="0"/>
+                        </a:spcBef>
+                        <a:spcAft>
+                          <a:spcPts val="0"/>
+                        </a:spcAft>
+                      </a:pPr>
+                      <a:r>
+                        <a:rPr lang="en-US" sz="1600" dirty="0">
+                          <a:effectLst/>
+                        </a:rPr>
+                        <a:t>Age</a:t>
+                      </a:r>
+                      <a:endParaRPr lang="en-US" sz="1600" dirty="0">
+                        <a:effectLst/>
+                        <a:latin typeface="+mn-lt"/>
+                        <a:ea typeface="Calibri"/>
+                        <a:cs typeface="Times New Roman"/>
+                      </a:endParaRPr>
+                    </a:p>
+                  </a:txBody>
+                  <a:tcPr marR="92939" marT="0" marB="0" anchor="ctr"/>
+                </a:tc>
+                <a:tc>
+                  <a:txBody>
+                    <a:bodyPr/>
+                    <a:lstStyle/>
+                    <a:p>
+                      <a:pPr marL="102870" marR="0" algn="ctr">
+                        <a:lnSpc>
+                          <a:spcPct val="100000"/>
+                        </a:lnSpc>
+                        <a:spcBef>
+                          <a:spcPts val="0"/>
+                        </a:spcBef>
+                        <a:spcAft>
+                          <a:spcPts val="0"/>
+                        </a:spcAft>
+                      </a:pPr>
+                      <a:r>
+                        <a:rPr lang="en-US" sz="1600" b="0" dirty="0">
+                          <a:effectLst/>
+                          <a:latin typeface="+mn-lt"/>
+                          <a:ea typeface="Calibri"/>
+                          <a:cs typeface="Times New Roman"/>
+                        </a:rPr>
+                        <a:t>.61 (.03)***</a:t>
+                      </a:r>
+                    </a:p>
+                  </a:txBody>
+                  <a:tcPr marL="0" marR="0" marT="0" marB="0" anchor="ctr"/>
+                </a:tc>
+                <a:tc>
+                  <a:txBody>
+                    <a:bodyPr/>
+                    <a:lstStyle/>
+                    <a:p>
+                      <a:pPr marL="102870" marR="0" algn="ctr">
+                        <a:lnSpc>
+                          <a:spcPct val="100000"/>
+                        </a:lnSpc>
+                        <a:spcBef>
+                          <a:spcPts val="0"/>
+                        </a:spcBef>
+                        <a:spcAft>
+                          <a:spcPts val="0"/>
+                        </a:spcAft>
+                      </a:pPr>
+                      <a:r>
+                        <a:rPr lang="en-US" sz="1600" b="0" dirty="0">
+                          <a:effectLst/>
+                          <a:latin typeface="+mn-lt"/>
+                          <a:ea typeface="Calibri"/>
+                          <a:cs typeface="Times New Roman"/>
+                        </a:rPr>
+                        <a:t>.59 (.03)***</a:t>
+                      </a:r>
+                    </a:p>
+                  </a:txBody>
+                  <a:tcPr marL="0" marR="0" marT="0" marB="0" anchor="ctr"/>
+                </a:tc>
+                <a:tc>
+                  <a:txBody>
+                    <a:bodyPr/>
+                    <a:lstStyle/>
+                    <a:p>
+                      <a:pPr marL="102870" marR="0" algn="ctr">
+                        <a:lnSpc>
+                          <a:spcPct val="100000"/>
+                        </a:lnSpc>
+                        <a:spcBef>
+                          <a:spcPts val="0"/>
+                        </a:spcBef>
+                        <a:spcAft>
+                          <a:spcPts val="0"/>
+                        </a:spcAft>
+                      </a:pPr>
+                      <a:r>
+                        <a:rPr lang="en-US" sz="1600" b="0" dirty="0">
+                          <a:effectLst/>
+                          <a:latin typeface="+mn-lt"/>
+                          <a:ea typeface="Calibri"/>
+                          <a:cs typeface="Times New Roman"/>
+                        </a:rPr>
+                        <a:t>.58 (.03)***</a:t>
+                      </a:r>
+                    </a:p>
+                  </a:txBody>
+                  <a:tcPr marL="0" marR="0" marT="0" marB="0" anchor="ctr"/>
+                </a:tc>
+                <a:tc>
+                  <a:txBody>
+                    <a:bodyPr/>
+                    <a:lstStyle/>
+                    <a:p>
+                      <a:pPr marL="102870" marR="0" algn="ctr">
+                        <a:lnSpc>
+                          <a:spcPct val="100000"/>
+                        </a:lnSpc>
+                        <a:spcBef>
+                          <a:spcPts val="0"/>
+                        </a:spcBef>
+                        <a:spcAft>
+                          <a:spcPts val="0"/>
+                        </a:spcAft>
+                      </a:pPr>
+                      <a:r>
+                        <a:rPr lang="en-US" sz="1600" b="0" dirty="0">
+                          <a:effectLst/>
+                          <a:latin typeface="+mn-lt"/>
+                          <a:ea typeface="Calibri"/>
+                          <a:cs typeface="Times New Roman"/>
+                        </a:rPr>
+                        <a:t>.59 (.03)***</a:t>
+                      </a:r>
+                    </a:p>
+                  </a:txBody>
+                  <a:tcPr marL="0" marR="0" marT="0" marB="0" anchor="ctr"/>
+                </a:tc>
+                <a:tc>
+                  <a:txBody>
+                    <a:bodyPr/>
+                    <a:lstStyle/>
+                    <a:p>
+                      <a:pPr marL="102870" marR="0" algn="ctr">
+                        <a:lnSpc>
+                          <a:spcPct val="100000"/>
+                        </a:lnSpc>
+                        <a:spcBef>
+                          <a:spcPts val="0"/>
+                        </a:spcBef>
+                        <a:spcAft>
+                          <a:spcPts val="0"/>
+                        </a:spcAft>
+                      </a:pPr>
+                      <a:r>
+                        <a:rPr lang="en-US" sz="1600" b="0" dirty="0">
+                          <a:effectLst/>
+                          <a:latin typeface="+mn-lt"/>
+                          <a:ea typeface="Calibri"/>
+                          <a:cs typeface="Times New Roman"/>
+                        </a:rPr>
+                        <a:t>.60 (.03)***</a:t>
+                      </a:r>
+                    </a:p>
+                  </a:txBody>
+                  <a:tcPr marL="0" marR="0" marT="0" marB="0" anchor="ctr"/>
+                </a:tc>
+                <a:extLst>
+                  <a:ext uri="{0D108BD9-81ED-4DB2-BD59-A6C34878D82A}">
+                    <a16:rowId xmlns:a16="http://schemas.microsoft.com/office/drawing/2014/main" val="10004"/>
+                  </a:ext>
+                </a:extLst>
+              </a:tr>
+              <a:tr h="457115">
+                <a:tc>
+                  <a:txBody>
+                    <a:bodyPr/>
+                    <a:lstStyle/>
+                    <a:p>
+                      <a:pPr marL="0" marR="0">
+                        <a:lnSpc>
+                          <a:spcPct val="100000"/>
+                        </a:lnSpc>
+                        <a:spcBef>
+                          <a:spcPts val="0"/>
+                        </a:spcBef>
+                        <a:spcAft>
+                          <a:spcPts val="0"/>
+                        </a:spcAft>
+                      </a:pPr>
+                      <a:r>
+                        <a:rPr lang="en-US" sz="1600" dirty="0">
+                          <a:effectLst/>
+                        </a:rPr>
+                        <a:t>Household Size</a:t>
+                      </a:r>
+                      <a:endParaRPr lang="en-US" sz="1600" dirty="0">
+                        <a:effectLst/>
+                        <a:latin typeface="+mn-lt"/>
+                        <a:ea typeface="Calibri"/>
+                        <a:cs typeface="Times New Roman"/>
+                      </a:endParaRPr>
+                    </a:p>
+                  </a:txBody>
+                  <a:tcPr marR="92939" marT="0" marB="0" anchor="ctr"/>
+                </a:tc>
+                <a:tc>
+                  <a:txBody>
+                    <a:bodyPr/>
+                    <a:lstStyle/>
+                    <a:p>
+                      <a:pPr marL="102870" marR="0" indent="0" algn="ctr" defTabSz="914400" rtl="0" eaLnBrk="1" fontAlgn="auto" latinLnBrk="0" hangingPunct="1">
+                        <a:lnSpc>
+                          <a:spcPct val="100000"/>
+                        </a:lnSpc>
+                        <a:spcBef>
+                          <a:spcPts val="0"/>
+                        </a:spcBef>
+                        <a:spcAft>
+                          <a:spcPts val="0"/>
+                        </a:spcAft>
+                        <a:buClrTx/>
+                        <a:buSzTx/>
+                        <a:buFontTx/>
+                        <a:buNone/>
+                        <a:tabLst/>
+                        <a:defRPr/>
+                      </a:pPr>
+                      <a:r>
+                        <a:rPr lang="en-US" sz="1600" b="0" dirty="0">
+                          <a:effectLst/>
+                          <a:latin typeface="+mn-lt"/>
+                          <a:ea typeface="Calibri"/>
+                          <a:cs typeface="Times New Roman"/>
+                        </a:rPr>
+                        <a:t>-0.10 (.03)** </a:t>
+                      </a:r>
+                    </a:p>
+                  </a:txBody>
+                  <a:tcPr marL="0" marR="0" marT="0" marB="0" anchor="ctr"/>
+                </a:tc>
+                <a:tc>
+                  <a:txBody>
+                    <a:bodyPr/>
+                    <a:lstStyle/>
+                    <a:p>
+                      <a:pPr marL="102870" marR="0" indent="0" algn="ctr" defTabSz="914400" rtl="0" eaLnBrk="1" fontAlgn="auto" latinLnBrk="0" hangingPunct="1">
+                        <a:lnSpc>
+                          <a:spcPct val="100000"/>
+                        </a:lnSpc>
+                        <a:spcBef>
+                          <a:spcPts val="0"/>
+                        </a:spcBef>
+                        <a:spcAft>
+                          <a:spcPts val="0"/>
+                        </a:spcAft>
+                        <a:buClrTx/>
+                        <a:buSzTx/>
+                        <a:buFontTx/>
+                        <a:buNone/>
+                        <a:tabLst/>
+                        <a:defRPr/>
+                      </a:pPr>
+                      <a:r>
+                        <a:rPr lang="en-US" sz="1600" b="0" dirty="0">
+                          <a:effectLst/>
+                          <a:latin typeface="+mn-lt"/>
+                          <a:ea typeface="Calibri"/>
+                          <a:cs typeface="Times New Roman"/>
+                        </a:rPr>
+                        <a:t>-.10 (.03)**</a:t>
+                      </a:r>
+                    </a:p>
+                  </a:txBody>
+                  <a:tcPr marL="0" marR="0" marT="0" marB="0" anchor="ctr"/>
+                </a:tc>
+                <a:tc>
+                  <a:txBody>
+                    <a:bodyPr/>
+                    <a:lstStyle/>
+                    <a:p>
+                      <a:pPr marL="102870" marR="0" indent="0" algn="ctr" defTabSz="914400" rtl="0" eaLnBrk="1" fontAlgn="auto" latinLnBrk="0" hangingPunct="1">
+                        <a:lnSpc>
+                          <a:spcPct val="100000"/>
+                        </a:lnSpc>
+                        <a:spcBef>
+                          <a:spcPts val="0"/>
+                        </a:spcBef>
+                        <a:spcAft>
+                          <a:spcPts val="0"/>
+                        </a:spcAft>
+                        <a:buClrTx/>
+                        <a:buSzTx/>
+                        <a:buFontTx/>
+                        <a:buNone/>
+                        <a:tabLst/>
+                        <a:defRPr/>
+                      </a:pPr>
+                      <a:r>
+                        <a:rPr lang="en-US" sz="1600" b="0" dirty="0">
+                          <a:effectLst/>
+                          <a:latin typeface="+mn-lt"/>
+                          <a:ea typeface="Calibri"/>
+                          <a:cs typeface="Times New Roman"/>
+                        </a:rPr>
+                        <a:t>-.10 (.03)**</a:t>
+                      </a:r>
+                    </a:p>
+                  </a:txBody>
+                  <a:tcPr marL="0" marR="0" marT="0" marB="0" anchor="ctr"/>
+                </a:tc>
+                <a:tc>
+                  <a:txBody>
+                    <a:bodyPr/>
+                    <a:lstStyle/>
+                    <a:p>
+                      <a:pPr marL="102870" marR="0" indent="0" algn="ctr" defTabSz="914400" rtl="0" eaLnBrk="1" fontAlgn="auto" latinLnBrk="0" hangingPunct="1">
+                        <a:lnSpc>
+                          <a:spcPct val="100000"/>
+                        </a:lnSpc>
+                        <a:spcBef>
+                          <a:spcPts val="0"/>
+                        </a:spcBef>
+                        <a:spcAft>
+                          <a:spcPts val="0"/>
+                        </a:spcAft>
+                        <a:buClrTx/>
+                        <a:buSzTx/>
+                        <a:buFontTx/>
+                        <a:buNone/>
+                        <a:tabLst/>
+                        <a:defRPr/>
+                      </a:pPr>
+                      <a:r>
+                        <a:rPr lang="en-US" sz="1600" b="0" dirty="0">
+                          <a:effectLst/>
+                          <a:latin typeface="+mn-lt"/>
+                          <a:ea typeface="Calibri"/>
+                          <a:cs typeface="Times New Roman"/>
+                        </a:rPr>
+                        <a:t>-.10 (.03)**</a:t>
+                      </a:r>
+                    </a:p>
+                  </a:txBody>
+                  <a:tcPr marL="0" marR="0" marT="0" marB="0" anchor="ctr"/>
+                </a:tc>
+                <a:tc>
+                  <a:txBody>
+                    <a:bodyPr/>
+                    <a:lstStyle/>
+                    <a:p>
+                      <a:pPr marL="102870" marR="0" indent="0" algn="ctr" defTabSz="914400" rtl="0" eaLnBrk="1" fontAlgn="auto" latinLnBrk="0" hangingPunct="1">
+                        <a:lnSpc>
+                          <a:spcPct val="100000"/>
+                        </a:lnSpc>
+                        <a:spcBef>
+                          <a:spcPts val="0"/>
+                        </a:spcBef>
+                        <a:spcAft>
+                          <a:spcPts val="0"/>
+                        </a:spcAft>
+                        <a:buClrTx/>
+                        <a:buSzTx/>
+                        <a:buFontTx/>
+                        <a:buNone/>
+                        <a:tabLst/>
+                        <a:defRPr/>
+                      </a:pPr>
+                      <a:r>
+                        <a:rPr lang="en-US" sz="1600" b="0" dirty="0">
+                          <a:effectLst/>
+                          <a:latin typeface="+mn-lt"/>
+                          <a:ea typeface="Calibri"/>
+                          <a:cs typeface="Times New Roman"/>
+                        </a:rPr>
+                        <a:t>-.11 (.03)***</a:t>
+                      </a:r>
+                    </a:p>
+                  </a:txBody>
+                  <a:tcPr marL="0" marR="0" marT="0" marB="0" anchor="ctr"/>
+                </a:tc>
+                <a:extLst>
+                  <a:ext uri="{0D108BD9-81ED-4DB2-BD59-A6C34878D82A}">
+                    <a16:rowId xmlns:a16="http://schemas.microsoft.com/office/drawing/2014/main" val="10005"/>
+                  </a:ext>
+                </a:extLst>
+              </a:tr>
+              <a:tr h="457115">
+                <a:tc>
+                  <a:txBody>
+                    <a:bodyPr/>
+                    <a:lstStyle/>
+                    <a:p>
+                      <a:pPr marL="0" marR="0">
+                        <a:lnSpc>
+                          <a:spcPct val="100000"/>
+                        </a:lnSpc>
+                        <a:spcBef>
+                          <a:spcPts val="0"/>
+                        </a:spcBef>
+                        <a:spcAft>
+                          <a:spcPts val="0"/>
+                        </a:spcAft>
+                      </a:pPr>
+                      <a:r>
+                        <a:rPr lang="en-US" sz="1600" dirty="0">
+                          <a:effectLst/>
+                        </a:rPr>
+                        <a:t>Health Rating</a:t>
+                      </a:r>
+                      <a:endParaRPr lang="en-US" sz="1600" dirty="0">
+                        <a:effectLst/>
+                        <a:latin typeface="+mn-lt"/>
+                        <a:ea typeface="Calibri"/>
+                        <a:cs typeface="Times New Roman"/>
+                      </a:endParaRPr>
+                    </a:p>
+                  </a:txBody>
+                  <a:tcPr marR="92939" marT="0" marB="0" anchor="ctr"/>
+                </a:tc>
+                <a:tc>
+                  <a:txBody>
+                    <a:bodyPr/>
+                    <a:lstStyle/>
+                    <a:p>
+                      <a:pPr marL="102870" marR="0" indent="0" algn="ctr" defTabSz="914400" rtl="0" eaLnBrk="1" fontAlgn="auto" latinLnBrk="0" hangingPunct="1">
+                        <a:lnSpc>
+                          <a:spcPct val="100000"/>
+                        </a:lnSpc>
+                        <a:spcBef>
+                          <a:spcPts val="0"/>
+                        </a:spcBef>
+                        <a:spcAft>
+                          <a:spcPts val="0"/>
+                        </a:spcAft>
+                        <a:buClrTx/>
+                        <a:buSzTx/>
+                        <a:buFontTx/>
+                        <a:buNone/>
+                        <a:tabLst/>
+                        <a:defRPr/>
+                      </a:pPr>
+                      <a:r>
+                        <a:rPr lang="en-US" sz="1600" b="0" dirty="0">
+                          <a:effectLst/>
+                          <a:latin typeface="+mn-lt"/>
+                          <a:ea typeface="Calibri"/>
+                          <a:cs typeface="Times New Roman"/>
+                        </a:rPr>
+                        <a:t>.67 (.05) ***</a:t>
+                      </a:r>
+                    </a:p>
+                  </a:txBody>
+                  <a:tcPr marL="0" marR="0" marT="0" marB="0" anchor="ctr"/>
+                </a:tc>
+                <a:tc>
+                  <a:txBody>
+                    <a:bodyPr/>
+                    <a:lstStyle/>
+                    <a:p>
+                      <a:pPr marL="102870" marR="0" indent="0" algn="ctr" defTabSz="914400" rtl="0" eaLnBrk="1" fontAlgn="auto" latinLnBrk="0" hangingPunct="1">
+                        <a:lnSpc>
+                          <a:spcPct val="100000"/>
+                        </a:lnSpc>
+                        <a:spcBef>
+                          <a:spcPts val="0"/>
+                        </a:spcBef>
+                        <a:spcAft>
+                          <a:spcPts val="0"/>
+                        </a:spcAft>
+                        <a:buClrTx/>
+                        <a:buSzTx/>
+                        <a:buFontTx/>
+                        <a:buNone/>
+                        <a:tabLst/>
+                        <a:defRPr/>
+                      </a:pPr>
+                      <a:r>
+                        <a:rPr lang="en-US" sz="1600" b="0" dirty="0">
+                          <a:effectLst/>
+                          <a:latin typeface="+mn-lt"/>
+                          <a:ea typeface="Calibri"/>
+                          <a:cs typeface="Times New Roman"/>
+                        </a:rPr>
+                        <a:t>.68 (.05)***</a:t>
+                      </a:r>
+                    </a:p>
+                  </a:txBody>
+                  <a:tcPr marL="0" marR="0" marT="0" marB="0" anchor="ctr"/>
+                </a:tc>
+                <a:tc>
+                  <a:txBody>
+                    <a:bodyPr/>
+                    <a:lstStyle/>
+                    <a:p>
+                      <a:pPr marL="102870" marR="0" indent="0" algn="ctr" defTabSz="914400" rtl="0" eaLnBrk="1" fontAlgn="auto" latinLnBrk="0" hangingPunct="1">
+                        <a:lnSpc>
+                          <a:spcPct val="100000"/>
+                        </a:lnSpc>
+                        <a:spcBef>
+                          <a:spcPts val="0"/>
+                        </a:spcBef>
+                        <a:spcAft>
+                          <a:spcPts val="0"/>
+                        </a:spcAft>
+                        <a:buClrTx/>
+                        <a:buSzTx/>
+                        <a:buFontTx/>
+                        <a:buNone/>
+                        <a:tabLst/>
+                        <a:defRPr/>
+                      </a:pPr>
+                      <a:r>
+                        <a:rPr lang="en-US" sz="1600" b="0" dirty="0">
+                          <a:effectLst/>
+                          <a:latin typeface="+mn-lt"/>
+                          <a:ea typeface="Calibri"/>
+                          <a:cs typeface="Times New Roman"/>
+                        </a:rPr>
+                        <a:t>.67 (.05)***</a:t>
+                      </a:r>
+                    </a:p>
+                  </a:txBody>
+                  <a:tcPr marL="0" marR="0" marT="0" marB="0" anchor="ctr"/>
+                </a:tc>
+                <a:tc>
+                  <a:txBody>
+                    <a:bodyPr/>
+                    <a:lstStyle/>
+                    <a:p>
+                      <a:pPr marL="102870" marR="0" indent="0" algn="ctr" defTabSz="914400" rtl="0" eaLnBrk="1" fontAlgn="auto" latinLnBrk="0" hangingPunct="1">
+                        <a:lnSpc>
+                          <a:spcPct val="100000"/>
+                        </a:lnSpc>
+                        <a:spcBef>
+                          <a:spcPts val="0"/>
+                        </a:spcBef>
+                        <a:spcAft>
+                          <a:spcPts val="0"/>
+                        </a:spcAft>
+                        <a:buClrTx/>
+                        <a:buSzTx/>
+                        <a:buFontTx/>
+                        <a:buNone/>
+                        <a:tabLst/>
+                        <a:defRPr/>
+                      </a:pPr>
+                      <a:r>
+                        <a:rPr lang="en-US" sz="1600" b="0" dirty="0">
+                          <a:effectLst/>
+                          <a:latin typeface="+mn-lt"/>
+                          <a:ea typeface="Calibri"/>
+                          <a:cs typeface="Times New Roman"/>
+                        </a:rPr>
+                        <a:t>.68 (.05)***</a:t>
+                      </a:r>
+                    </a:p>
+                  </a:txBody>
+                  <a:tcPr marL="0" marR="0" marT="0" marB="0" anchor="ctr"/>
+                </a:tc>
+                <a:tc>
+                  <a:txBody>
+                    <a:bodyPr/>
+                    <a:lstStyle/>
+                    <a:p>
+                      <a:pPr marL="102870" marR="0" indent="0" algn="ctr" defTabSz="914400" rtl="0" eaLnBrk="1" fontAlgn="auto" latinLnBrk="0" hangingPunct="1">
+                        <a:lnSpc>
+                          <a:spcPct val="100000"/>
+                        </a:lnSpc>
+                        <a:spcBef>
+                          <a:spcPts val="0"/>
+                        </a:spcBef>
+                        <a:spcAft>
+                          <a:spcPts val="0"/>
+                        </a:spcAft>
+                        <a:buClrTx/>
+                        <a:buSzTx/>
+                        <a:buFontTx/>
+                        <a:buNone/>
+                        <a:tabLst/>
+                        <a:defRPr/>
+                      </a:pPr>
+                      <a:r>
+                        <a:rPr lang="en-US" sz="1600" b="0" dirty="0">
+                          <a:effectLst/>
+                          <a:latin typeface="+mn-lt"/>
+                          <a:ea typeface="Calibri"/>
+                          <a:cs typeface="Times New Roman"/>
+                        </a:rPr>
+                        <a:t>.67 (.05)***</a:t>
+                      </a:r>
+                    </a:p>
+                  </a:txBody>
+                  <a:tcPr marL="0" marR="0" marT="0" marB="0" anchor="ctr"/>
+                </a:tc>
+                <a:extLst>
+                  <a:ext uri="{0D108BD9-81ED-4DB2-BD59-A6C34878D82A}">
+                    <a16:rowId xmlns:a16="http://schemas.microsoft.com/office/drawing/2014/main" val="10006"/>
+                  </a:ext>
+                </a:extLst>
+              </a:tr>
+              <a:tr h="457115">
+                <a:tc>
+                  <a:txBody>
+                    <a:bodyPr/>
+                    <a:lstStyle/>
+                    <a:p>
+                      <a:pPr marL="0" marR="0">
+                        <a:lnSpc>
+                          <a:spcPct val="100000"/>
+                        </a:lnSpc>
+                        <a:spcBef>
+                          <a:spcPts val="0"/>
+                        </a:spcBef>
+                        <a:spcAft>
+                          <a:spcPts val="0"/>
+                        </a:spcAft>
+                      </a:pPr>
+                      <a:r>
+                        <a:rPr lang="en-US" sz="1600" dirty="0">
+                          <a:effectLst/>
+                        </a:rPr>
+                        <a:t>Marijuana Use</a:t>
+                      </a:r>
+                      <a:endParaRPr lang="en-US" sz="1600" dirty="0">
+                        <a:effectLst/>
+                        <a:latin typeface="+mn-lt"/>
+                        <a:ea typeface="Calibri"/>
+                        <a:cs typeface="Times New Roman"/>
+                      </a:endParaRPr>
+                    </a:p>
+                  </a:txBody>
+                  <a:tcPr marR="92939" marT="0" marB="0" anchor="ctr"/>
+                </a:tc>
+                <a:tc>
+                  <a:txBody>
+                    <a:bodyPr/>
+                    <a:lstStyle/>
+                    <a:p>
+                      <a:pPr marL="102870" marR="0" indent="0" algn="ctr" defTabSz="914400" rtl="0" eaLnBrk="1" fontAlgn="auto" latinLnBrk="0" hangingPunct="1">
+                        <a:lnSpc>
+                          <a:spcPct val="100000"/>
+                        </a:lnSpc>
+                        <a:spcBef>
+                          <a:spcPts val="0"/>
+                        </a:spcBef>
+                        <a:spcAft>
+                          <a:spcPts val="0"/>
+                        </a:spcAft>
+                        <a:buClrTx/>
+                        <a:buSzTx/>
+                        <a:buFontTx/>
+                        <a:buNone/>
+                        <a:tabLst/>
+                        <a:defRPr/>
+                      </a:pPr>
+                      <a:r>
+                        <a:rPr lang="en-US" sz="1600" b="0" dirty="0">
+                          <a:effectLst/>
+                          <a:latin typeface="+mn-lt"/>
+                          <a:ea typeface="Calibri"/>
+                          <a:cs typeface="Times New Roman"/>
+                        </a:rPr>
+                        <a:t>-.03 (.01)***</a:t>
+                      </a:r>
+                    </a:p>
+                  </a:txBody>
+                  <a:tcPr marL="0" marR="0" marT="0" marB="0" anchor="ctr"/>
+                </a:tc>
+                <a:tc>
+                  <a:txBody>
+                    <a:bodyPr/>
+                    <a:lstStyle/>
+                    <a:p>
+                      <a:pPr marL="102870" marR="0" indent="0" algn="ctr" defTabSz="914400" rtl="0" eaLnBrk="1" fontAlgn="auto" latinLnBrk="0" hangingPunct="1">
+                        <a:lnSpc>
+                          <a:spcPct val="100000"/>
+                        </a:lnSpc>
+                        <a:spcBef>
+                          <a:spcPts val="0"/>
+                        </a:spcBef>
+                        <a:spcAft>
+                          <a:spcPts val="0"/>
+                        </a:spcAft>
+                        <a:buClrTx/>
+                        <a:buSzTx/>
+                        <a:buFontTx/>
+                        <a:buNone/>
+                        <a:tabLst/>
+                        <a:defRPr/>
+                      </a:pPr>
+                      <a:r>
+                        <a:rPr lang="en-US" sz="1600" b="0" dirty="0">
+                          <a:effectLst/>
+                          <a:latin typeface="+mn-lt"/>
+                          <a:ea typeface="Calibri"/>
+                          <a:cs typeface="Times New Roman"/>
+                        </a:rPr>
+                        <a:t>-.03 (.01)*</a:t>
+                      </a:r>
+                    </a:p>
+                  </a:txBody>
+                  <a:tcPr marL="0" marR="0" marT="0" marB="0" anchor="ctr"/>
+                </a:tc>
+                <a:tc>
+                  <a:txBody>
+                    <a:bodyPr/>
+                    <a:lstStyle/>
+                    <a:p>
+                      <a:pPr marL="102870" marR="0" indent="0" algn="ctr" defTabSz="914400" rtl="0" eaLnBrk="1" fontAlgn="auto" latinLnBrk="0" hangingPunct="1">
+                        <a:lnSpc>
+                          <a:spcPct val="100000"/>
+                        </a:lnSpc>
+                        <a:spcBef>
+                          <a:spcPts val="0"/>
+                        </a:spcBef>
+                        <a:spcAft>
+                          <a:spcPts val="0"/>
+                        </a:spcAft>
+                        <a:buClrTx/>
+                        <a:buSzTx/>
+                        <a:buFontTx/>
+                        <a:buNone/>
+                        <a:tabLst/>
+                        <a:defRPr/>
+                      </a:pPr>
+                      <a:r>
+                        <a:rPr lang="en-US" sz="1600" b="0" dirty="0">
+                          <a:effectLst/>
+                          <a:latin typeface="+mn-lt"/>
+                          <a:ea typeface="Calibri"/>
+                          <a:cs typeface="Times New Roman"/>
+                        </a:rPr>
+                        <a:t>-.03 (.01)*</a:t>
+                      </a:r>
+                    </a:p>
+                  </a:txBody>
+                  <a:tcPr marL="0" marR="0" marT="0" marB="0" anchor="ctr"/>
+                </a:tc>
+                <a:tc>
+                  <a:txBody>
+                    <a:bodyPr/>
+                    <a:lstStyle/>
+                    <a:p>
+                      <a:pPr marL="102870" marR="0" indent="0" algn="ctr" defTabSz="914400" rtl="0" eaLnBrk="1" fontAlgn="auto" latinLnBrk="0" hangingPunct="1">
+                        <a:lnSpc>
+                          <a:spcPct val="100000"/>
+                        </a:lnSpc>
+                        <a:spcBef>
+                          <a:spcPts val="0"/>
+                        </a:spcBef>
+                        <a:spcAft>
+                          <a:spcPts val="0"/>
+                        </a:spcAft>
+                        <a:buClrTx/>
+                        <a:buSzTx/>
+                        <a:buFontTx/>
+                        <a:buNone/>
+                        <a:tabLst/>
+                        <a:defRPr/>
+                      </a:pPr>
+                      <a:r>
+                        <a:rPr lang="en-US" sz="1600" b="0" dirty="0">
+                          <a:effectLst/>
+                          <a:latin typeface="+mn-lt"/>
+                          <a:ea typeface="Calibri"/>
+                          <a:cs typeface="Times New Roman"/>
+                        </a:rPr>
+                        <a:t>-.03 (.01)*</a:t>
+                      </a:r>
+                    </a:p>
+                  </a:txBody>
+                  <a:tcPr marL="0" marR="0" marT="0" marB="0" anchor="ctr"/>
+                </a:tc>
+                <a:tc>
+                  <a:txBody>
+                    <a:bodyPr/>
+                    <a:lstStyle/>
+                    <a:p>
+                      <a:pPr marL="102870" marR="0" indent="0" algn="ctr" defTabSz="914400" rtl="0" eaLnBrk="1" fontAlgn="auto" latinLnBrk="0" hangingPunct="1">
+                        <a:lnSpc>
+                          <a:spcPct val="100000"/>
+                        </a:lnSpc>
+                        <a:spcBef>
+                          <a:spcPts val="0"/>
+                        </a:spcBef>
+                        <a:spcAft>
+                          <a:spcPts val="0"/>
+                        </a:spcAft>
+                        <a:buClrTx/>
+                        <a:buSzTx/>
+                        <a:buFontTx/>
+                        <a:buNone/>
+                        <a:tabLst/>
+                        <a:defRPr/>
+                      </a:pPr>
+                      <a:r>
+                        <a:rPr lang="en-US" sz="1600" b="0" dirty="0">
+                          <a:effectLst/>
+                          <a:latin typeface="+mn-lt"/>
+                          <a:ea typeface="Calibri"/>
+                          <a:cs typeface="Times New Roman"/>
+                        </a:rPr>
+                        <a:t>-.03 (.01)*</a:t>
+                      </a:r>
+                    </a:p>
+                  </a:txBody>
+                  <a:tcPr marL="0" marR="0" marT="0" marB="0" anchor="ctr"/>
+                </a:tc>
+                <a:extLst>
+                  <a:ext uri="{0D108BD9-81ED-4DB2-BD59-A6C34878D82A}">
+                    <a16:rowId xmlns:a16="http://schemas.microsoft.com/office/drawing/2014/main" val="10007"/>
+                  </a:ext>
+                </a:extLst>
+              </a:tr>
+              <a:tr h="457115">
+                <a:tc>
+                  <a:txBody>
+                    <a:bodyPr/>
+                    <a:lstStyle/>
+                    <a:p>
+                      <a:pPr marL="0" marR="0">
+                        <a:lnSpc>
+                          <a:spcPct val="100000"/>
+                        </a:lnSpc>
+                        <a:spcBef>
+                          <a:spcPts val="0"/>
+                        </a:spcBef>
+                        <a:spcAft>
+                          <a:spcPts val="0"/>
+                        </a:spcAft>
+                      </a:pPr>
+                      <a:r>
+                        <a:rPr lang="en-US" sz="1600" dirty="0">
+                          <a:effectLst/>
+                        </a:rPr>
+                        <a:t>N</a:t>
+                      </a:r>
+                      <a:endParaRPr lang="en-US" sz="1600" dirty="0">
+                        <a:effectLst/>
+                        <a:latin typeface="+mn-lt"/>
+                        <a:ea typeface="Calibri"/>
+                        <a:cs typeface="Times New Roman"/>
+                      </a:endParaRPr>
+                    </a:p>
+                  </a:txBody>
+                  <a:tcPr marR="92939" marT="0" marB="0" anchor="ctr"/>
+                </a:tc>
+                <a:tc>
+                  <a:txBody>
+                    <a:bodyPr/>
+                    <a:lstStyle/>
+                    <a:p>
+                      <a:pPr marL="0" marR="0" algn="ctr">
+                        <a:lnSpc>
+                          <a:spcPct val="100000"/>
+                        </a:lnSpc>
+                        <a:spcBef>
+                          <a:spcPts val="0"/>
+                        </a:spcBef>
+                        <a:spcAft>
+                          <a:spcPts val="0"/>
+                        </a:spcAft>
+                      </a:pPr>
+                      <a:r>
+                        <a:rPr lang="en-US" sz="1600" dirty="0">
+                          <a:effectLst/>
+                        </a:rPr>
+                        <a:t>8,984</a:t>
+                      </a:r>
+                      <a:endParaRPr lang="en-US" sz="1600" dirty="0">
+                        <a:effectLst/>
+                        <a:latin typeface="+mn-lt"/>
+                        <a:ea typeface="Calibri"/>
+                        <a:cs typeface="Times New Roman"/>
+                      </a:endParaRPr>
+                    </a:p>
+                  </a:txBody>
+                  <a:tcPr marL="92939" marR="92939" marT="0" marB="0" anchor="ctr"/>
+                </a:tc>
+                <a:tc>
+                  <a:txBody>
+                    <a:bodyPr/>
+                    <a:lstStyle/>
+                    <a:p>
+                      <a:pPr marL="0" marR="0" algn="ctr">
+                        <a:lnSpc>
+                          <a:spcPct val="100000"/>
+                        </a:lnSpc>
+                        <a:spcBef>
+                          <a:spcPts val="0"/>
+                        </a:spcBef>
+                        <a:spcAft>
+                          <a:spcPts val="0"/>
+                        </a:spcAft>
+                      </a:pPr>
+                      <a:r>
+                        <a:rPr lang="en-US" sz="1600" dirty="0">
+                          <a:effectLst/>
+                        </a:rPr>
+                        <a:t>8,984</a:t>
+                      </a:r>
+                      <a:endParaRPr lang="en-US" sz="1600" dirty="0">
+                        <a:effectLst/>
+                        <a:latin typeface="+mn-lt"/>
+                        <a:ea typeface="Calibri"/>
+                        <a:cs typeface="Times New Roman"/>
+                      </a:endParaRPr>
+                    </a:p>
+                  </a:txBody>
+                  <a:tcPr marL="92939" marR="92939" marT="0" marB="0" anchor="ctr"/>
+                </a:tc>
+                <a:tc>
+                  <a:txBody>
+                    <a:bodyPr/>
+                    <a:lstStyle/>
+                    <a:p>
+                      <a:pPr marL="0" marR="0" algn="ctr">
+                        <a:lnSpc>
+                          <a:spcPct val="100000"/>
+                        </a:lnSpc>
+                        <a:spcBef>
+                          <a:spcPts val="0"/>
+                        </a:spcBef>
+                        <a:spcAft>
+                          <a:spcPts val="0"/>
+                        </a:spcAft>
+                      </a:pPr>
+                      <a:r>
+                        <a:rPr lang="en-US" sz="1600" dirty="0">
+                          <a:effectLst/>
+                        </a:rPr>
+                        <a:t>8,984</a:t>
+                      </a:r>
+                      <a:endParaRPr lang="en-US" sz="1600" dirty="0">
+                        <a:effectLst/>
+                        <a:latin typeface="+mn-lt"/>
+                        <a:ea typeface="Calibri"/>
+                        <a:cs typeface="Times New Roman"/>
+                      </a:endParaRPr>
+                    </a:p>
+                  </a:txBody>
+                  <a:tcPr marL="92939" marR="92939" marT="0" marB="0" anchor="ctr"/>
+                </a:tc>
+                <a:tc>
+                  <a:txBody>
+                    <a:bodyPr/>
+                    <a:lstStyle/>
+                    <a:p>
+                      <a:pPr marL="0" marR="0" algn="ctr">
+                        <a:lnSpc>
+                          <a:spcPct val="100000"/>
+                        </a:lnSpc>
+                        <a:spcBef>
+                          <a:spcPts val="0"/>
+                        </a:spcBef>
+                        <a:spcAft>
+                          <a:spcPts val="0"/>
+                        </a:spcAft>
+                      </a:pPr>
+                      <a:r>
+                        <a:rPr lang="en-US" sz="1600" dirty="0">
+                          <a:effectLst/>
+                        </a:rPr>
+                        <a:t>8,984</a:t>
+                      </a:r>
+                      <a:endParaRPr lang="en-US" sz="1600" dirty="0">
+                        <a:effectLst/>
+                        <a:latin typeface="+mn-lt"/>
+                        <a:ea typeface="Calibri"/>
+                        <a:cs typeface="Times New Roman"/>
+                      </a:endParaRPr>
+                    </a:p>
+                  </a:txBody>
+                  <a:tcPr marL="92939" marR="92939" marT="0" marB="0" anchor="ctr"/>
+                </a:tc>
+                <a:tc>
+                  <a:txBody>
+                    <a:bodyPr/>
+                    <a:lstStyle/>
+                    <a:p>
+                      <a:pPr marL="0" marR="0" algn="ctr">
+                        <a:lnSpc>
+                          <a:spcPct val="100000"/>
+                        </a:lnSpc>
+                        <a:spcBef>
+                          <a:spcPts val="0"/>
+                        </a:spcBef>
+                        <a:spcAft>
+                          <a:spcPts val="0"/>
+                        </a:spcAft>
+                      </a:pPr>
+                      <a:r>
+                        <a:rPr lang="en-US" sz="1600" dirty="0">
+                          <a:effectLst/>
+                        </a:rPr>
+                        <a:t>8,984</a:t>
+                      </a:r>
+                      <a:endParaRPr lang="en-US" sz="1600" dirty="0">
+                        <a:effectLst/>
+                        <a:latin typeface="+mn-lt"/>
+                        <a:ea typeface="Calibri"/>
+                        <a:cs typeface="Times New Roman"/>
+                      </a:endParaRPr>
+                    </a:p>
+                  </a:txBody>
+                  <a:tcPr marL="92939" marR="92939" marT="0" marB="0" anchor="ctr"/>
+                </a:tc>
+                <a:extLst>
+                  <a:ext uri="{0D108BD9-81ED-4DB2-BD59-A6C34878D82A}">
+                    <a16:rowId xmlns:a16="http://schemas.microsoft.com/office/drawing/2014/main" val="10008"/>
+                  </a:ext>
+                </a:extLst>
+              </a:tr>
+            </a:tbl>
+          </a:graphicData>
+        </a:graphic>
+      </p:graphicFrame>
+    </p:spTree>
+    <p:extLst>
+      <p:ext uri="{BB962C8B-B14F-4D97-AF65-F5344CB8AC3E}">
+        <p14:creationId xmlns:p14="http://schemas.microsoft.com/office/powerpoint/2010/main" val="1136886643"/>
+      </p:ext>
+    </p:extLst>
+  </p:cSld>
+  <p:clrMapOvr>
+    <a:masterClrMapping/>
+  </p:clrMapOvr>
+</p:sld>
+</file>
+
+<file path=ppt/slides/slide28.xml><?xml version="1.0" encoding="utf-8"?>
+<p:sld xmlns:a="http://schemas.openxmlformats.org/drawingml/2006/main" xmlns:r="http://schemas.openxmlformats.org/officeDocument/2006/relationships" xmlns:p="http://schemas.openxmlformats.org/presentationml/2006/main">
+  <p:cSld>
+    <p:spTree>
+      <p:nvGrpSpPr>
+        <p:cNvPr id="1" name="">
+          <a:extLst>
+            <a:ext uri="{FF2B5EF4-FFF2-40B4-BE49-F238E27FC236}">
+              <a16:creationId xmlns:a16="http://schemas.microsoft.com/office/drawing/2014/main" id="{FB1C462A-A39A-E1BF-D61C-8CF3C7E86F02}"/>
+            </a:ext>
+          </a:extLst>
+        </p:cNvPr>
+        <p:cNvGrpSpPr/>
+        <p:nvPr/>
+      </p:nvGrpSpPr>
+      <p:grpSpPr>
+        <a:xfrm>
+          <a:off x="0" y="0"/>
+          <a:ext cx="0" cy="0"/>
+          <a:chOff x="0" y="0"/>
+          <a:chExt cx="0" cy="0"/>
+        </a:xfrm>
+      </p:grpSpPr>
+      <p:sp>
+        <p:nvSpPr>
+          <p:cNvPr id="2" name="Title 1">
+            <a:extLst>
+              <a:ext uri="{FF2B5EF4-FFF2-40B4-BE49-F238E27FC236}">
+                <a16:creationId xmlns:a16="http://schemas.microsoft.com/office/drawing/2014/main" id="{2AAFBECF-0DBD-88E6-27BE-4CDA42910145}"/>
+              </a:ext>
+            </a:extLst>
+          </p:cNvPr>
+          <p:cNvSpPr>
+            <a:spLocks noGrp="1"/>
+          </p:cNvSpPr>
+          <p:nvPr>
+            <p:ph type="ctrTitle"/>
+          </p:nvPr>
+        </p:nvSpPr>
+        <p:spPr/>
+        <p:txBody>
+          <a:bodyPr/>
+          <a:lstStyle/>
+          <a:p>
+            <a:r>
+              <a:rPr lang="en-US" dirty="0"/>
+              <a:t>Multiple Imputation in Stata: A Brief Tutorial</a:t>
+            </a:r>
+          </a:p>
+        </p:txBody>
+      </p:sp>
+      <p:sp>
+        <p:nvSpPr>
+          <p:cNvPr id="3" name="Subtitle 2">
+            <a:extLst>
+              <a:ext uri="{FF2B5EF4-FFF2-40B4-BE49-F238E27FC236}">
+                <a16:creationId xmlns:a16="http://schemas.microsoft.com/office/drawing/2014/main" id="{995D3802-6AC6-E0B9-E569-995D0A044631}"/>
+              </a:ext>
+            </a:extLst>
+          </p:cNvPr>
+          <p:cNvSpPr>
+            <a:spLocks noGrp="1"/>
+          </p:cNvSpPr>
+          <p:nvPr>
+            <p:ph type="subTitle" idx="1"/>
+          </p:nvPr>
+        </p:nvSpPr>
+        <p:spPr/>
+        <p:txBody>
+          <a:bodyPr/>
+          <a:lstStyle/>
+          <a:p>
+            <a:r>
+              <a:rPr lang="en-US" dirty="0"/>
+              <a:t>Samuel E DeWitt</a:t>
+            </a:r>
+          </a:p>
+        </p:txBody>
+      </p:sp>
+    </p:spTree>
+    <p:extLst>
+      <p:ext uri="{BB962C8B-B14F-4D97-AF65-F5344CB8AC3E}">
+        <p14:creationId xmlns:p14="http://schemas.microsoft.com/office/powerpoint/2010/main" val="1067882326"/>
       </p:ext>
     </p:extLst>
   </p:cSld>
@@ -8782,8 +11924,8 @@
           </a:p>
         </p:txBody>
       </p:sp>
-      <mc:AlternateContent xmlns:mc="http://schemas.openxmlformats.org/markup-compatibility/2006">
-        <mc:Choice xmlns:a14="http://schemas.microsoft.com/office/drawing/2010/main" Requires="a14">
+      <mc:AlternateContent xmlns:mc="http://schemas.openxmlformats.org/markup-compatibility/2006" xmlns:a14="http://schemas.microsoft.com/office/drawing/2010/main">
+        <mc:Choice Requires="a14">
           <p:sp>
             <p:nvSpPr>
               <p:cNvPr id="3" name="Content Placeholder 2">
@@ -8963,7 +12105,7 @@
             </p:txBody>
           </p:sp>
         </mc:Choice>
-        <mc:Fallback>
+        <mc:Fallback xmlns="">
           <p:sp>
             <p:nvSpPr>
               <p:cNvPr id="3" name="Content Placeholder 2">
@@ -9070,8 +12212,8 @@
           </a:p>
         </p:txBody>
       </p:sp>
-      <mc:AlternateContent xmlns:mc="http://schemas.openxmlformats.org/markup-compatibility/2006">
-        <mc:Choice xmlns:a14="http://schemas.microsoft.com/office/drawing/2010/main" Requires="a14">
+      <mc:AlternateContent xmlns:mc="http://schemas.openxmlformats.org/markup-compatibility/2006" xmlns:a14="http://schemas.microsoft.com/office/drawing/2010/main">
+        <mc:Choice Requires="a14">
           <p:sp>
             <p:nvSpPr>
               <p:cNvPr id="3" name="Content Placeholder 2">
@@ -9364,7 +12506,7 @@
             </p:txBody>
           </p:sp>
         </mc:Choice>
-        <mc:Fallback>
+        <mc:Fallback xmlns="">
           <p:sp>
             <p:nvSpPr>
               <p:cNvPr id="3" name="Content Placeholder 2">
@@ -9475,8 +12617,8 @@
           </a:p>
         </p:txBody>
       </p:sp>
-      <mc:AlternateContent xmlns:mc="http://schemas.openxmlformats.org/markup-compatibility/2006">
-        <mc:Choice xmlns:a14="http://schemas.microsoft.com/office/drawing/2010/main" Requires="a14">
+      <mc:AlternateContent xmlns:mc="http://schemas.openxmlformats.org/markup-compatibility/2006" xmlns:a14="http://schemas.microsoft.com/office/drawing/2010/main">
+        <mc:Choice Requires="a14">
           <p:sp>
             <p:nvSpPr>
               <p:cNvPr id="3" name="Content Placeholder 2">
@@ -9756,7 +12898,7 @@
             </p:txBody>
           </p:sp>
         </mc:Choice>
-        <mc:Fallback>
+        <mc:Fallback xmlns="">
           <p:sp>
             <p:nvSpPr>
               <p:cNvPr id="3" name="Content Placeholder 2">
@@ -10079,7 +13221,7 @@
         </p:spPr>
         <p:txBody>
           <a:bodyPr>
-            <a:normAutofit/>
+            <a:normAutofit lnSpcReduction="10000"/>
           </a:bodyPr>
           <a:lstStyle/>
           <a:p>
@@ -10116,7 +13258,7 @@
           <a:p>
             <a:r>
               <a:rPr lang="en-US" sz="2800" dirty="0"/>
-              <a:t>These solutions assume that missing values are either ignorable or are known from variables with complete data</a:t>
+              <a:t>These solutions assume that missing values are either ignorable (MCAR) or are known from variables with complete data (MAR)</a:t>
             </a:r>
           </a:p>
           <a:p>

--- a/Presentation/Multiple Imputation in Stata Tutorial.pptx
+++ b/Presentation/Multiple Imputation in Stata Tutorial.pptx
@@ -8886,8 +8886,8 @@
         </p:blipFill>
         <p:spPr>
           <a:xfrm>
-            <a:off x="3342891" y="2027789"/>
-            <a:ext cx="5496692" cy="3467584"/>
+            <a:off x="3104129" y="1563994"/>
+            <a:ext cx="5973093" cy="3768121"/>
           </a:xfrm>
         </p:spPr>
       </p:pic>
@@ -8905,8 +8905,8 @@
         </p:nvGrpSpPr>
         <p:grpSpPr>
           <a:xfrm>
-            <a:off x="4366517" y="2816358"/>
-            <a:ext cx="4701238" cy="1952090"/>
+            <a:off x="4571190" y="2418392"/>
+            <a:ext cx="4701238" cy="2116477"/>
             <a:chOff x="1905000" y="1776046"/>
             <a:chExt cx="6751789" cy="3212123"/>
           </a:xfrm>

--- a/Presentation/Multiple Imputation in Stata Tutorial.pptx
+++ b/Presentation/Multiple Imputation in Stata Tutorial.pptx
@@ -8489,35 +8489,6 @@
           </a:p>
         </p:txBody>
       </p:sp>
-      <p:pic>
-        <p:nvPicPr>
-          <p:cNvPr id="5" name="Content Placeholder 4">
-            <a:extLst>
-              <a:ext uri="{FF2B5EF4-FFF2-40B4-BE49-F238E27FC236}">
-                <a16:creationId xmlns:a16="http://schemas.microsoft.com/office/drawing/2014/main" id="{4B029E2B-A733-C507-8D3A-A4ABE79083D2}"/>
-              </a:ext>
-            </a:extLst>
-          </p:cNvPr>
-          <p:cNvPicPr>
-            <a:picLocks noGrp="1" noChangeAspect="1"/>
-          </p:cNvPicPr>
-          <p:nvPr>
-            <p:ph idx="1"/>
-          </p:nvPr>
-        </p:nvPicPr>
-        <p:blipFill>
-          <a:blip r:embed="rId2"/>
-          <a:stretch>
-            <a:fillRect/>
-          </a:stretch>
-        </p:blipFill>
-        <p:spPr>
-          <a:xfrm>
-            <a:off x="2859640" y="955497"/>
-            <a:ext cx="6472720" cy="3945276"/>
-          </a:xfrm>
-        </p:spPr>
-      </p:pic>
       <p:sp>
         <p:nvSpPr>
           <p:cNvPr id="6" name="TextBox 5">
@@ -8793,7 +8764,7 @@
                 <a:latin typeface="Courier New" panose="02070309020205020404" pitchFamily="49" charset="0"/>
                 <a:cs typeface="Courier New" panose="02070309020205020404" pitchFamily="49" charset="0"/>
               </a:rPr>
-              <a:t>("Kernal Density")</a:t>
+              <a:t>("Kernel Density")</a:t>
             </a:r>
           </a:p>
           <a:p>
@@ -8804,6 +8775,35 @@
           </a:p>
         </p:txBody>
       </p:sp>
+      <p:pic>
+        <p:nvPicPr>
+          <p:cNvPr id="12" name="Content Placeholder 11">
+            <a:extLst>
+              <a:ext uri="{FF2B5EF4-FFF2-40B4-BE49-F238E27FC236}">
+                <a16:creationId xmlns:a16="http://schemas.microsoft.com/office/drawing/2014/main" id="{43A5A91A-4477-CAE4-0D8B-54D71DFE9573}"/>
+              </a:ext>
+            </a:extLst>
+          </p:cNvPr>
+          <p:cNvPicPr>
+            <a:picLocks noGrp="1" noChangeAspect="1"/>
+          </p:cNvPicPr>
+          <p:nvPr>
+            <p:ph idx="1"/>
+          </p:nvPr>
+        </p:nvPicPr>
+        <p:blipFill>
+          <a:blip r:embed="rId2"/>
+          <a:stretch>
+            <a:fillRect/>
+          </a:stretch>
+        </p:blipFill>
+        <p:spPr>
+          <a:xfrm>
+            <a:off x="2907586" y="955497"/>
+            <a:ext cx="6376827" cy="3925954"/>
+          </a:xfrm>
+        </p:spPr>
+      </p:pic>
     </p:spTree>
     <p:extLst>
       <p:ext uri="{BB962C8B-B14F-4D97-AF65-F5344CB8AC3E}">
